--- a/Baocao15.1.pptx
+++ b/Baocao15.1.pptx
@@ -4,6 +4,9 @@
   <p:sldMasterIdLst>
     <p:sldMasterId id="2147483660" r:id="rId1"/>
   </p:sldMasterIdLst>
+  <p:notesMasterIdLst>
+    <p:notesMasterId r:id="rId33"/>
+  </p:notesMasterIdLst>
   <p:sldIdLst>
     <p:sldId id="291" r:id="rId2"/>
     <p:sldId id="256" r:id="rId3"/>
@@ -20,23 +23,22 @@
     <p:sldId id="258" r:id="rId14"/>
     <p:sldId id="273" r:id="rId15"/>
     <p:sldId id="288" r:id="rId16"/>
-    <p:sldId id="272" r:id="rId17"/>
-    <p:sldId id="278" r:id="rId18"/>
-    <p:sldId id="271" r:id="rId19"/>
-    <p:sldId id="265" r:id="rId20"/>
-    <p:sldId id="286" r:id="rId21"/>
-    <p:sldId id="259" r:id="rId22"/>
-    <p:sldId id="275" r:id="rId23"/>
-    <p:sldId id="276" r:id="rId24"/>
-    <p:sldId id="267" r:id="rId25"/>
-    <p:sldId id="287" r:id="rId26"/>
-    <p:sldId id="270" r:id="rId27"/>
-    <p:sldId id="266" r:id="rId28"/>
-    <p:sldId id="283" r:id="rId29"/>
-    <p:sldId id="284" r:id="rId30"/>
-    <p:sldId id="269" r:id="rId31"/>
-    <p:sldId id="289" r:id="rId32"/>
-    <p:sldId id="274" r:id="rId33"/>
+    <p:sldId id="278" r:id="rId17"/>
+    <p:sldId id="271" r:id="rId18"/>
+    <p:sldId id="265" r:id="rId19"/>
+    <p:sldId id="286" r:id="rId20"/>
+    <p:sldId id="259" r:id="rId21"/>
+    <p:sldId id="275" r:id="rId22"/>
+    <p:sldId id="276" r:id="rId23"/>
+    <p:sldId id="267" r:id="rId24"/>
+    <p:sldId id="287" r:id="rId25"/>
+    <p:sldId id="270" r:id="rId26"/>
+    <p:sldId id="266" r:id="rId27"/>
+    <p:sldId id="283" r:id="rId28"/>
+    <p:sldId id="284" r:id="rId29"/>
+    <p:sldId id="269" r:id="rId30"/>
+    <p:sldId id="289" r:id="rId31"/>
+    <p:sldId id="274" r:id="rId32"/>
   </p:sldIdLst>
   <p:sldSz cx="9144000" cy="6858000" type="screen4x3"/>
   <p:notesSz cx="6858000" cy="9144000"/>
@@ -137,7 +139,7 @@
   </p:defaultTextStyle>
   <p:extLst>
     <p:ext uri="{521415D9-36F7-43E2-AB2F-B90AF26B5E84}">
-      <p14:sectionLst xmlns:p14="http://schemas.microsoft.com/office/powerpoint/2010/main" xmlns="">
+      <p14:sectionLst xmlns="" xmlns:p14="http://schemas.microsoft.com/office/powerpoint/2010/main">
         <p14:section name="Alert Aggregation" id="{96C85E43-BD37-4C7A-9806-D32417A64145}">
           <p14:sldIdLst>
             <p14:sldId id="256"/>
@@ -1832,11 +1834,11 @@
     <dgm:cxn modelId="{5689EE71-EE1E-45A8-A3D2-F12257B1384C}" type="presOf" srcId="{13375031-7C4C-47E3-A61C-CD50796DB7E3}" destId="{DC04BE96-EFF0-470D-8F49-B91B5B37BF39}" srcOrd="0" destOrd="0" presId="urn:microsoft.com/office/officeart/2005/8/layout/hList1"/>
     <dgm:cxn modelId="{A8F4170A-223D-442B-B4A8-FC9D2C94AEA1}" srcId="{4F471A4A-80E9-4AF6-A182-6E32AF5CB462}" destId="{5677C6F5-258C-46B9-9391-4D0955475DF0}" srcOrd="0" destOrd="0" parTransId="{9DA855B0-2378-407D-AA1A-A088CABF6093}" sibTransId="{6C8B9263-6E49-405E-9B9F-71C6338C0B1E}"/>
     <dgm:cxn modelId="{08C73E27-D911-478D-8EF0-E17311E26BC2}" srcId="{F3C641AD-EDE0-4B52-9379-6176F838CB5D}" destId="{1E537928-A48E-4A94-8617-256A095A926A}" srcOrd="0" destOrd="0" parTransId="{83E83693-732B-49C6-961A-FE6A3AA1C639}" sibTransId="{F327DAA2-5522-4561-8041-98EAD6CD2280}"/>
+    <dgm:cxn modelId="{5A906B80-D382-412E-AAA6-827FE79AA213}" type="presOf" srcId="{F3C641AD-EDE0-4B52-9379-6176F838CB5D}" destId="{DC04BE96-EFF0-470D-8F49-B91B5B37BF39}" srcOrd="0" destOrd="2" presId="urn:microsoft.com/office/officeart/2005/8/layout/hList1"/>
     <dgm:cxn modelId="{9BFF26F0-545D-4994-92A0-7D7226A08486}" srcId="{D28C6343-0AB2-4DD4-8C9E-BF7D5F105F9C}" destId="{46CB3E87-B3A5-4B86-9EE9-64E8A9AEFC3F}" srcOrd="0" destOrd="0" parTransId="{4A108EA8-F00D-40DB-A703-F3B54904E81C}" sibTransId="{BD6CB86D-CD99-4354-A741-91E262F0B11A}"/>
-    <dgm:cxn modelId="{5A906B80-D382-412E-AAA6-827FE79AA213}" type="presOf" srcId="{F3C641AD-EDE0-4B52-9379-6176F838CB5D}" destId="{DC04BE96-EFF0-470D-8F49-B91B5B37BF39}" srcOrd="0" destOrd="2" presId="urn:microsoft.com/office/officeart/2005/8/layout/hList1"/>
-    <dgm:cxn modelId="{1A1FAD44-BD80-4FCB-B6D5-9CB8D2846CAC}" srcId="{F57FDECE-6541-4767-82AC-6764E5AA3B9B}" destId="{85937001-E50B-48E8-BFF8-148E60CA289B}" srcOrd="0" destOrd="0" parTransId="{8B478996-2001-43F4-80C7-F2E88CA5FC44}" sibTransId="{26B808D6-D99B-40A6-B1B1-4C2461E07804}"/>
     <dgm:cxn modelId="{8C071CA7-78B4-4B3F-B15C-E892045930DE}" srcId="{F57FDECE-6541-4767-82AC-6764E5AA3B9B}" destId="{A1B2FD32-5482-46E5-BEE4-75C490505117}" srcOrd="1" destOrd="0" parTransId="{0C9C155B-D3D5-467E-A2B2-0F29DFAED626}" sibTransId="{EECA0B7B-FA0F-4682-8CC0-5C0567F1720B}"/>
     <dgm:cxn modelId="{A0F54D74-20C7-49CB-B36C-75D078CB6F9E}" type="presOf" srcId="{AA2383FF-B07F-4BF2-9CEB-838BE0245393}" destId="{50B788CC-0A93-42B4-84D9-B144B992661D}" srcOrd="0" destOrd="0" presId="urn:microsoft.com/office/officeart/2005/8/layout/hList1"/>
+    <dgm:cxn modelId="{1A1FAD44-BD80-4FCB-B6D5-9CB8D2846CAC}" srcId="{F57FDECE-6541-4767-82AC-6764E5AA3B9B}" destId="{85937001-E50B-48E8-BFF8-148E60CA289B}" srcOrd="0" destOrd="0" parTransId="{8B478996-2001-43F4-80C7-F2E88CA5FC44}" sibTransId="{26B808D6-D99B-40A6-B1B1-4C2461E07804}"/>
     <dgm:cxn modelId="{BB850D57-4A04-47EF-8101-4372F720785D}" srcId="{1FCAD283-A5ED-4E90-B951-2F28CE430672}" destId="{94ED5B17-103F-40E0-883F-007154BDDCD4}" srcOrd="1" destOrd="0" parTransId="{CC18C014-2CF4-401C-AB80-6B83C1540CA0}" sibTransId="{74E4F9B1-1DAE-4F75-B127-4E2638DCE823}"/>
     <dgm:cxn modelId="{5D2BD234-E8F9-4D1D-948E-80ADF09CE01A}" srcId="{A1B2FD32-5482-46E5-BEE4-75C490505117}" destId="{13375031-7C4C-47E3-A61C-CD50796DB7E3}" srcOrd="0" destOrd="0" parTransId="{1C61B487-5B34-4D2E-A844-204FF8F9B1F8}" sibTransId="{926DDCD3-7C78-4474-8554-38DBB0F6149A}"/>
     <dgm:cxn modelId="{C3764A1E-A95D-4B08-B181-42CA2A3B546A}" type="presOf" srcId="{4A22C062-B0DB-44AC-AD2E-18F690EB7B2D}" destId="{352AFF43-F3AA-4C11-81A4-173ECC4E5067}" srcOrd="0" destOrd="0" presId="urn:microsoft.com/office/officeart/2005/8/layout/hList1"/>
@@ -3932,6 +3934,793 @@
 </dgm:styleDef>
 </file>
 
+<file path=ppt/notesMasters/notesMaster1.xml><?xml version="1.0" encoding="utf-8"?>
+<p:notesMaster xmlns:a="http://schemas.openxmlformats.org/drawingml/2006/main" xmlns:r="http://schemas.openxmlformats.org/officeDocument/2006/relationships" xmlns:p="http://schemas.openxmlformats.org/presentationml/2006/main">
+  <p:cSld>
+    <p:bg>
+      <p:bgRef idx="1001">
+        <a:schemeClr val="bg1"/>
+      </p:bgRef>
+    </p:bg>
+    <p:spTree>
+      <p:nvGrpSpPr>
+        <p:cNvPr id="1" name=""/>
+        <p:cNvGrpSpPr/>
+        <p:nvPr/>
+      </p:nvGrpSpPr>
+      <p:grpSpPr>
+        <a:xfrm>
+          <a:off x="0" y="0"/>
+          <a:ext cx="0" cy="0"/>
+          <a:chOff x="0" y="0"/>
+          <a:chExt cx="0" cy="0"/>
+        </a:xfrm>
+      </p:grpSpPr>
+      <p:sp>
+        <p:nvSpPr>
+          <p:cNvPr id="2" name="Header Placeholder 1"/>
+          <p:cNvSpPr>
+            <a:spLocks noGrp="1"/>
+          </p:cNvSpPr>
+          <p:nvPr>
+            <p:ph type="hdr" sz="quarter"/>
+          </p:nvPr>
+        </p:nvSpPr>
+        <p:spPr>
+          <a:xfrm>
+            <a:off x="0" y="0"/>
+            <a:ext cx="2971800" cy="457200"/>
+          </a:xfrm>
+          <a:prstGeom prst="rect">
+            <a:avLst/>
+          </a:prstGeom>
+        </p:spPr>
+        <p:txBody>
+          <a:bodyPr vert="horz" lIns="91440" tIns="45720" rIns="91440" bIns="45720" rtlCol="0"/>
+          <a:lstStyle>
+            <a:lvl1pPr algn="l">
+              <a:defRPr sz="1200"/>
+            </a:lvl1pPr>
+          </a:lstStyle>
+          <a:p>
+            <a:endParaRPr lang="vi-VN"/>
+          </a:p>
+        </p:txBody>
+      </p:sp>
+      <p:sp>
+        <p:nvSpPr>
+          <p:cNvPr id="3" name="Date Placeholder 2"/>
+          <p:cNvSpPr>
+            <a:spLocks noGrp="1"/>
+          </p:cNvSpPr>
+          <p:nvPr>
+            <p:ph type="dt" idx="1"/>
+          </p:nvPr>
+        </p:nvSpPr>
+        <p:spPr>
+          <a:xfrm>
+            <a:off x="3884613" y="0"/>
+            <a:ext cx="2971800" cy="457200"/>
+          </a:xfrm>
+          <a:prstGeom prst="rect">
+            <a:avLst/>
+          </a:prstGeom>
+        </p:spPr>
+        <p:txBody>
+          <a:bodyPr vert="horz" lIns="91440" tIns="45720" rIns="91440" bIns="45720" rtlCol="0"/>
+          <a:lstStyle>
+            <a:lvl1pPr algn="r">
+              <a:defRPr sz="1200"/>
+            </a:lvl1pPr>
+          </a:lstStyle>
+          <a:p>
+            <a:fld id="{69C55AD6-1B9F-41AB-9454-50B82CA1DD95}" type="datetimeFigureOut">
+              <a:rPr lang="vi-VN" smtClean="0"/>
+              <a:t>14/02/2011</a:t>
+            </a:fld>
+            <a:endParaRPr lang="vi-VN"/>
+          </a:p>
+        </p:txBody>
+      </p:sp>
+      <p:sp>
+        <p:nvSpPr>
+          <p:cNvPr id="4" name="Slide Image Placeholder 3"/>
+          <p:cNvSpPr>
+            <a:spLocks noGrp="1" noRot="1" noChangeAspect="1"/>
+          </p:cNvSpPr>
+          <p:nvPr>
+            <p:ph type="sldImg" idx="2"/>
+          </p:nvPr>
+        </p:nvSpPr>
+        <p:spPr>
+          <a:xfrm>
+            <a:off x="1143000" y="685800"/>
+            <a:ext cx="4572000" cy="3429000"/>
+          </a:xfrm>
+          <a:prstGeom prst="rect">
+            <a:avLst/>
+          </a:prstGeom>
+          <a:noFill/>
+          <a:ln w="12700">
+            <a:solidFill>
+              <a:prstClr val="black"/>
+            </a:solidFill>
+          </a:ln>
+        </p:spPr>
+        <p:txBody>
+          <a:bodyPr vert="horz" lIns="91440" tIns="45720" rIns="91440" bIns="45720" rtlCol="0" anchor="ctr"/>
+          <a:lstStyle/>
+          <a:p>
+            <a:endParaRPr lang="vi-VN"/>
+          </a:p>
+        </p:txBody>
+      </p:sp>
+      <p:sp>
+        <p:nvSpPr>
+          <p:cNvPr id="5" name="Notes Placeholder 4"/>
+          <p:cNvSpPr>
+            <a:spLocks noGrp="1"/>
+          </p:cNvSpPr>
+          <p:nvPr>
+            <p:ph type="body" sz="quarter" idx="3"/>
+          </p:nvPr>
+        </p:nvSpPr>
+        <p:spPr>
+          <a:xfrm>
+            <a:off x="685800" y="4343400"/>
+            <a:ext cx="5486400" cy="4114800"/>
+          </a:xfrm>
+          <a:prstGeom prst="rect">
+            <a:avLst/>
+          </a:prstGeom>
+        </p:spPr>
+        <p:txBody>
+          <a:bodyPr vert="horz" lIns="91440" tIns="45720" rIns="91440" bIns="45720" rtlCol="0">
+            <a:normAutofit/>
+          </a:bodyPr>
+          <a:lstStyle/>
+          <a:p>
+            <a:pPr lvl="0"/>
+            <a:r>
+              <a:rPr lang="en-US" smtClean="0"/>
+              <a:t>Click to edit Master text styles</a:t>
+            </a:r>
+          </a:p>
+          <a:p>
+            <a:pPr lvl="1"/>
+            <a:r>
+              <a:rPr lang="en-US" smtClean="0"/>
+              <a:t>Second level</a:t>
+            </a:r>
+          </a:p>
+          <a:p>
+            <a:pPr lvl="2"/>
+            <a:r>
+              <a:rPr lang="en-US" smtClean="0"/>
+              <a:t>Third level</a:t>
+            </a:r>
+          </a:p>
+          <a:p>
+            <a:pPr lvl="3"/>
+            <a:r>
+              <a:rPr lang="en-US" smtClean="0"/>
+              <a:t>Fourth level</a:t>
+            </a:r>
+          </a:p>
+          <a:p>
+            <a:pPr lvl="4"/>
+            <a:r>
+              <a:rPr lang="en-US" smtClean="0"/>
+              <a:t>Fifth level</a:t>
+            </a:r>
+            <a:endParaRPr lang="vi-VN"/>
+          </a:p>
+        </p:txBody>
+      </p:sp>
+      <p:sp>
+        <p:nvSpPr>
+          <p:cNvPr id="6" name="Footer Placeholder 5"/>
+          <p:cNvSpPr>
+            <a:spLocks noGrp="1"/>
+          </p:cNvSpPr>
+          <p:nvPr>
+            <p:ph type="ftr" sz="quarter" idx="4"/>
+          </p:nvPr>
+        </p:nvSpPr>
+        <p:spPr>
+          <a:xfrm>
+            <a:off x="0" y="8685213"/>
+            <a:ext cx="2971800" cy="457200"/>
+          </a:xfrm>
+          <a:prstGeom prst="rect">
+            <a:avLst/>
+          </a:prstGeom>
+        </p:spPr>
+        <p:txBody>
+          <a:bodyPr vert="horz" lIns="91440" tIns="45720" rIns="91440" bIns="45720" rtlCol="0" anchor="b"/>
+          <a:lstStyle>
+            <a:lvl1pPr algn="l">
+              <a:defRPr sz="1200"/>
+            </a:lvl1pPr>
+          </a:lstStyle>
+          <a:p>
+            <a:endParaRPr lang="vi-VN"/>
+          </a:p>
+        </p:txBody>
+      </p:sp>
+      <p:sp>
+        <p:nvSpPr>
+          <p:cNvPr id="7" name="Slide Number Placeholder 6"/>
+          <p:cNvSpPr>
+            <a:spLocks noGrp="1"/>
+          </p:cNvSpPr>
+          <p:nvPr>
+            <p:ph type="sldNum" sz="quarter" idx="5"/>
+          </p:nvPr>
+        </p:nvSpPr>
+        <p:spPr>
+          <a:xfrm>
+            <a:off x="3884613" y="8685213"/>
+            <a:ext cx="2971800" cy="457200"/>
+          </a:xfrm>
+          <a:prstGeom prst="rect">
+            <a:avLst/>
+          </a:prstGeom>
+        </p:spPr>
+        <p:txBody>
+          <a:bodyPr vert="horz" lIns="91440" tIns="45720" rIns="91440" bIns="45720" rtlCol="0" anchor="b"/>
+          <a:lstStyle>
+            <a:lvl1pPr algn="r">
+              <a:defRPr sz="1200"/>
+            </a:lvl1pPr>
+          </a:lstStyle>
+          <a:p>
+            <a:fld id="{05A26FB9-04E5-4AE0-8E35-1771F7D0BBEB}" type="slidenum">
+              <a:rPr lang="vi-VN" smtClean="0"/>
+              <a:t>‹#›</a:t>
+            </a:fld>
+            <a:endParaRPr lang="vi-VN"/>
+          </a:p>
+        </p:txBody>
+      </p:sp>
+    </p:spTree>
+  </p:cSld>
+  <p:clrMap bg1="lt1" tx1="dk1" bg2="lt2" tx2="dk2" accent1="accent1" accent2="accent2" accent3="accent3" accent4="accent4" accent5="accent5" accent6="accent6" hlink="hlink" folHlink="folHlink"/>
+  <p:notesStyle>
+    <a:lvl1pPr marL="0" algn="l" defTabSz="914400" rtl="0" eaLnBrk="1" latinLnBrk="0" hangingPunct="1">
+      <a:defRPr sz="1200" kern="1200">
+        <a:solidFill>
+          <a:schemeClr val="tx1"/>
+        </a:solidFill>
+        <a:latin typeface="+mn-lt"/>
+        <a:ea typeface="+mn-ea"/>
+        <a:cs typeface="+mn-cs"/>
+      </a:defRPr>
+    </a:lvl1pPr>
+    <a:lvl2pPr marL="457200" algn="l" defTabSz="914400" rtl="0" eaLnBrk="1" latinLnBrk="0" hangingPunct="1">
+      <a:defRPr sz="1200" kern="1200">
+        <a:solidFill>
+          <a:schemeClr val="tx1"/>
+        </a:solidFill>
+        <a:latin typeface="+mn-lt"/>
+        <a:ea typeface="+mn-ea"/>
+        <a:cs typeface="+mn-cs"/>
+      </a:defRPr>
+    </a:lvl2pPr>
+    <a:lvl3pPr marL="914400" algn="l" defTabSz="914400" rtl="0" eaLnBrk="1" latinLnBrk="0" hangingPunct="1">
+      <a:defRPr sz="1200" kern="1200">
+        <a:solidFill>
+          <a:schemeClr val="tx1"/>
+        </a:solidFill>
+        <a:latin typeface="+mn-lt"/>
+        <a:ea typeface="+mn-ea"/>
+        <a:cs typeface="+mn-cs"/>
+      </a:defRPr>
+    </a:lvl3pPr>
+    <a:lvl4pPr marL="1371600" algn="l" defTabSz="914400" rtl="0" eaLnBrk="1" latinLnBrk="0" hangingPunct="1">
+      <a:defRPr sz="1200" kern="1200">
+        <a:solidFill>
+          <a:schemeClr val="tx1"/>
+        </a:solidFill>
+        <a:latin typeface="+mn-lt"/>
+        <a:ea typeface="+mn-ea"/>
+        <a:cs typeface="+mn-cs"/>
+      </a:defRPr>
+    </a:lvl4pPr>
+    <a:lvl5pPr marL="1828800" algn="l" defTabSz="914400" rtl="0" eaLnBrk="1" latinLnBrk="0" hangingPunct="1">
+      <a:defRPr sz="1200" kern="1200">
+        <a:solidFill>
+          <a:schemeClr val="tx1"/>
+        </a:solidFill>
+        <a:latin typeface="+mn-lt"/>
+        <a:ea typeface="+mn-ea"/>
+        <a:cs typeface="+mn-cs"/>
+      </a:defRPr>
+    </a:lvl5pPr>
+    <a:lvl6pPr marL="2286000" algn="l" defTabSz="914400" rtl="0" eaLnBrk="1" latinLnBrk="0" hangingPunct="1">
+      <a:defRPr sz="1200" kern="1200">
+        <a:solidFill>
+          <a:schemeClr val="tx1"/>
+        </a:solidFill>
+        <a:latin typeface="+mn-lt"/>
+        <a:ea typeface="+mn-ea"/>
+        <a:cs typeface="+mn-cs"/>
+      </a:defRPr>
+    </a:lvl6pPr>
+    <a:lvl7pPr marL="2743200" algn="l" defTabSz="914400" rtl="0" eaLnBrk="1" latinLnBrk="0" hangingPunct="1">
+      <a:defRPr sz="1200" kern="1200">
+        <a:solidFill>
+          <a:schemeClr val="tx1"/>
+        </a:solidFill>
+        <a:latin typeface="+mn-lt"/>
+        <a:ea typeface="+mn-ea"/>
+        <a:cs typeface="+mn-cs"/>
+      </a:defRPr>
+    </a:lvl7pPr>
+    <a:lvl8pPr marL="3200400" algn="l" defTabSz="914400" rtl="0" eaLnBrk="1" latinLnBrk="0" hangingPunct="1">
+      <a:defRPr sz="1200" kern="1200">
+        <a:solidFill>
+          <a:schemeClr val="tx1"/>
+        </a:solidFill>
+        <a:latin typeface="+mn-lt"/>
+        <a:ea typeface="+mn-ea"/>
+        <a:cs typeface="+mn-cs"/>
+      </a:defRPr>
+    </a:lvl8pPr>
+    <a:lvl9pPr marL="3657600" algn="l" defTabSz="914400" rtl="0" eaLnBrk="1" latinLnBrk="0" hangingPunct="1">
+      <a:defRPr sz="1200" kern="1200">
+        <a:solidFill>
+          <a:schemeClr val="tx1"/>
+        </a:solidFill>
+        <a:latin typeface="+mn-lt"/>
+        <a:ea typeface="+mn-ea"/>
+        <a:cs typeface="+mn-cs"/>
+      </a:defRPr>
+    </a:lvl9pPr>
+  </p:notesStyle>
+</p:notesMaster>
+</file>
+
+<file path=ppt/notesSlides/notesSlide1.xml><?xml version="1.0" encoding="utf-8"?>
+<p:notes xmlns:a="http://schemas.openxmlformats.org/drawingml/2006/main" xmlns:r="http://schemas.openxmlformats.org/officeDocument/2006/relationships" xmlns:p="http://schemas.openxmlformats.org/presentationml/2006/main">
+  <p:cSld>
+    <p:spTree>
+      <p:nvGrpSpPr>
+        <p:cNvPr id="1" name=""/>
+        <p:cNvGrpSpPr/>
+        <p:nvPr/>
+      </p:nvGrpSpPr>
+      <p:grpSpPr>
+        <a:xfrm>
+          <a:off x="0" y="0"/>
+          <a:ext cx="0" cy="0"/>
+          <a:chOff x="0" y="0"/>
+          <a:chExt cx="0" cy="0"/>
+        </a:xfrm>
+      </p:grpSpPr>
+      <p:sp>
+        <p:nvSpPr>
+          <p:cNvPr id="2" name="Slide Image Placeholder 1"/>
+          <p:cNvSpPr>
+            <a:spLocks noGrp="1" noRot="1" noChangeAspect="1"/>
+          </p:cNvSpPr>
+          <p:nvPr>
+            <p:ph type="sldImg"/>
+          </p:nvPr>
+        </p:nvSpPr>
+        <p:spPr/>
+      </p:sp>
+      <p:sp>
+        <p:nvSpPr>
+          <p:cNvPr id="3" name="Notes Placeholder 2"/>
+          <p:cNvSpPr>
+            <a:spLocks noGrp="1"/>
+          </p:cNvSpPr>
+          <p:nvPr>
+            <p:ph type="body" idx="1"/>
+          </p:nvPr>
+        </p:nvSpPr>
+        <p:spPr/>
+        <p:txBody>
+          <a:bodyPr>
+            <a:normAutofit/>
+          </a:bodyPr>
+          <a:lstStyle/>
+          <a:p>
+            <a:pPr lvl="2"/>
+            <a:r>
+              <a:rPr lang="en-US" sz="1200" kern="1200" dirty="0" smtClean="0">
+                <a:solidFill>
+                  <a:schemeClr val="tx1"/>
+                </a:solidFill>
+                <a:latin typeface="+mn-lt"/>
+                <a:ea typeface="+mn-ea"/>
+                <a:cs typeface="+mn-cs"/>
+              </a:rPr>
+              <a:t>Root cause </a:t>
+            </a:r>
+            <a:r>
+              <a:rPr lang="en-US" sz="1200" kern="1200" dirty="0" err="1" smtClean="0">
+                <a:solidFill>
+                  <a:schemeClr val="tx1"/>
+                </a:solidFill>
+                <a:latin typeface="+mn-lt"/>
+                <a:ea typeface="+mn-ea"/>
+                <a:cs typeface="+mn-cs"/>
+              </a:rPr>
+              <a:t>của</a:t>
+            </a:r>
+            <a:r>
+              <a:rPr lang="en-US" sz="1200" kern="1200" baseline="0" dirty="0" smtClean="0">
+                <a:solidFill>
+                  <a:schemeClr val="tx1"/>
+                </a:solidFill>
+                <a:latin typeface="+mn-lt"/>
+                <a:ea typeface="+mn-ea"/>
+                <a:cs typeface="+mn-cs"/>
+              </a:rPr>
+              <a:t> 1: </a:t>
+            </a:r>
+            <a:r>
+              <a:rPr lang="en-US" sz="1200" kern="1200" dirty="0" smtClean="0">
+                <a:solidFill>
+                  <a:schemeClr val="tx1"/>
+                </a:solidFill>
+                <a:latin typeface="+mn-lt"/>
+                <a:ea typeface="+mn-ea"/>
+                <a:cs typeface="+mn-cs"/>
+              </a:rPr>
+              <a:t>A HTTP server with a broken TCP/IP stack that fragments outgoing </a:t>
+            </a:r>
+            <a:r>
+              <a:rPr lang="en-US" sz="1200" kern="1200" dirty="0" err="1" smtClean="0">
+                <a:solidFill>
+                  <a:schemeClr val="tx1"/>
+                </a:solidFill>
+                <a:latin typeface="+mn-lt"/>
+                <a:ea typeface="+mn-ea"/>
+                <a:cs typeface="+mn-cs"/>
+              </a:rPr>
+              <a:t>trafﬁc</a:t>
+            </a:r>
+            <a:r>
+              <a:rPr lang="en-US" sz="1200" kern="1200" dirty="0" smtClean="0">
+                <a:solidFill>
+                  <a:schemeClr val="tx1"/>
+                </a:solidFill>
+                <a:latin typeface="+mn-lt"/>
+                <a:ea typeface="+mn-ea"/>
+                <a:cs typeface="+mn-cs"/>
+              </a:rPr>
+              <a:t>.</a:t>
+            </a:r>
+            <a:endParaRPr lang="vi-VN" sz="1200" kern="1200" dirty="0" smtClean="0">
+              <a:solidFill>
+                <a:schemeClr val="tx1"/>
+              </a:solidFill>
+              <a:latin typeface="+mn-lt"/>
+              <a:ea typeface="+mn-ea"/>
+              <a:cs typeface="+mn-cs"/>
+            </a:endParaRPr>
+          </a:p>
+          <a:p>
+            <a:r>
+              <a:rPr lang="en-US" sz="1200" kern="1200" dirty="0" smtClean="0">
+                <a:solidFill>
+                  <a:schemeClr val="tx1"/>
+                </a:solidFill>
+                <a:latin typeface="+mn-lt"/>
+                <a:ea typeface="+mn-ea"/>
+                <a:cs typeface="+mn-cs"/>
+              </a:rPr>
+              <a:t>“Fragmented IP” alarms </a:t>
+            </a:r>
+            <a:r>
+              <a:rPr lang="en-US" sz="1200" kern="1200" dirty="0" err="1" smtClean="0">
+                <a:solidFill>
+                  <a:schemeClr val="tx1"/>
+                </a:solidFill>
+                <a:latin typeface="+mn-lt"/>
+                <a:ea typeface="+mn-ea"/>
+                <a:cs typeface="+mn-cs"/>
+              </a:rPr>
+              <a:t>ensuewhen</a:t>
+            </a:r>
+            <a:r>
+              <a:rPr lang="en-US" sz="1200" kern="1200" dirty="0" smtClean="0">
+                <a:solidFill>
+                  <a:schemeClr val="tx1"/>
+                </a:solidFill>
+                <a:latin typeface="+mn-lt"/>
+                <a:ea typeface="+mn-ea"/>
+                <a:cs typeface="+mn-cs"/>
+              </a:rPr>
+              <a:t> the server responds to clients requests.</a:t>
+            </a:r>
+            <a:endParaRPr lang="vi-VN" sz="1200" kern="1200" dirty="0" smtClean="0">
+              <a:solidFill>
+                <a:schemeClr val="tx1"/>
+              </a:solidFill>
+              <a:latin typeface="+mn-lt"/>
+              <a:ea typeface="+mn-ea"/>
+              <a:cs typeface="+mn-cs"/>
+            </a:endParaRPr>
+          </a:p>
+          <a:p>
+            <a:pPr lvl="2"/>
+            <a:r>
+              <a:rPr lang="en-US" sz="1200" kern="1200" dirty="0" smtClean="0">
+                <a:solidFill>
+                  <a:schemeClr val="tx1"/>
+                </a:solidFill>
+                <a:latin typeface="+mn-lt"/>
+                <a:ea typeface="+mn-ea"/>
+                <a:cs typeface="+mn-cs"/>
+              </a:rPr>
+              <a:t>Root cause </a:t>
+            </a:r>
+            <a:r>
+              <a:rPr lang="en-US" sz="1200" kern="1200" dirty="0" err="1" smtClean="0">
+                <a:solidFill>
+                  <a:schemeClr val="tx1"/>
+                </a:solidFill>
+                <a:latin typeface="+mn-lt"/>
+                <a:ea typeface="+mn-ea"/>
+                <a:cs typeface="+mn-cs"/>
+              </a:rPr>
+              <a:t>của</a:t>
+            </a:r>
+            <a:r>
+              <a:rPr lang="en-US" sz="1200" kern="1200" baseline="0" dirty="0" smtClean="0">
+                <a:solidFill>
+                  <a:schemeClr val="tx1"/>
+                </a:solidFill>
+                <a:latin typeface="+mn-lt"/>
+                <a:ea typeface="+mn-ea"/>
+                <a:cs typeface="+mn-cs"/>
+              </a:rPr>
+              <a:t> 2: </a:t>
+            </a:r>
+            <a:r>
+              <a:rPr lang="en-US" sz="1200" kern="1200" dirty="0" smtClean="0">
+                <a:solidFill>
+                  <a:schemeClr val="tx1"/>
+                </a:solidFill>
+                <a:latin typeface="+mn-lt"/>
+                <a:ea typeface="+mn-ea"/>
+                <a:cs typeface="+mn-cs"/>
+              </a:rPr>
+              <a:t>At one site, a </a:t>
+            </a:r>
+            <a:r>
+              <a:rPr lang="en-US" sz="1200" kern="1200" dirty="0" err="1" smtClean="0">
+                <a:solidFill>
+                  <a:schemeClr val="tx1"/>
+                </a:solidFill>
+                <a:latin typeface="+mn-lt"/>
+                <a:ea typeface="+mn-ea"/>
+                <a:cs typeface="+mn-cs"/>
+              </a:rPr>
+              <a:t>misconﬁgured</a:t>
+            </a:r>
+            <a:r>
+              <a:rPr lang="en-US" sz="1200" kern="1200" dirty="0" smtClean="0">
+                <a:solidFill>
+                  <a:schemeClr val="tx1"/>
+                </a:solidFill>
+                <a:latin typeface="+mn-lt"/>
+                <a:ea typeface="+mn-ea"/>
+                <a:cs typeface="+mn-cs"/>
+              </a:rPr>
+              <a:t> secondary DNS server performed half-hourly</a:t>
+            </a:r>
+            <a:endParaRPr lang="vi-VN" sz="1200" kern="1200" dirty="0" smtClean="0">
+              <a:solidFill>
+                <a:schemeClr val="tx1"/>
+              </a:solidFill>
+              <a:latin typeface="+mn-lt"/>
+              <a:ea typeface="+mn-ea"/>
+              <a:cs typeface="+mn-cs"/>
+            </a:endParaRPr>
+          </a:p>
+          <a:p>
+            <a:r>
+              <a:rPr lang="en-US" sz="1200" kern="1200" dirty="0" smtClean="0">
+                <a:solidFill>
+                  <a:schemeClr val="tx1"/>
+                </a:solidFill>
+                <a:latin typeface="+mn-lt"/>
+                <a:ea typeface="+mn-ea"/>
+                <a:cs typeface="+mn-cs"/>
+              </a:rPr>
+              <a:t>DNS zone transfers </a:t>
+            </a:r>
+            <a:r>
+              <a:rPr lang="en-US" sz="1200" kern="1200" dirty="0" err="1" smtClean="0">
+                <a:solidFill>
+                  <a:schemeClr val="tx1"/>
+                </a:solidFill>
+                <a:latin typeface="+mn-lt"/>
+                <a:ea typeface="+mn-ea"/>
+                <a:cs typeface="+mn-cs"/>
+              </a:rPr>
+              <a:t>fromthe</a:t>
+            </a:r>
+            <a:r>
+              <a:rPr lang="en-US" sz="1200" kern="1200" dirty="0" smtClean="0">
+                <a:solidFill>
+                  <a:schemeClr val="tx1"/>
+                </a:solidFill>
+                <a:latin typeface="+mn-lt"/>
+                <a:ea typeface="+mn-ea"/>
+                <a:cs typeface="+mn-cs"/>
+              </a:rPr>
+              <a:t> primary DNS server. The resulting “DNS zone</a:t>
+            </a:r>
+            <a:endParaRPr lang="vi-VN" sz="1200" kern="1200" dirty="0" smtClean="0">
+              <a:solidFill>
+                <a:schemeClr val="tx1"/>
+              </a:solidFill>
+              <a:latin typeface="+mn-lt"/>
+              <a:ea typeface="+mn-ea"/>
+              <a:cs typeface="+mn-cs"/>
+            </a:endParaRPr>
+          </a:p>
+          <a:p>
+            <a:r>
+              <a:rPr lang="en-US" sz="1200" kern="1200" dirty="0" smtClean="0">
+                <a:solidFill>
+                  <a:schemeClr val="tx1"/>
+                </a:solidFill>
+                <a:latin typeface="+mn-lt"/>
+                <a:ea typeface="+mn-ea"/>
+                <a:cs typeface="+mn-cs"/>
+              </a:rPr>
+              <a:t>transfer” alarms are no surprise.</a:t>
+            </a:r>
+            <a:endParaRPr lang="vi-VN" sz="1200" kern="1200" dirty="0" smtClean="0">
+              <a:solidFill>
+                <a:schemeClr val="tx1"/>
+              </a:solidFill>
+              <a:latin typeface="+mn-lt"/>
+              <a:ea typeface="+mn-ea"/>
+              <a:cs typeface="+mn-cs"/>
+            </a:endParaRPr>
+          </a:p>
+          <a:p>
+            <a:pPr lvl="2"/>
+            <a:r>
+              <a:rPr lang="en-US" sz="1200" kern="1200" dirty="0" smtClean="0">
+                <a:solidFill>
+                  <a:schemeClr val="tx1"/>
+                </a:solidFill>
+                <a:latin typeface="+mn-lt"/>
+                <a:ea typeface="+mn-ea"/>
+                <a:cs typeface="+mn-cs"/>
+              </a:rPr>
+              <a:t>Root cause </a:t>
+            </a:r>
+            <a:r>
+              <a:rPr lang="en-US" sz="1200" kern="1200" dirty="0" err="1" smtClean="0">
+                <a:solidFill>
+                  <a:schemeClr val="tx1"/>
+                </a:solidFill>
+                <a:latin typeface="+mn-lt"/>
+                <a:ea typeface="+mn-ea"/>
+                <a:cs typeface="+mn-cs"/>
+              </a:rPr>
+              <a:t>của</a:t>
+            </a:r>
+            <a:r>
+              <a:rPr lang="en-US" sz="1200" kern="1200" baseline="0" dirty="0" smtClean="0">
+                <a:solidFill>
+                  <a:schemeClr val="tx1"/>
+                </a:solidFill>
+                <a:latin typeface="+mn-lt"/>
+                <a:ea typeface="+mn-ea"/>
+                <a:cs typeface="+mn-cs"/>
+              </a:rPr>
+              <a:t> 3: </a:t>
+            </a:r>
+            <a:r>
+              <a:rPr lang="en-US" sz="1200" kern="1200" dirty="0" smtClean="0">
+                <a:solidFill>
+                  <a:schemeClr val="tx1"/>
+                </a:solidFill>
+                <a:latin typeface="+mn-lt"/>
+                <a:ea typeface="+mn-ea"/>
+                <a:cs typeface="+mn-cs"/>
+              </a:rPr>
+              <a:t>A real audio server whose </a:t>
+            </a:r>
+            <a:r>
+              <a:rPr lang="en-US" sz="1200" kern="1200" dirty="0" err="1" smtClean="0">
+                <a:solidFill>
+                  <a:schemeClr val="tx1"/>
+                </a:solidFill>
+                <a:latin typeface="+mn-lt"/>
+                <a:ea typeface="+mn-ea"/>
+                <a:cs typeface="+mn-cs"/>
+              </a:rPr>
+              <a:t>trafﬁc</a:t>
+            </a:r>
+            <a:r>
+              <a:rPr lang="en-US" sz="1200" kern="1200" dirty="0" smtClean="0">
+                <a:solidFill>
+                  <a:schemeClr val="tx1"/>
+                </a:solidFill>
+                <a:latin typeface="+mn-lt"/>
+                <a:ea typeface="+mn-ea"/>
+                <a:cs typeface="+mn-cs"/>
+              </a:rPr>
+              <a:t> remotely resembles TCP hijacking at-</a:t>
+            </a:r>
+            <a:endParaRPr lang="vi-VN" sz="1200" kern="1200" dirty="0" smtClean="0">
+              <a:solidFill>
+                <a:schemeClr val="tx1"/>
+              </a:solidFill>
+              <a:latin typeface="+mn-lt"/>
+              <a:ea typeface="+mn-ea"/>
+              <a:cs typeface="+mn-cs"/>
+            </a:endParaRPr>
+          </a:p>
+          <a:p>
+            <a:r>
+              <a:rPr lang="en-US" sz="1200" kern="1200" dirty="0" smtClean="0">
+                <a:solidFill>
+                  <a:schemeClr val="tx1"/>
+                </a:solidFill>
+                <a:latin typeface="+mn-lt"/>
+                <a:ea typeface="+mn-ea"/>
+                <a:cs typeface="+mn-cs"/>
+              </a:rPr>
+              <a:t>tacks. This caused our commercial IDS to trigger countless “TCP hijacking” alarms</a:t>
+            </a:r>
+            <a:endParaRPr lang="vi-VN" sz="1200" kern="1200" dirty="0" smtClean="0">
+              <a:solidFill>
+                <a:schemeClr val="tx1"/>
+              </a:solidFill>
+              <a:latin typeface="+mn-lt"/>
+              <a:ea typeface="+mn-ea"/>
+              <a:cs typeface="+mn-cs"/>
+            </a:endParaRPr>
+          </a:p>
+          <a:p>
+            <a:endParaRPr lang="vi-VN" dirty="0"/>
+          </a:p>
+        </p:txBody>
+      </p:sp>
+      <p:sp>
+        <p:nvSpPr>
+          <p:cNvPr id="4" name="Slide Number Placeholder 3"/>
+          <p:cNvSpPr>
+            <a:spLocks noGrp="1"/>
+          </p:cNvSpPr>
+          <p:nvPr>
+            <p:ph type="sldNum" sz="quarter" idx="10"/>
+          </p:nvPr>
+        </p:nvSpPr>
+        <p:spPr/>
+        <p:txBody>
+          <a:bodyPr/>
+          <a:lstStyle/>
+          <a:p>
+            <a:fld id="{05A26FB9-04E5-4AE0-8E35-1771F7D0BBEB}" type="slidenum">
+              <a:rPr lang="vi-VN" smtClean="0"/>
+              <a:t>6</a:t>
+            </a:fld>
+            <a:endParaRPr lang="vi-VN"/>
+          </a:p>
+        </p:txBody>
+      </p:sp>
+    </p:spTree>
+  </p:cSld>
+  <p:clrMapOvr>
+    <a:masterClrMapping/>
+  </p:clrMapOvr>
+</p:notes>
+</file>
+
 <file path=ppt/slideLayouts/slideLayout1.xml><?xml version="1.0" encoding="utf-8"?>
 <p:sldLayout xmlns:a="http://schemas.openxmlformats.org/drawingml/2006/main" xmlns:r="http://schemas.openxmlformats.org/officeDocument/2006/relationships" xmlns:p="http://schemas.openxmlformats.org/presentationml/2006/main" type="title" preserve="1">
   <p:cSld name="Title Slide">
@@ -7291,7 +8080,7 @@
         </p:nvSpPr>
         <p:spPr>
           <a:xfrm>
-            <a:off x="0" y="1828800"/>
+            <a:off x="228600" y="1828800"/>
             <a:ext cx="1447800" cy="533400"/>
           </a:xfrm>
           <a:prstGeom prst="ellipse">
@@ -7339,7 +8128,7 @@
         </p:nvSpPr>
         <p:spPr>
           <a:xfrm>
-            <a:off x="0" y="2971800"/>
+            <a:off x="228600" y="2971800"/>
             <a:ext cx="1447800" cy="533400"/>
           </a:xfrm>
           <a:prstGeom prst="ellipse">
@@ -7385,7 +8174,7 @@
         </p:nvSpPr>
         <p:spPr>
           <a:xfrm>
-            <a:off x="0" y="4114800"/>
+            <a:off x="228600" y="4038600"/>
             <a:ext cx="1447800" cy="533400"/>
           </a:xfrm>
           <a:prstGeom prst="ellipse">
@@ -7566,8 +8355,8 @@
         </p:nvCxnSpPr>
         <p:spPr>
           <a:xfrm>
-            <a:off x="1447800" y="2095500"/>
-            <a:ext cx="685800" cy="1181100"/>
+            <a:off x="1676400" y="2095500"/>
+            <a:ext cx="457200" cy="1181100"/>
           </a:xfrm>
           <a:prstGeom prst="straightConnector1">
             <a:avLst/>
@@ -7602,8 +8391,8 @@
         </p:nvCxnSpPr>
         <p:spPr>
           <a:xfrm flipV="1">
-            <a:off x="1447800" y="3276600"/>
-            <a:ext cx="685800" cy="1104900"/>
+            <a:off x="1676400" y="3276600"/>
+            <a:ext cx="457200" cy="1028700"/>
           </a:xfrm>
           <a:prstGeom prst="straightConnector1">
             <a:avLst/>
@@ -7638,8 +8427,8 @@
         </p:nvCxnSpPr>
         <p:spPr>
           <a:xfrm>
-            <a:off x="1447800" y="3238500"/>
-            <a:ext cx="685800" cy="38100"/>
+            <a:off x="1676400" y="3238500"/>
+            <a:ext cx="457200" cy="38100"/>
           </a:xfrm>
           <a:prstGeom prst="straightConnector1">
             <a:avLst/>
@@ -8438,7 +9227,7 @@
     </p:spTree>
     <p:extLst>
       <p:ext uri="{BB962C8B-B14F-4D97-AF65-F5344CB8AC3E}">
-        <p14:creationId xmlns:p14="http://schemas.microsoft.com/office/powerpoint/2010/main" xmlns="" val="1527128635"/>
+        <p14:creationId xmlns="" xmlns:p14="http://schemas.microsoft.com/office/powerpoint/2010/main" val="1527128635"/>
       </p:ext>
     </p:extLst>
   </p:cSld>
@@ -8818,7 +9607,7 @@
     </p:spTree>
     <p:extLst>
       <p:ext uri="{BB962C8B-B14F-4D97-AF65-F5344CB8AC3E}">
-        <p14:creationId xmlns:p14="http://schemas.microsoft.com/office/powerpoint/2010/main" xmlns="" val="1333657196"/>
+        <p14:creationId xmlns="" xmlns:p14="http://schemas.microsoft.com/office/powerpoint/2010/main" val="1333657196"/>
       </p:ext>
     </p:extLst>
   </p:cSld>
@@ -9143,7 +9932,7 @@
           <a:blip r:embed="rId2" cstate="print">
             <a:extLst>
               <a:ext uri="{28A0092B-C50C-407E-A947-70E740481C1C}">
-                <a14:useLocalDpi xmlns:a14="http://schemas.microsoft.com/office/drawing/2010/main" xmlns="" val="0"/>
+                <a14:useLocalDpi xmlns="" xmlns:a14="http://schemas.microsoft.com/office/drawing/2010/main" val="0"/>
               </a:ext>
             </a:extLst>
           </a:blip>
@@ -9164,7 +9953,7 @@
     </p:spTree>
     <p:extLst>
       <p:ext uri="{BB962C8B-B14F-4D97-AF65-F5344CB8AC3E}">
-        <p14:creationId xmlns:p14="http://schemas.microsoft.com/office/powerpoint/2010/main" xmlns="" val="2082717291"/>
+        <p14:creationId xmlns="" xmlns:p14="http://schemas.microsoft.com/office/powerpoint/2010/main" val="2082717291"/>
       </p:ext>
     </p:extLst>
   </p:cSld>
@@ -9437,13 +10226,8 @@
             </a:r>
             <a:r>
               <a:rPr lang="en-US" dirty="0" smtClean="0"/>
-              <a:t> </a:t>
-            </a:r>
-            <a:r>
-              <a:rPr lang="en-US" dirty="0" smtClean="0"/>
-              <a:t>b </a:t>
-            </a:r>
-            <a:endParaRPr lang="en-US" dirty="0" smtClean="0"/>
+              <a:t> b </a:t>
+            </a:r>
           </a:p>
           <a:p>
             <a:r>
@@ -9545,7 +10329,7 @@
     </p:spTree>
     <p:extLst>
       <p:ext uri="{BB962C8B-B14F-4D97-AF65-F5344CB8AC3E}">
-        <p14:creationId xmlns:p14="http://schemas.microsoft.com/office/powerpoint/2010/main" xmlns="" val="856369162"/>
+        <p14:creationId xmlns="" xmlns:p14="http://schemas.microsoft.com/office/powerpoint/2010/main" val="856369162"/>
       </p:ext>
     </p:extLst>
   </p:cSld>
@@ -9636,7 +10420,7 @@
           <a:blip r:embed="rId2" cstate="print">
             <a:extLst>
               <a:ext uri="{28A0092B-C50C-407E-A947-70E740481C1C}">
-                <a14:useLocalDpi xmlns:a14="http://schemas.microsoft.com/office/drawing/2010/main" xmlns="" val="0"/>
+                <a14:useLocalDpi xmlns="" xmlns:a14="http://schemas.microsoft.com/office/drawing/2010/main" val="0"/>
               </a:ext>
             </a:extLst>
           </a:blip>
@@ -9663,7 +10447,7 @@
           <a:blip r:embed="rId3" cstate="print">
             <a:extLst>
               <a:ext uri="{28A0092B-C50C-407E-A947-70E740481C1C}">
-                <a14:useLocalDpi xmlns:a14="http://schemas.microsoft.com/office/drawing/2010/main" xmlns="" val="0"/>
+                <a14:useLocalDpi xmlns="" xmlns:a14="http://schemas.microsoft.com/office/drawing/2010/main" val="0"/>
               </a:ext>
             </a:extLst>
           </a:blip>
@@ -9765,11 +10549,7 @@
           <a:p>
             <a:r>
               <a:rPr lang="en-US" dirty="0" smtClean="0"/>
-              <a:t>d</a:t>
-            </a:r>
-            <a:r>
-              <a:rPr lang="en-US" dirty="0" smtClean="0"/>
-              <a:t>ist(ip1,ip3)=5</a:t>
+              <a:t>dist(ip1,ip3)=5</a:t>
             </a:r>
             <a:endParaRPr lang="vi-VN" dirty="0"/>
           </a:p>
@@ -9799,11 +10579,7 @@
           <a:p>
             <a:r>
               <a:rPr lang="en-US" dirty="0" smtClean="0"/>
-              <a:t>dist(ip1,DMZ)=</a:t>
-            </a:r>
-            <a:r>
-              <a:rPr lang="en-US" dirty="0" smtClean="0"/>
-              <a:t>3</a:t>
+              <a:t>dist(ip1,DMZ)=3</a:t>
             </a:r>
             <a:endParaRPr lang="vi-VN" dirty="0"/>
           </a:p>
@@ -9870,7 +10646,7 @@
     </p:spTree>
     <p:extLst>
       <p:ext uri="{BB962C8B-B14F-4D97-AF65-F5344CB8AC3E}">
-        <p14:creationId xmlns:p14="http://schemas.microsoft.com/office/powerpoint/2010/main" xmlns="" val="2600593258"/>
+        <p14:creationId xmlns="" xmlns:p14="http://schemas.microsoft.com/office/powerpoint/2010/main" val="2600593258"/>
       </p:ext>
     </p:extLst>
   </p:cSld>
@@ -9959,7 +10735,7 @@
           <a:blip r:embed="rId2" cstate="print">
             <a:extLst>
               <a:ext uri="{28A0092B-C50C-407E-A947-70E740481C1C}">
-                <a14:useLocalDpi xmlns:a14="http://schemas.microsoft.com/office/drawing/2010/main" xmlns="" val="0"/>
+                <a14:useLocalDpi xmlns="" xmlns:a14="http://schemas.microsoft.com/office/drawing/2010/main" val="0"/>
               </a:ext>
             </a:extLst>
           </a:blip>
@@ -10103,28 +10879,12 @@
           <a:lstStyle/>
           <a:p>
             <a:r>
-              <a:rPr lang="en-US" dirty="0" err="1" smtClean="0"/>
-              <a:t>Các</a:t>
-            </a:r>
-            <a:r>
-              <a:rPr lang="en-US" dirty="0" smtClean="0"/>
-              <a:t> </a:t>
-            </a:r>
-            <a:r>
-              <a:rPr lang="en-US" dirty="0" err="1" smtClean="0"/>
-              <a:t>cải</a:t>
-            </a:r>
-            <a:r>
-              <a:rPr lang="en-US" dirty="0" smtClean="0"/>
-              <a:t> </a:t>
-            </a:r>
-            <a:r>
-              <a:rPr lang="en-US" dirty="0" err="1" smtClean="0"/>
-              <a:t>tiến</a:t>
-            </a:r>
-            <a:r>
-              <a:rPr lang="en-US" dirty="0" smtClean="0"/>
-              <a:t>[3]</a:t>
+              <a:rPr lang="en-US" dirty="0" smtClean="0"/>
+              <a:t>Ý </a:t>
+            </a:r>
+            <a:r>
+              <a:rPr lang="en-US" dirty="0" err="1" smtClean="0"/>
+              <a:t>tưởng</a:t>
             </a:r>
             <a:endParaRPr lang="en-US" dirty="0"/>
           </a:p>
@@ -10147,15 +10907,171 @@
           <a:p>
             <a:r>
               <a:rPr lang="en-US" dirty="0" err="1" smtClean="0"/>
-              <a:t>Chỉ</a:t>
-            </a:r>
-            <a:r>
-              <a:rPr lang="en-US" dirty="0" smtClean="0"/>
-              <a:t> </a:t>
-            </a:r>
-            <a:r>
-              <a:rPr lang="en-US" dirty="0" err="1" smtClean="0"/>
-              <a:t>tống</a:t>
+              <a:t>Cải</a:t>
+            </a:r>
+            <a:r>
+              <a:rPr lang="en-US" dirty="0" smtClean="0"/>
+              <a:t> </a:t>
+            </a:r>
+            <a:r>
+              <a:rPr lang="en-US" dirty="0" err="1" smtClean="0"/>
+              <a:t>tiến</a:t>
+            </a:r>
+            <a:r>
+              <a:rPr lang="en-US" dirty="0" smtClean="0"/>
+              <a:t> </a:t>
+            </a:r>
+            <a:r>
+              <a:rPr lang="en-US" dirty="0" err="1" smtClean="0"/>
+              <a:t>giải</a:t>
+            </a:r>
+            <a:r>
+              <a:rPr lang="en-US" dirty="0" smtClean="0"/>
+              <a:t> </a:t>
+            </a:r>
+            <a:r>
+              <a:rPr lang="en-US" dirty="0" err="1" smtClean="0"/>
+              <a:t>thuật</a:t>
+            </a:r>
+            <a:r>
+              <a:rPr lang="en-US" dirty="0" smtClean="0"/>
+              <a:t> root cause analysis</a:t>
+            </a:r>
+            <a:endParaRPr lang="en-US" dirty="0" smtClean="0"/>
+          </a:p>
+          <a:p>
+            <a:r>
+              <a:rPr lang="en-US" dirty="0" err="1" smtClean="0"/>
+              <a:t>Mở</a:t>
+            </a:r>
+            <a:r>
+              <a:rPr lang="en-US" dirty="0" smtClean="0"/>
+              <a:t> </a:t>
+            </a:r>
+            <a:r>
+              <a:rPr lang="en-US" dirty="0" err="1" smtClean="0"/>
+              <a:t>rộng</a:t>
+            </a:r>
+            <a:r>
+              <a:rPr lang="en-US" dirty="0" smtClean="0"/>
+              <a:t> generalization hierarchies </a:t>
+            </a:r>
+            <a:r>
+              <a:rPr lang="en-US" dirty="0" err="1" smtClean="0"/>
+              <a:t>để</a:t>
+            </a:r>
+            <a:r>
+              <a:rPr lang="en-US" dirty="0" smtClean="0"/>
+              <a:t> </a:t>
+            </a:r>
+            <a:r>
+              <a:rPr lang="en-US" dirty="0" err="1" smtClean="0"/>
+              <a:t>tính</a:t>
+            </a:r>
+            <a:r>
+              <a:rPr lang="en-US" dirty="0" smtClean="0"/>
+              <a:t> </a:t>
+            </a:r>
+            <a:r>
+              <a:rPr lang="en-US" dirty="0" err="1" smtClean="0"/>
+              <a:t>khoảng</a:t>
+            </a:r>
+            <a:r>
+              <a:rPr lang="en-US" dirty="0" smtClean="0"/>
+              <a:t> </a:t>
+            </a:r>
+            <a:r>
+              <a:rPr lang="en-US" dirty="0" err="1" smtClean="0"/>
+              <a:t>cách</a:t>
+            </a:r>
+            <a:r>
+              <a:rPr lang="en-US" dirty="0" smtClean="0"/>
+              <a:t> </a:t>
+            </a:r>
+            <a:r>
+              <a:rPr lang="en-US" dirty="0" err="1" smtClean="0"/>
+              <a:t>giữa</a:t>
+            </a:r>
+            <a:r>
+              <a:rPr lang="en-US" dirty="0" smtClean="0"/>
+              <a:t> 2 </a:t>
+            </a:r>
+            <a:r>
+              <a:rPr lang="en-US" dirty="0" err="1" smtClean="0"/>
+              <a:t>thuộc</a:t>
+            </a:r>
+            <a:r>
+              <a:rPr lang="en-US" dirty="0" smtClean="0"/>
+              <a:t> </a:t>
+            </a:r>
+            <a:r>
+              <a:rPr lang="en-US" dirty="0" err="1" smtClean="0"/>
+              <a:t>tính</a:t>
+            </a:r>
+            <a:endParaRPr lang="en-US" dirty="0"/>
+          </a:p>
+          <a:p>
+            <a:r>
+              <a:rPr lang="en-US" dirty="0" err="1" smtClean="0"/>
+              <a:t>Gom</a:t>
+            </a:r>
+            <a:r>
+              <a:rPr lang="en-US" dirty="0" smtClean="0"/>
+              <a:t> </a:t>
+            </a:r>
+            <a:r>
+              <a:rPr lang="en-US" dirty="0" err="1" smtClean="0"/>
+              <a:t>cụm</a:t>
+            </a:r>
+            <a:r>
+              <a:rPr lang="en-US" dirty="0" smtClean="0"/>
+              <a:t> </a:t>
+            </a:r>
+            <a:r>
+              <a:rPr lang="en-US" dirty="0" err="1" smtClean="0"/>
+              <a:t>các</a:t>
+            </a:r>
+            <a:r>
+              <a:rPr lang="en-US" dirty="0" smtClean="0"/>
+              <a:t> alert </a:t>
+            </a:r>
+            <a:r>
+              <a:rPr lang="en-US" dirty="0" err="1" smtClean="0"/>
+              <a:t>dựa</a:t>
+            </a:r>
+            <a:r>
+              <a:rPr lang="en-US" dirty="0" smtClean="0"/>
+              <a:t> </a:t>
+            </a:r>
+            <a:r>
+              <a:rPr lang="en-US" dirty="0" err="1" smtClean="0"/>
+              <a:t>trên</a:t>
+            </a:r>
+            <a:r>
+              <a:rPr lang="en-US" dirty="0" smtClean="0"/>
+              <a:t> </a:t>
+            </a:r>
+            <a:r>
+              <a:rPr lang="en-US" dirty="0" err="1" smtClean="0"/>
+              <a:t>điều</a:t>
+            </a:r>
+            <a:r>
+              <a:rPr lang="en-US" dirty="0" smtClean="0"/>
+              <a:t> </a:t>
+            </a:r>
+            <a:r>
+              <a:rPr lang="en-US" dirty="0" err="1" smtClean="0"/>
+              <a:t>kiện</a:t>
+            </a:r>
+            <a:r>
+              <a:rPr lang="en-US" dirty="0" smtClean="0"/>
+              <a:t> ( &lt;=NOD)</a:t>
+            </a:r>
+          </a:p>
+          <a:p>
+            <a:r>
+              <a:rPr lang="en-US" dirty="0" err="1" smtClean="0"/>
+              <a:t>Tổng</a:t>
             </a:r>
             <a:r>
               <a:rPr lang="en-US" dirty="0" smtClean="0"/>
@@ -10179,105 +11095,32 @@
             </a:r>
             <a:r>
               <a:rPr lang="en-US" dirty="0" err="1" smtClean="0"/>
-              <a:t>khi</a:t>
-            </a:r>
-            <a:r>
-              <a:rPr lang="en-US" dirty="0" smtClean="0"/>
-              <a:t> </a:t>
-            </a:r>
-            <a:r>
-              <a:rPr lang="en-US" dirty="0" err="1" smtClean="0"/>
-              <a:t>cần</a:t>
-            </a:r>
-            <a:r>
-              <a:rPr lang="en-US" dirty="0" smtClean="0"/>
-              <a:t> </a:t>
-            </a:r>
-            <a:r>
-              <a:rPr lang="en-US" dirty="0" err="1" smtClean="0"/>
-              <a:t>thiết</a:t>
-            </a:r>
-            <a:endParaRPr lang="en-US" dirty="0" smtClean="0"/>
-          </a:p>
-          <a:p>
-            <a:r>
-              <a:rPr lang="en-US" dirty="0" err="1" smtClean="0"/>
-              <a:t>Mở</a:t>
-            </a:r>
-            <a:r>
-              <a:rPr lang="en-US" dirty="0" smtClean="0"/>
-              <a:t> </a:t>
-            </a:r>
-            <a:r>
-              <a:rPr lang="en-US" dirty="0" err="1" smtClean="0"/>
-              <a:t>rộng</a:t>
-            </a:r>
-            <a:r>
-              <a:rPr lang="en-US" dirty="0" smtClean="0"/>
-              <a:t> generalization hierarchies</a:t>
-            </a:r>
-          </a:p>
-          <a:p>
-            <a:r>
-              <a:rPr lang="en-US" dirty="0" err="1" smtClean="0"/>
-              <a:t>Thêm</a:t>
-            </a:r>
-            <a:r>
-              <a:rPr lang="en-US" dirty="0" smtClean="0"/>
-              <a:t> </a:t>
-            </a:r>
-            <a:r>
-              <a:rPr lang="en-US" dirty="0" err="1" smtClean="0"/>
-              <a:t>điều</a:t>
-            </a:r>
-            <a:r>
-              <a:rPr lang="en-US" dirty="0" smtClean="0"/>
-              <a:t> </a:t>
-            </a:r>
-            <a:r>
-              <a:rPr lang="en-US" dirty="0" err="1" smtClean="0"/>
-              <a:t>kiện</a:t>
-            </a:r>
-            <a:r>
-              <a:rPr lang="en-US" dirty="0" smtClean="0"/>
-              <a:t> </a:t>
-            </a:r>
-            <a:r>
-              <a:rPr lang="en-US" dirty="0" err="1" smtClean="0"/>
-              <a:t>để</a:t>
-            </a:r>
-            <a:r>
-              <a:rPr lang="en-US" dirty="0" smtClean="0"/>
-              <a:t> </a:t>
-            </a:r>
-            <a:r>
-              <a:rPr lang="en-US" dirty="0" err="1" smtClean="0"/>
-              <a:t>tổng</a:t>
-            </a:r>
-            <a:r>
-              <a:rPr lang="en-US" dirty="0" smtClean="0"/>
-              <a:t> </a:t>
-            </a:r>
-            <a:r>
-              <a:rPr lang="en-US" dirty="0" err="1" smtClean="0"/>
-              <a:t>quát</a:t>
-            </a:r>
-            <a:r>
-              <a:rPr lang="en-US" dirty="0" smtClean="0"/>
-              <a:t> </a:t>
-            </a:r>
-            <a:r>
-              <a:rPr lang="en-US" dirty="0" err="1" smtClean="0"/>
-              <a:t>hóa</a:t>
-            </a:r>
-            <a:endParaRPr lang="en-US" dirty="0" smtClean="0"/>
+              <a:t>dựa</a:t>
+            </a:r>
+            <a:r>
+              <a:rPr lang="en-US" dirty="0" smtClean="0"/>
+              <a:t> </a:t>
+            </a:r>
+            <a:r>
+              <a:rPr lang="en-US" dirty="0" err="1" smtClean="0"/>
+              <a:t>trên</a:t>
+            </a:r>
+            <a:r>
+              <a:rPr lang="en-US" dirty="0" smtClean="0"/>
+              <a:t> </a:t>
+            </a:r>
+            <a:r>
+              <a:rPr lang="en-US" dirty="0" err="1" smtClean="0"/>
+              <a:t>cụm</a:t>
+            </a:r>
+            <a:endParaRPr lang="en-US" dirty="0"/>
           </a:p>
         </p:txBody>
       </p:sp>
     </p:spTree>
     <p:extLst>
       <p:ext uri="{BB962C8B-B14F-4D97-AF65-F5344CB8AC3E}">
-        <p14:creationId xmlns:p14="http://schemas.microsoft.com/office/powerpoint/2010/main" xmlns="" val="2082717291"/>
+        <p14:creationId xmlns="" xmlns:p14="http://schemas.microsoft.com/office/powerpoint/2010/main" val="3481122717"/>
       </p:ext>
     </p:extLst>
   </p:cSld>
@@ -10327,247 +11170,58 @@
           <a:lstStyle/>
           <a:p>
             <a:r>
-              <a:rPr lang="en-US" dirty="0" smtClean="0"/>
-              <a:t>Ý </a:t>
-            </a:r>
-            <a:r>
-              <a:rPr lang="en-US" dirty="0" err="1" smtClean="0"/>
-              <a:t>tưởng</a:t>
+              <a:rPr lang="en-US" dirty="0" err="1" smtClean="0"/>
+              <a:t>Giải</a:t>
+            </a:r>
+            <a:r>
+              <a:rPr lang="en-US" dirty="0" smtClean="0"/>
+              <a:t> </a:t>
+            </a:r>
+            <a:r>
+              <a:rPr lang="en-US" dirty="0" err="1" smtClean="0"/>
+              <a:t>thuật</a:t>
+            </a:r>
+            <a:r>
+              <a:rPr lang="en-US" dirty="0" smtClean="0"/>
+              <a:t>[3]</a:t>
             </a:r>
             <a:endParaRPr lang="en-US" dirty="0"/>
           </a:p>
         </p:txBody>
       </p:sp>
-      <p:sp>
-        <p:nvSpPr>
-          <p:cNvPr id="3" name="Content Placeholder 2"/>
-          <p:cNvSpPr>
-            <a:spLocks noGrp="1"/>
-          </p:cNvSpPr>
+      <p:pic>
+        <p:nvPicPr>
+          <p:cNvPr id="4" name="Content Placeholder 3" descr="Screen Clipping"/>
+          <p:cNvPicPr>
+            <a:picLocks noGrp="1" noChangeAspect="1"/>
+          </p:cNvPicPr>
           <p:nvPr>
             <p:ph idx="1"/>
           </p:nvPr>
-        </p:nvSpPr>
-        <p:spPr/>
-        <p:txBody>
-          <a:bodyPr/>
-          <a:lstStyle/>
-          <a:p>
-            <a:r>
-              <a:rPr lang="en-US" dirty="0" err="1" smtClean="0"/>
-              <a:t>Sử</a:t>
-            </a:r>
-            <a:r>
-              <a:rPr lang="en-US" dirty="0" smtClean="0"/>
-              <a:t> </a:t>
-            </a:r>
-            <a:r>
-              <a:rPr lang="en-US" dirty="0" err="1" smtClean="0"/>
-              <a:t>dụng</a:t>
-            </a:r>
-            <a:r>
-              <a:rPr lang="en-US" dirty="0" smtClean="0"/>
-              <a:t> </a:t>
-            </a:r>
-            <a:r>
-              <a:rPr lang="en-US" dirty="0" err="1" smtClean="0"/>
-              <a:t>giải</a:t>
-            </a:r>
-            <a:r>
-              <a:rPr lang="en-US" dirty="0" smtClean="0"/>
-              <a:t> </a:t>
-            </a:r>
-            <a:r>
-              <a:rPr lang="en-US" dirty="0" err="1" smtClean="0"/>
-              <a:t>thuật</a:t>
-            </a:r>
-            <a:r>
-              <a:rPr lang="en-US" dirty="0" smtClean="0"/>
-              <a:t> AOI</a:t>
-            </a:r>
-          </a:p>
-          <a:p>
-            <a:r>
-              <a:rPr lang="en-US" dirty="0" err="1" smtClean="0"/>
-              <a:t>Mở</a:t>
-            </a:r>
-            <a:r>
-              <a:rPr lang="en-US" dirty="0" smtClean="0"/>
-              <a:t> </a:t>
-            </a:r>
-            <a:r>
-              <a:rPr lang="en-US" dirty="0" err="1" smtClean="0"/>
-              <a:t>rộng</a:t>
-            </a:r>
-            <a:r>
-              <a:rPr lang="en-US" dirty="0" smtClean="0"/>
-              <a:t> generalization hierarchies </a:t>
-            </a:r>
-            <a:r>
-              <a:rPr lang="en-US" dirty="0" err="1" smtClean="0"/>
-              <a:t>để</a:t>
-            </a:r>
-            <a:r>
-              <a:rPr lang="en-US" dirty="0" smtClean="0"/>
-              <a:t> </a:t>
-            </a:r>
-            <a:r>
-              <a:rPr lang="en-US" dirty="0" err="1" smtClean="0"/>
-              <a:t>tính</a:t>
-            </a:r>
-            <a:r>
-              <a:rPr lang="en-US" dirty="0" smtClean="0"/>
-              <a:t> </a:t>
-            </a:r>
-            <a:r>
-              <a:rPr lang="en-US" dirty="0" err="1" smtClean="0"/>
-              <a:t>khoảng</a:t>
-            </a:r>
-            <a:r>
-              <a:rPr lang="en-US" dirty="0" smtClean="0"/>
-              <a:t> </a:t>
-            </a:r>
-            <a:r>
-              <a:rPr lang="en-US" dirty="0" err="1" smtClean="0"/>
-              <a:t>cách</a:t>
-            </a:r>
-            <a:r>
-              <a:rPr lang="en-US" dirty="0" smtClean="0"/>
-              <a:t> </a:t>
-            </a:r>
-            <a:r>
-              <a:rPr lang="en-US" dirty="0" err="1" smtClean="0"/>
-              <a:t>giữa</a:t>
-            </a:r>
-            <a:r>
-              <a:rPr lang="en-US" dirty="0" smtClean="0"/>
-              <a:t> 2 </a:t>
-            </a:r>
-            <a:r>
-              <a:rPr lang="en-US" dirty="0" err="1" smtClean="0"/>
-              <a:t>thuộc</a:t>
-            </a:r>
-            <a:r>
-              <a:rPr lang="en-US" dirty="0" smtClean="0"/>
-              <a:t> </a:t>
-            </a:r>
-            <a:r>
-              <a:rPr lang="en-US" dirty="0" err="1" smtClean="0"/>
-              <a:t>tính</a:t>
-            </a:r>
-            <a:endParaRPr lang="en-US" dirty="0"/>
-          </a:p>
-          <a:p>
-            <a:r>
-              <a:rPr lang="en-US" dirty="0" err="1" smtClean="0"/>
-              <a:t>Gom</a:t>
-            </a:r>
-            <a:r>
-              <a:rPr lang="en-US" dirty="0" smtClean="0"/>
-              <a:t> </a:t>
-            </a:r>
-            <a:r>
-              <a:rPr lang="en-US" dirty="0" err="1" smtClean="0"/>
-              <a:t>cụm</a:t>
-            </a:r>
-            <a:r>
-              <a:rPr lang="en-US" dirty="0" smtClean="0"/>
-              <a:t> </a:t>
-            </a:r>
-            <a:r>
-              <a:rPr lang="en-US" dirty="0" err="1" smtClean="0"/>
-              <a:t>các</a:t>
-            </a:r>
-            <a:r>
-              <a:rPr lang="en-US" dirty="0" smtClean="0"/>
-              <a:t> alert </a:t>
-            </a:r>
-            <a:r>
-              <a:rPr lang="en-US" dirty="0" err="1" smtClean="0"/>
-              <a:t>dựa</a:t>
-            </a:r>
-            <a:r>
-              <a:rPr lang="en-US" dirty="0" smtClean="0"/>
-              <a:t> </a:t>
-            </a:r>
-            <a:r>
-              <a:rPr lang="en-US" dirty="0" err="1" smtClean="0"/>
-              <a:t>trên</a:t>
-            </a:r>
-            <a:r>
-              <a:rPr lang="en-US" dirty="0" smtClean="0"/>
-              <a:t> </a:t>
-            </a:r>
-            <a:r>
-              <a:rPr lang="en-US" dirty="0" err="1" smtClean="0"/>
-              <a:t>điều</a:t>
-            </a:r>
-            <a:r>
-              <a:rPr lang="en-US" dirty="0" smtClean="0"/>
-              <a:t> </a:t>
-            </a:r>
-            <a:r>
-              <a:rPr lang="en-US" dirty="0" err="1" smtClean="0"/>
-              <a:t>kiện</a:t>
-            </a:r>
-            <a:r>
-              <a:rPr lang="en-US" dirty="0" smtClean="0"/>
-              <a:t> ( &lt;=NOD)</a:t>
-            </a:r>
-          </a:p>
-          <a:p>
-            <a:r>
-              <a:rPr lang="en-US" dirty="0" err="1" smtClean="0"/>
-              <a:t>Tổng</a:t>
-            </a:r>
-            <a:r>
-              <a:rPr lang="en-US" dirty="0" smtClean="0"/>
-              <a:t> </a:t>
-            </a:r>
-            <a:r>
-              <a:rPr lang="en-US" dirty="0" err="1" smtClean="0"/>
-              <a:t>quát</a:t>
-            </a:r>
-            <a:r>
-              <a:rPr lang="en-US" dirty="0" smtClean="0"/>
-              <a:t> </a:t>
-            </a:r>
-            <a:r>
-              <a:rPr lang="en-US" dirty="0" err="1" smtClean="0"/>
-              <a:t>hóa</a:t>
-            </a:r>
-            <a:r>
-              <a:rPr lang="en-US" dirty="0" smtClean="0"/>
-              <a:t> </a:t>
-            </a:r>
-            <a:r>
-              <a:rPr lang="en-US" dirty="0" err="1" smtClean="0"/>
-              <a:t>dựa</a:t>
-            </a:r>
-            <a:r>
-              <a:rPr lang="en-US" dirty="0" smtClean="0"/>
-              <a:t> </a:t>
-            </a:r>
-            <a:r>
-              <a:rPr lang="en-US" dirty="0" err="1" smtClean="0"/>
-              <a:t>trên</a:t>
-            </a:r>
-            <a:r>
-              <a:rPr lang="en-US" dirty="0" smtClean="0"/>
-              <a:t> </a:t>
-            </a:r>
-            <a:r>
-              <a:rPr lang="en-US" dirty="0" err="1" smtClean="0"/>
-              <a:t>cụm</a:t>
-            </a:r>
-            <a:endParaRPr lang="en-US" dirty="0"/>
-          </a:p>
-        </p:txBody>
-      </p:sp>
+        </p:nvPicPr>
+        <p:blipFill>
+          <a:blip r:embed="rId2" cstate="print">
+            <a:extLst>
+              <a:ext uri="{28A0092B-C50C-407E-A947-70E740481C1C}">
+                <a14:useLocalDpi xmlns="" xmlns:a14="http://schemas.microsoft.com/office/drawing/2010/main" val="0"/>
+              </a:ext>
+            </a:extLst>
+          </a:blip>
+          <a:stretch>
+            <a:fillRect/>
+          </a:stretch>
+        </p:blipFill>
+        <p:spPr>
+          <a:xfrm>
+            <a:off x="1752600" y="1600200"/>
+            <a:ext cx="5272514" cy="4525963"/>
+          </a:xfrm>
+        </p:spPr>
+      </p:pic>
     </p:spTree>
     <p:extLst>
       <p:ext uri="{BB962C8B-B14F-4D97-AF65-F5344CB8AC3E}">
-        <p14:creationId xmlns:p14="http://schemas.microsoft.com/office/powerpoint/2010/main" xmlns="" val="3481122717"/>
+        <p14:creationId xmlns="" xmlns:p14="http://schemas.microsoft.com/office/powerpoint/2010/main" val="1742564200"/>
       </p:ext>
     </p:extLst>
   </p:cSld>
@@ -10618,57 +11272,208 @@
           <a:p>
             <a:r>
               <a:rPr lang="en-US" dirty="0" err="1" smtClean="0"/>
-              <a:t>Giải</a:t>
-            </a:r>
-            <a:r>
-              <a:rPr lang="en-US" dirty="0" smtClean="0"/>
-              <a:t> </a:t>
-            </a:r>
-            <a:r>
-              <a:rPr lang="en-US" dirty="0" err="1" smtClean="0"/>
-              <a:t>thuật</a:t>
-            </a:r>
-            <a:r>
-              <a:rPr lang="en-US" dirty="0" smtClean="0"/>
-              <a:t>[3]</a:t>
+              <a:t>Ưu</a:t>
+            </a:r>
+            <a:r>
+              <a:rPr lang="en-US" dirty="0" smtClean="0"/>
+              <a:t> - </a:t>
+            </a:r>
+            <a:r>
+              <a:rPr lang="en-US" dirty="0" err="1" smtClean="0"/>
+              <a:t>Nhược</a:t>
+            </a:r>
+            <a:r>
+              <a:rPr lang="en-US" dirty="0" smtClean="0"/>
+              <a:t> </a:t>
+            </a:r>
+            <a:r>
+              <a:rPr lang="en-US" dirty="0" err="1" smtClean="0"/>
+              <a:t>điểm</a:t>
             </a:r>
             <a:endParaRPr lang="en-US" dirty="0"/>
           </a:p>
         </p:txBody>
       </p:sp>
-      <p:pic>
-        <p:nvPicPr>
-          <p:cNvPr id="4" name="Content Placeholder 3" descr="Screen Clipping"/>
-          <p:cNvPicPr>
-            <a:picLocks noGrp="1" noChangeAspect="1"/>
-          </p:cNvPicPr>
+      <p:sp>
+        <p:nvSpPr>
+          <p:cNvPr id="3" name="Content Placeholder 2"/>
+          <p:cNvSpPr>
+            <a:spLocks noGrp="1"/>
+          </p:cNvSpPr>
           <p:nvPr>
             <p:ph idx="1"/>
           </p:nvPr>
-        </p:nvPicPr>
-        <p:blipFill>
-          <a:blip r:embed="rId2" cstate="print">
-            <a:extLst>
-              <a:ext uri="{28A0092B-C50C-407E-A947-70E740481C1C}">
-                <a14:useLocalDpi xmlns:a14="http://schemas.microsoft.com/office/drawing/2010/main" xmlns="" val="0"/>
-              </a:ext>
-            </a:extLst>
-          </a:blip>
-          <a:stretch>
-            <a:fillRect/>
-          </a:stretch>
-        </p:blipFill>
-        <p:spPr>
-          <a:xfrm>
-            <a:off x="1752600" y="1600200"/>
-            <a:ext cx="5272514" cy="4525963"/>
-          </a:xfrm>
-        </p:spPr>
-      </p:pic>
+        </p:nvSpPr>
+        <p:spPr/>
+        <p:txBody>
+          <a:bodyPr/>
+          <a:lstStyle/>
+          <a:p>
+            <a:r>
+              <a:rPr lang="en-US" dirty="0" err="1" smtClean="0"/>
+              <a:t>Ưu</a:t>
+            </a:r>
+            <a:r>
+              <a:rPr lang="en-US" dirty="0" smtClean="0"/>
+              <a:t> </a:t>
+            </a:r>
+            <a:r>
+              <a:rPr lang="en-US" dirty="0" err="1" smtClean="0"/>
+              <a:t>điểm</a:t>
+            </a:r>
+            <a:endParaRPr lang="en-US" dirty="0" smtClean="0"/>
+          </a:p>
+          <a:p>
+            <a:pPr lvl="1"/>
+            <a:r>
+              <a:rPr lang="en-US" dirty="0" err="1" smtClean="0"/>
+              <a:t>Kiểm</a:t>
+            </a:r>
+            <a:r>
+              <a:rPr lang="en-US" dirty="0" smtClean="0"/>
+              <a:t> </a:t>
+            </a:r>
+            <a:r>
+              <a:rPr lang="en-US" dirty="0" err="1" smtClean="0"/>
+              <a:t>soát</a:t>
+            </a:r>
+            <a:r>
+              <a:rPr lang="en-US" dirty="0" smtClean="0"/>
+              <a:t> </a:t>
+            </a:r>
+            <a:r>
+              <a:rPr lang="en-US" dirty="0" err="1" smtClean="0"/>
+              <a:t>được</a:t>
+            </a:r>
+            <a:r>
+              <a:rPr lang="en-US" dirty="0" smtClean="0"/>
+              <a:t> </a:t>
+            </a:r>
+            <a:r>
+              <a:rPr lang="en-US" dirty="0" err="1" smtClean="0"/>
+              <a:t>việc</a:t>
+            </a:r>
+            <a:r>
+              <a:rPr lang="en-US" dirty="0" smtClean="0"/>
+              <a:t> </a:t>
+            </a:r>
+            <a:r>
+              <a:rPr lang="en-US" dirty="0" err="1" smtClean="0"/>
+              <a:t>tổng</a:t>
+            </a:r>
+            <a:r>
+              <a:rPr lang="en-US" dirty="0" smtClean="0"/>
+              <a:t> </a:t>
+            </a:r>
+            <a:r>
+              <a:rPr lang="en-US" dirty="0" err="1" smtClean="0"/>
+              <a:t>quát</a:t>
+            </a:r>
+            <a:r>
+              <a:rPr lang="en-US" dirty="0" smtClean="0"/>
+              <a:t> </a:t>
+            </a:r>
+            <a:r>
+              <a:rPr lang="en-US" dirty="0" err="1" smtClean="0"/>
+              <a:t>hóa</a:t>
+            </a:r>
+            <a:endParaRPr lang="en-US" dirty="0" smtClean="0"/>
+          </a:p>
+          <a:p>
+            <a:pPr lvl="2"/>
+            <a:r>
+              <a:rPr lang="en-US" dirty="0" err="1" smtClean="0"/>
+              <a:t>Thông</a:t>
+            </a:r>
+            <a:r>
+              <a:rPr lang="en-US" dirty="0" smtClean="0"/>
+              <a:t> qua NOD</a:t>
+            </a:r>
+          </a:p>
+          <a:p>
+            <a:r>
+              <a:rPr lang="en-US" dirty="0" err="1" smtClean="0"/>
+              <a:t>Nhược</a:t>
+            </a:r>
+            <a:r>
+              <a:rPr lang="en-US" dirty="0" smtClean="0"/>
+              <a:t> </a:t>
+            </a:r>
+            <a:r>
+              <a:rPr lang="en-US" dirty="0" err="1" smtClean="0"/>
+              <a:t>điểm</a:t>
+            </a:r>
+            <a:endParaRPr lang="en-US" dirty="0" smtClean="0"/>
+          </a:p>
+          <a:p>
+            <a:pPr lvl="1"/>
+            <a:r>
+              <a:rPr lang="en-US" dirty="0" err="1" smtClean="0"/>
+              <a:t>Không</a:t>
+            </a:r>
+            <a:r>
+              <a:rPr lang="en-US" dirty="0" smtClean="0"/>
+              <a:t> </a:t>
+            </a:r>
+            <a:r>
+              <a:rPr lang="en-US" dirty="0" err="1" smtClean="0"/>
+              <a:t>chạy</a:t>
+            </a:r>
+            <a:r>
+              <a:rPr lang="en-US" dirty="0" smtClean="0"/>
+              <a:t> real time</a:t>
+            </a:r>
+          </a:p>
+          <a:p>
+            <a:pPr lvl="2"/>
+            <a:r>
+              <a:rPr lang="en-US" dirty="0" err="1" smtClean="0"/>
+              <a:t>Thông</a:t>
+            </a:r>
+            <a:r>
+              <a:rPr lang="en-US" dirty="0" smtClean="0"/>
+              <a:t> </a:t>
+            </a:r>
+            <a:r>
+              <a:rPr lang="en-US" dirty="0" err="1" smtClean="0"/>
+              <a:t>số</a:t>
+            </a:r>
+            <a:r>
+              <a:rPr lang="en-US" dirty="0" smtClean="0"/>
+              <a:t> </a:t>
+            </a:r>
+            <a:r>
+              <a:rPr lang="en-US" dirty="0" err="1" smtClean="0"/>
+              <a:t>nhập</a:t>
+            </a:r>
+            <a:r>
+              <a:rPr lang="en-US" dirty="0" smtClean="0"/>
+              <a:t> </a:t>
+            </a:r>
+            <a:r>
+              <a:rPr lang="en-US" dirty="0" err="1" smtClean="0"/>
+              <a:t>vào</a:t>
+            </a:r>
+            <a:r>
+              <a:rPr lang="en-US" dirty="0" smtClean="0"/>
+              <a:t> </a:t>
+            </a:r>
+            <a:r>
+              <a:rPr lang="en-US" dirty="0" err="1" smtClean="0"/>
+              <a:t>là</a:t>
+            </a:r>
+            <a:r>
+              <a:rPr lang="en-US" dirty="0" smtClean="0"/>
+              <a:t> 1 alert log</a:t>
+            </a:r>
+            <a:endParaRPr lang="en-US" dirty="0"/>
+          </a:p>
+        </p:txBody>
+      </p:sp>
     </p:spTree>
     <p:extLst>
       <p:ext uri="{BB962C8B-B14F-4D97-AF65-F5344CB8AC3E}">
-        <p14:creationId xmlns:p14="http://schemas.microsoft.com/office/powerpoint/2010/main" xmlns="" val="1742564200"/>
+        <p14:creationId xmlns="" xmlns:p14="http://schemas.microsoft.com/office/powerpoint/2010/main" val="100847204"/>
       </p:ext>
     </p:extLst>
   </p:cSld>
@@ -10686,770 +11491,6 @@
 </file>
 
 <file path=ppt/slides/slide19.xml><?xml version="1.0" encoding="utf-8"?>
-<p:sld xmlns:a="http://schemas.openxmlformats.org/drawingml/2006/main" xmlns:r="http://schemas.openxmlformats.org/officeDocument/2006/relationships" xmlns:p="http://schemas.openxmlformats.org/presentationml/2006/main">
-  <p:cSld>
-    <p:spTree>
-      <p:nvGrpSpPr>
-        <p:cNvPr id="1" name=""/>
-        <p:cNvGrpSpPr/>
-        <p:nvPr/>
-      </p:nvGrpSpPr>
-      <p:grpSpPr>
-        <a:xfrm>
-          <a:off x="0" y="0"/>
-          <a:ext cx="0" cy="0"/>
-          <a:chOff x="0" y="0"/>
-          <a:chExt cx="0" cy="0"/>
-        </a:xfrm>
-      </p:grpSpPr>
-      <p:sp>
-        <p:nvSpPr>
-          <p:cNvPr id="2" name="Title 1"/>
-          <p:cNvSpPr>
-            <a:spLocks noGrp="1"/>
-          </p:cNvSpPr>
-          <p:nvPr>
-            <p:ph type="title"/>
-          </p:nvPr>
-        </p:nvSpPr>
-        <p:spPr/>
-        <p:txBody>
-          <a:bodyPr/>
-          <a:lstStyle/>
-          <a:p>
-            <a:r>
-              <a:rPr lang="en-US" dirty="0" err="1" smtClean="0"/>
-              <a:t>Ưu</a:t>
-            </a:r>
-            <a:r>
-              <a:rPr lang="en-US" dirty="0" smtClean="0"/>
-              <a:t> - </a:t>
-            </a:r>
-            <a:r>
-              <a:rPr lang="en-US" dirty="0" err="1" smtClean="0"/>
-              <a:t>Nhược</a:t>
-            </a:r>
-            <a:r>
-              <a:rPr lang="en-US" dirty="0" smtClean="0"/>
-              <a:t> </a:t>
-            </a:r>
-            <a:r>
-              <a:rPr lang="en-US" dirty="0" err="1" smtClean="0"/>
-              <a:t>điểm</a:t>
-            </a:r>
-            <a:endParaRPr lang="en-US" dirty="0"/>
-          </a:p>
-        </p:txBody>
-      </p:sp>
-      <p:sp>
-        <p:nvSpPr>
-          <p:cNvPr id="3" name="Content Placeholder 2"/>
-          <p:cNvSpPr>
-            <a:spLocks noGrp="1"/>
-          </p:cNvSpPr>
-          <p:nvPr>
-            <p:ph idx="1"/>
-          </p:nvPr>
-        </p:nvSpPr>
-        <p:spPr/>
-        <p:txBody>
-          <a:bodyPr/>
-          <a:lstStyle/>
-          <a:p>
-            <a:r>
-              <a:rPr lang="en-US" dirty="0" err="1" smtClean="0"/>
-              <a:t>Ưu</a:t>
-            </a:r>
-            <a:r>
-              <a:rPr lang="en-US" dirty="0" smtClean="0"/>
-              <a:t> </a:t>
-            </a:r>
-            <a:r>
-              <a:rPr lang="en-US" dirty="0" err="1" smtClean="0"/>
-              <a:t>điểm</a:t>
-            </a:r>
-            <a:endParaRPr lang="en-US" dirty="0" smtClean="0"/>
-          </a:p>
-          <a:p>
-            <a:pPr lvl="1"/>
-            <a:r>
-              <a:rPr lang="en-US" dirty="0" err="1" smtClean="0"/>
-              <a:t>Kiểm</a:t>
-            </a:r>
-            <a:r>
-              <a:rPr lang="en-US" dirty="0" smtClean="0"/>
-              <a:t> </a:t>
-            </a:r>
-            <a:r>
-              <a:rPr lang="en-US" dirty="0" err="1" smtClean="0"/>
-              <a:t>soát</a:t>
-            </a:r>
-            <a:r>
-              <a:rPr lang="en-US" dirty="0" smtClean="0"/>
-              <a:t> </a:t>
-            </a:r>
-            <a:r>
-              <a:rPr lang="en-US" dirty="0" err="1" smtClean="0"/>
-              <a:t>được</a:t>
-            </a:r>
-            <a:r>
-              <a:rPr lang="en-US" dirty="0" smtClean="0"/>
-              <a:t> </a:t>
-            </a:r>
-            <a:r>
-              <a:rPr lang="en-US" dirty="0" err="1" smtClean="0"/>
-              <a:t>việc</a:t>
-            </a:r>
-            <a:r>
-              <a:rPr lang="en-US" dirty="0" smtClean="0"/>
-              <a:t> </a:t>
-            </a:r>
-            <a:r>
-              <a:rPr lang="en-US" dirty="0" err="1" smtClean="0"/>
-              <a:t>tổng</a:t>
-            </a:r>
-            <a:r>
-              <a:rPr lang="en-US" dirty="0" smtClean="0"/>
-              <a:t> </a:t>
-            </a:r>
-            <a:r>
-              <a:rPr lang="en-US" dirty="0" err="1" smtClean="0"/>
-              <a:t>quát</a:t>
-            </a:r>
-            <a:r>
-              <a:rPr lang="en-US" dirty="0" smtClean="0"/>
-              <a:t> </a:t>
-            </a:r>
-            <a:r>
-              <a:rPr lang="en-US" dirty="0" err="1" smtClean="0"/>
-              <a:t>hóa</a:t>
-            </a:r>
-            <a:endParaRPr lang="en-US" dirty="0" smtClean="0"/>
-          </a:p>
-          <a:p>
-            <a:pPr lvl="2"/>
-            <a:r>
-              <a:rPr lang="en-US" dirty="0" err="1" smtClean="0"/>
-              <a:t>Thông</a:t>
-            </a:r>
-            <a:r>
-              <a:rPr lang="en-US" dirty="0" smtClean="0"/>
-              <a:t> qua NOD</a:t>
-            </a:r>
-          </a:p>
-          <a:p>
-            <a:r>
-              <a:rPr lang="en-US" dirty="0" err="1" smtClean="0"/>
-              <a:t>Nhược</a:t>
-            </a:r>
-            <a:r>
-              <a:rPr lang="en-US" dirty="0" smtClean="0"/>
-              <a:t> </a:t>
-            </a:r>
-            <a:r>
-              <a:rPr lang="en-US" dirty="0" err="1" smtClean="0"/>
-              <a:t>điểm</a:t>
-            </a:r>
-            <a:endParaRPr lang="en-US" dirty="0" smtClean="0"/>
-          </a:p>
-          <a:p>
-            <a:pPr lvl="1"/>
-            <a:r>
-              <a:rPr lang="en-US" dirty="0" err="1" smtClean="0"/>
-              <a:t>Không</a:t>
-            </a:r>
-            <a:r>
-              <a:rPr lang="en-US" dirty="0" smtClean="0"/>
-              <a:t> </a:t>
-            </a:r>
-            <a:r>
-              <a:rPr lang="en-US" dirty="0" err="1" smtClean="0"/>
-              <a:t>chạy</a:t>
-            </a:r>
-            <a:r>
-              <a:rPr lang="en-US" dirty="0" smtClean="0"/>
-              <a:t> real </a:t>
-            </a:r>
-            <a:r>
-              <a:rPr lang="en-US" dirty="0" smtClean="0"/>
-              <a:t>time</a:t>
-            </a:r>
-          </a:p>
-          <a:p>
-            <a:pPr lvl="2"/>
-            <a:r>
-              <a:rPr lang="en-US" dirty="0" err="1" smtClean="0"/>
-              <a:t>Thông</a:t>
-            </a:r>
-            <a:r>
-              <a:rPr lang="en-US" dirty="0" smtClean="0"/>
-              <a:t> </a:t>
-            </a:r>
-            <a:r>
-              <a:rPr lang="en-US" dirty="0" err="1" smtClean="0"/>
-              <a:t>số</a:t>
-            </a:r>
-            <a:r>
-              <a:rPr lang="en-US" dirty="0" smtClean="0"/>
-              <a:t> </a:t>
-            </a:r>
-            <a:r>
-              <a:rPr lang="en-US" dirty="0" err="1" smtClean="0"/>
-              <a:t>nhập</a:t>
-            </a:r>
-            <a:r>
-              <a:rPr lang="en-US" dirty="0" smtClean="0"/>
-              <a:t> </a:t>
-            </a:r>
-            <a:r>
-              <a:rPr lang="en-US" dirty="0" err="1" smtClean="0"/>
-              <a:t>vào</a:t>
-            </a:r>
-            <a:r>
-              <a:rPr lang="en-US" dirty="0" smtClean="0"/>
-              <a:t> </a:t>
-            </a:r>
-            <a:r>
-              <a:rPr lang="en-US" dirty="0" err="1" smtClean="0"/>
-              <a:t>là</a:t>
-            </a:r>
-            <a:r>
-              <a:rPr lang="en-US" dirty="0" smtClean="0"/>
-              <a:t> 1 alert log</a:t>
-            </a:r>
-            <a:endParaRPr lang="en-US" dirty="0"/>
-          </a:p>
-        </p:txBody>
-      </p:sp>
-    </p:spTree>
-    <p:extLst>
-      <p:ext uri="{BB962C8B-B14F-4D97-AF65-F5344CB8AC3E}">
-        <p14:creationId xmlns:p14="http://schemas.microsoft.com/office/powerpoint/2010/main" xmlns="" val="100847204"/>
-      </p:ext>
-    </p:extLst>
-  </p:cSld>
-  <p:clrMapOvr>
-    <a:masterClrMapping/>
-  </p:clrMapOvr>
-  <p:timing>
-    <p:tnLst>
-      <p:par>
-        <p:cTn id="1" dur="indefinite" restart="never" nodeType="tmRoot"/>
-      </p:par>
-    </p:tnLst>
-  </p:timing>
-</p:sld>
-</file>
-
-<file path=ppt/slides/slide2.xml><?xml version="1.0" encoding="utf-8"?>
-<p:sld xmlns:a="http://schemas.openxmlformats.org/drawingml/2006/main" xmlns:r="http://schemas.openxmlformats.org/officeDocument/2006/relationships" xmlns:p="http://schemas.openxmlformats.org/presentationml/2006/main">
-  <p:cSld>
-    <p:spTree>
-      <p:nvGrpSpPr>
-        <p:cNvPr id="1" name=""/>
-        <p:cNvGrpSpPr/>
-        <p:nvPr/>
-      </p:nvGrpSpPr>
-      <p:grpSpPr>
-        <a:xfrm>
-          <a:off x="0" y="0"/>
-          <a:ext cx="0" cy="0"/>
-          <a:chOff x="0" y="0"/>
-          <a:chExt cx="0" cy="0"/>
-        </a:xfrm>
-      </p:grpSpPr>
-      <p:sp>
-        <p:nvSpPr>
-          <p:cNvPr id="4" name="Title 3"/>
-          <p:cNvSpPr>
-            <a:spLocks noGrp="1"/>
-          </p:cNvSpPr>
-          <p:nvPr>
-            <p:ph type="title"/>
-          </p:nvPr>
-        </p:nvSpPr>
-        <p:spPr/>
-        <p:txBody>
-          <a:bodyPr/>
-          <a:lstStyle/>
-          <a:p>
-            <a:r>
-              <a:rPr lang="en-US" dirty="0" smtClean="0"/>
-              <a:t>Alert Aggregation</a:t>
-            </a:r>
-            <a:endParaRPr lang="en-US" dirty="0"/>
-          </a:p>
-        </p:txBody>
-      </p:sp>
-      <p:sp>
-        <p:nvSpPr>
-          <p:cNvPr id="5" name="Content Placeholder 4"/>
-          <p:cNvSpPr>
-            <a:spLocks noGrp="1"/>
-          </p:cNvSpPr>
-          <p:nvPr>
-            <p:ph idx="1"/>
-          </p:nvPr>
-        </p:nvSpPr>
-        <p:spPr/>
-        <p:txBody>
-          <a:bodyPr/>
-          <a:lstStyle/>
-          <a:p>
-            <a:r>
-              <a:rPr lang="en-US" dirty="0" err="1" smtClean="0"/>
-              <a:t>Nhóm</a:t>
-            </a:r>
-            <a:r>
-              <a:rPr lang="en-US" dirty="0" smtClean="0"/>
-              <a:t> </a:t>
-            </a:r>
-            <a:r>
-              <a:rPr lang="en-US" dirty="0" err="1" smtClean="0"/>
-              <a:t>các</a:t>
-            </a:r>
-            <a:r>
-              <a:rPr lang="en-US" dirty="0" smtClean="0"/>
-              <a:t> alert </a:t>
-            </a:r>
-            <a:r>
-              <a:rPr lang="en-US" dirty="0" err="1" smtClean="0"/>
-              <a:t>có</a:t>
-            </a:r>
-            <a:r>
-              <a:rPr lang="en-US" dirty="0" smtClean="0"/>
-              <a:t> </a:t>
-            </a:r>
-            <a:r>
-              <a:rPr lang="en-US" dirty="0" err="1" smtClean="0"/>
-              <a:t>tính</a:t>
-            </a:r>
-            <a:r>
-              <a:rPr lang="en-US" dirty="0" smtClean="0"/>
-              <a:t> </a:t>
-            </a:r>
-            <a:r>
-              <a:rPr lang="en-US" dirty="0" err="1" smtClean="0"/>
-              <a:t>chất</a:t>
-            </a:r>
-            <a:r>
-              <a:rPr lang="en-US" dirty="0" smtClean="0"/>
-              <a:t> </a:t>
-            </a:r>
-            <a:r>
-              <a:rPr lang="en-US" dirty="0" err="1" smtClean="0"/>
-              <a:t>tương</a:t>
-            </a:r>
-            <a:r>
-              <a:rPr lang="en-US" dirty="0" smtClean="0"/>
-              <a:t> </a:t>
-            </a:r>
-            <a:r>
-              <a:rPr lang="en-US" dirty="0" err="1" smtClean="0"/>
-              <a:t>tự</a:t>
-            </a:r>
-            <a:r>
-              <a:rPr lang="en-US" dirty="0" smtClean="0"/>
-              <a:t> </a:t>
-            </a:r>
-            <a:r>
-              <a:rPr lang="en-US" dirty="0" err="1" smtClean="0"/>
-              <a:t>lại</a:t>
-            </a:r>
-            <a:r>
-              <a:rPr lang="en-US" dirty="0" smtClean="0"/>
-              <a:t>.</a:t>
-            </a:r>
-          </a:p>
-          <a:p>
-            <a:r>
-              <a:rPr lang="en-US" dirty="0" err="1" smtClean="0"/>
-              <a:t>Các</a:t>
-            </a:r>
-            <a:r>
-              <a:rPr lang="en-US" dirty="0" smtClean="0"/>
-              <a:t> alert </a:t>
-            </a:r>
-            <a:r>
-              <a:rPr lang="en-US" dirty="0" err="1" smtClean="0"/>
-              <a:t>tương</a:t>
-            </a:r>
-            <a:r>
-              <a:rPr lang="en-US" dirty="0" smtClean="0"/>
-              <a:t> </a:t>
-            </a:r>
-            <a:r>
-              <a:rPr lang="en-US" dirty="0" err="1" smtClean="0"/>
-              <a:t>tự</a:t>
-            </a:r>
-            <a:r>
-              <a:rPr lang="en-US" dirty="0" smtClean="0"/>
-              <a:t> </a:t>
-            </a:r>
-            <a:r>
-              <a:rPr lang="en-US" dirty="0" err="1" smtClean="0"/>
-              <a:t>nhau</a:t>
-            </a:r>
-            <a:r>
-              <a:rPr lang="en-US" dirty="0" smtClean="0"/>
-              <a:t> </a:t>
-            </a:r>
-            <a:r>
-              <a:rPr lang="en-US" dirty="0" err="1" smtClean="0"/>
-              <a:t>khi</a:t>
-            </a:r>
-            <a:r>
-              <a:rPr lang="en-US" dirty="0" smtClean="0"/>
-              <a:t>:</a:t>
-            </a:r>
-          </a:p>
-          <a:p>
-            <a:pPr lvl="1"/>
-            <a:r>
-              <a:rPr lang="en-US" dirty="0" err="1" smtClean="0"/>
-              <a:t>Giống</a:t>
-            </a:r>
-            <a:r>
-              <a:rPr lang="en-US" dirty="0" smtClean="0"/>
-              <a:t> </a:t>
-            </a:r>
-            <a:r>
-              <a:rPr lang="en-US" dirty="0" err="1" smtClean="0"/>
-              <a:t>nhau</a:t>
-            </a:r>
-            <a:r>
-              <a:rPr lang="en-US" dirty="0" smtClean="0"/>
-              <a:t> ở </a:t>
-            </a:r>
-            <a:r>
-              <a:rPr lang="en-US" dirty="0" err="1" smtClean="0"/>
-              <a:t>tất</a:t>
-            </a:r>
-            <a:r>
-              <a:rPr lang="en-US" dirty="0" smtClean="0"/>
-              <a:t> </a:t>
-            </a:r>
-            <a:r>
-              <a:rPr lang="en-US" dirty="0" err="1" smtClean="0"/>
-              <a:t>cả</a:t>
-            </a:r>
-            <a:r>
-              <a:rPr lang="en-US" dirty="0" smtClean="0"/>
-              <a:t> </a:t>
-            </a:r>
-            <a:r>
-              <a:rPr lang="en-US" dirty="0" err="1" smtClean="0"/>
-              <a:t>các</a:t>
-            </a:r>
-            <a:r>
-              <a:rPr lang="en-US" dirty="0" smtClean="0"/>
-              <a:t> </a:t>
-            </a:r>
-            <a:r>
-              <a:rPr lang="en-US" dirty="0" err="1" smtClean="0"/>
-              <a:t>thuộc</a:t>
-            </a:r>
-            <a:r>
-              <a:rPr lang="en-US" dirty="0" smtClean="0"/>
-              <a:t> </a:t>
-            </a:r>
-            <a:r>
-              <a:rPr lang="en-US" dirty="0" err="1" smtClean="0"/>
-              <a:t>tính</a:t>
-            </a:r>
-            <a:r>
-              <a:rPr lang="en-US" dirty="0" smtClean="0"/>
-              <a:t> </a:t>
-            </a:r>
-            <a:r>
-              <a:rPr lang="en-US" dirty="0" err="1" smtClean="0"/>
-              <a:t>nhưng</a:t>
-            </a:r>
-            <a:r>
-              <a:rPr lang="en-US" dirty="0" smtClean="0"/>
-              <a:t> </a:t>
-            </a:r>
-            <a:r>
-              <a:rPr lang="en-US" dirty="0" err="1" smtClean="0"/>
-              <a:t>chỉ</a:t>
-            </a:r>
-            <a:r>
-              <a:rPr lang="en-US" dirty="0" smtClean="0"/>
-              <a:t> </a:t>
-            </a:r>
-            <a:r>
-              <a:rPr lang="en-US" dirty="0" err="1" smtClean="0"/>
-              <a:t>khác</a:t>
-            </a:r>
-            <a:r>
-              <a:rPr lang="en-US" dirty="0" smtClean="0"/>
-              <a:t> </a:t>
-            </a:r>
-            <a:r>
-              <a:rPr lang="en-US" dirty="0" err="1" smtClean="0"/>
-              <a:t>thời</a:t>
-            </a:r>
-            <a:r>
-              <a:rPr lang="en-US" dirty="0" smtClean="0"/>
-              <a:t> </a:t>
-            </a:r>
-            <a:r>
-              <a:rPr lang="en-US" dirty="0" err="1" smtClean="0"/>
-              <a:t>gian</a:t>
-            </a:r>
-            <a:endParaRPr lang="en-US" dirty="0" smtClean="0"/>
-          </a:p>
-          <a:p>
-            <a:pPr lvl="1"/>
-            <a:r>
-              <a:rPr lang="en-US" dirty="0" err="1" smtClean="0"/>
-              <a:t>Có</a:t>
-            </a:r>
-            <a:r>
-              <a:rPr lang="en-US" dirty="0" smtClean="0"/>
-              <a:t> </a:t>
-            </a:r>
-            <a:r>
-              <a:rPr lang="en-US" dirty="0" err="1" smtClean="0"/>
-              <a:t>cùng</a:t>
-            </a:r>
-            <a:r>
-              <a:rPr lang="en-US" dirty="0" smtClean="0"/>
-              <a:t> </a:t>
-            </a:r>
-            <a:r>
-              <a:rPr lang="en-US" dirty="0" err="1" smtClean="0"/>
-              <a:t>một</a:t>
-            </a:r>
-            <a:r>
-              <a:rPr lang="en-US" dirty="0" smtClean="0"/>
-              <a:t> </a:t>
-            </a:r>
-            <a:r>
-              <a:rPr lang="en-US" dirty="0" err="1" smtClean="0"/>
-              <a:t>nguyên</a:t>
-            </a:r>
-            <a:r>
-              <a:rPr lang="en-US" dirty="0" smtClean="0"/>
-              <a:t> </a:t>
-            </a:r>
-            <a:r>
-              <a:rPr lang="en-US" dirty="0" err="1" smtClean="0"/>
-              <a:t>nhân</a:t>
-            </a:r>
-            <a:r>
-              <a:rPr lang="en-US" dirty="0" smtClean="0"/>
-              <a:t> </a:t>
-            </a:r>
-            <a:r>
-              <a:rPr lang="en-US" dirty="0" err="1" smtClean="0"/>
-              <a:t>sinh</a:t>
-            </a:r>
-            <a:r>
-              <a:rPr lang="en-US" dirty="0" smtClean="0"/>
-              <a:t> </a:t>
-            </a:r>
-            <a:r>
-              <a:rPr lang="en-US" dirty="0" err="1" smtClean="0"/>
-              <a:t>ra</a:t>
-            </a:r>
-            <a:r>
-              <a:rPr lang="en-US" dirty="0" smtClean="0"/>
-              <a:t> (root cause</a:t>
-            </a:r>
-            <a:r>
-              <a:rPr lang="en-US" dirty="0" smtClean="0"/>
-              <a:t>)</a:t>
-            </a:r>
-          </a:p>
-          <a:p>
-            <a:r>
-              <a:rPr lang="en-US" dirty="0" err="1" smtClean="0"/>
-              <a:t>Các</a:t>
-            </a:r>
-            <a:r>
-              <a:rPr lang="en-US" dirty="0" smtClean="0"/>
-              <a:t> </a:t>
-            </a:r>
-            <a:r>
-              <a:rPr lang="en-US" dirty="0" err="1" smtClean="0"/>
-              <a:t>phương</a:t>
-            </a:r>
-            <a:r>
-              <a:rPr lang="en-US" dirty="0" smtClean="0"/>
-              <a:t> </a:t>
-            </a:r>
-            <a:r>
-              <a:rPr lang="en-US" dirty="0" err="1" smtClean="0"/>
-              <a:t>pháp</a:t>
-            </a:r>
-            <a:r>
-              <a:rPr lang="en-US" dirty="0" smtClean="0"/>
-              <a:t> </a:t>
-            </a:r>
-            <a:r>
-              <a:rPr lang="en-US" dirty="0" err="1" smtClean="0"/>
-              <a:t>chính</a:t>
-            </a:r>
-            <a:endParaRPr lang="en-US" dirty="0" smtClean="0"/>
-          </a:p>
-          <a:p>
-            <a:pPr lvl="1"/>
-            <a:r>
-              <a:rPr lang="en-US" dirty="0" err="1" smtClean="0"/>
-              <a:t>Phân</a:t>
-            </a:r>
-            <a:r>
-              <a:rPr lang="en-US" dirty="0" smtClean="0"/>
-              <a:t> </a:t>
-            </a:r>
-            <a:r>
-              <a:rPr lang="en-US" dirty="0" err="1" smtClean="0"/>
-              <a:t>tích</a:t>
-            </a:r>
-            <a:r>
-              <a:rPr lang="en-US" dirty="0" smtClean="0"/>
-              <a:t> root cause</a:t>
-            </a:r>
-          </a:p>
-          <a:p>
-            <a:pPr lvl="1"/>
-            <a:r>
-              <a:rPr lang="en-US" dirty="0" err="1" smtClean="0"/>
-              <a:t>Phân</a:t>
-            </a:r>
-            <a:r>
-              <a:rPr lang="en-US" dirty="0" smtClean="0"/>
-              <a:t> </a:t>
-            </a:r>
-            <a:r>
-              <a:rPr lang="en-US" dirty="0" err="1" smtClean="0"/>
-              <a:t>tích</a:t>
-            </a:r>
-            <a:r>
-              <a:rPr lang="en-US" dirty="0" smtClean="0"/>
-              <a:t> </a:t>
-            </a:r>
-            <a:r>
-              <a:rPr lang="en-US" dirty="0" err="1" smtClean="0"/>
-              <a:t>độ</a:t>
-            </a:r>
-            <a:r>
-              <a:rPr lang="en-US" dirty="0" smtClean="0"/>
-              <a:t> </a:t>
-            </a:r>
-            <a:r>
-              <a:rPr lang="en-US" dirty="0" err="1" smtClean="0"/>
-              <a:t>tương</a:t>
-            </a:r>
-            <a:r>
-              <a:rPr lang="en-US" dirty="0" smtClean="0"/>
-              <a:t> </a:t>
-            </a:r>
-            <a:r>
-              <a:rPr lang="en-US" dirty="0" err="1" smtClean="0"/>
-              <a:t>tự</a:t>
-            </a:r>
-            <a:r>
-              <a:rPr lang="en-US" dirty="0" smtClean="0"/>
-              <a:t> </a:t>
-            </a:r>
-            <a:r>
-              <a:rPr lang="en-US" dirty="0" err="1" smtClean="0"/>
-              <a:t>giữa</a:t>
-            </a:r>
-            <a:r>
-              <a:rPr lang="en-US" dirty="0" smtClean="0"/>
-              <a:t> 2 alert</a:t>
-            </a:r>
-          </a:p>
-          <a:p>
-            <a:pPr lvl="1"/>
-            <a:r>
-              <a:rPr lang="en-US" dirty="0" err="1" smtClean="0"/>
-              <a:t>Dùng</a:t>
-            </a:r>
-            <a:r>
-              <a:rPr lang="en-US" dirty="0" smtClean="0"/>
-              <a:t> rule </a:t>
-            </a:r>
-            <a:r>
-              <a:rPr lang="en-US" dirty="0" err="1" smtClean="0"/>
-              <a:t>để</a:t>
-            </a:r>
-            <a:r>
-              <a:rPr lang="en-US" dirty="0" smtClean="0"/>
-              <a:t> </a:t>
-            </a:r>
-            <a:r>
-              <a:rPr lang="en-US" dirty="0" err="1" smtClean="0"/>
-              <a:t>gom</a:t>
-            </a:r>
-            <a:r>
-              <a:rPr lang="en-US" dirty="0" smtClean="0"/>
-              <a:t> </a:t>
-            </a:r>
-            <a:r>
-              <a:rPr lang="en-US" dirty="0" err="1" smtClean="0"/>
-              <a:t>cụm</a:t>
-            </a:r>
-            <a:r>
-              <a:rPr lang="en-US" dirty="0" smtClean="0"/>
-              <a:t> alert </a:t>
-            </a:r>
-            <a:r>
-              <a:rPr lang="en-US" dirty="0" err="1" smtClean="0"/>
-              <a:t>và</a:t>
-            </a:r>
-            <a:r>
-              <a:rPr lang="en-US" dirty="0" smtClean="0"/>
-              <a:t> </a:t>
-            </a:r>
-            <a:r>
-              <a:rPr lang="en-US" dirty="0" err="1" smtClean="0"/>
-              <a:t>tạo</a:t>
-            </a:r>
-            <a:r>
-              <a:rPr lang="en-US" dirty="0" smtClean="0"/>
-              <a:t> alert </a:t>
-            </a:r>
-            <a:r>
-              <a:rPr lang="en-US" dirty="0" err="1" smtClean="0"/>
-              <a:t>đại</a:t>
-            </a:r>
-            <a:r>
-              <a:rPr lang="en-US" dirty="0" smtClean="0"/>
-              <a:t> </a:t>
-            </a:r>
-            <a:r>
-              <a:rPr lang="en-US" dirty="0" err="1" smtClean="0"/>
-              <a:t>diện</a:t>
-            </a:r>
-            <a:endParaRPr lang="vi-VN" dirty="0"/>
-          </a:p>
-        </p:txBody>
-      </p:sp>
-    </p:spTree>
-    <p:extLst>
-      <p:ext uri="{BB962C8B-B14F-4D97-AF65-F5344CB8AC3E}">
-        <p14:creationId xmlns:p14="http://schemas.microsoft.com/office/powerpoint/2010/main" xmlns="" val="1610593386"/>
-      </p:ext>
-    </p:extLst>
-  </p:cSld>
-  <p:clrMapOvr>
-    <a:masterClrMapping/>
-  </p:clrMapOvr>
-  <p:timing>
-    <p:tnLst>
-      <p:par>
-        <p:cTn id="1" dur="indefinite" restart="never" nodeType="tmRoot"/>
-      </p:par>
-    </p:tnLst>
-  </p:timing>
-</p:sld>
-</file>
-
-<file path=ppt/slides/slide20.xml><?xml version="1.0" encoding="utf-8"?>
 <p:sld xmlns:a="http://schemas.openxmlformats.org/drawingml/2006/main" xmlns:r="http://schemas.openxmlformats.org/officeDocument/2006/relationships" xmlns:p="http://schemas.openxmlformats.org/presentationml/2006/main">
   <p:cSld>
     <p:spTree>
@@ -11812,7 +11853,7 @@
     </p:spTree>
     <p:extLst>
       <p:ext uri="{BB962C8B-B14F-4D97-AF65-F5344CB8AC3E}">
-        <p14:creationId xmlns:p14="http://schemas.microsoft.com/office/powerpoint/2010/main" xmlns="" val="1333657196"/>
+        <p14:creationId xmlns="" xmlns:p14="http://schemas.microsoft.com/office/powerpoint/2010/main" val="1333657196"/>
       </p:ext>
     </p:extLst>
   </p:cSld>
@@ -11921,6 +11962,623 @@
 </p:sld>
 </file>
 
+<file path=ppt/slides/slide2.xml><?xml version="1.0" encoding="utf-8"?>
+<p:sld xmlns:a="http://schemas.openxmlformats.org/drawingml/2006/main" xmlns:r="http://schemas.openxmlformats.org/officeDocument/2006/relationships" xmlns:p="http://schemas.openxmlformats.org/presentationml/2006/main">
+  <p:cSld>
+    <p:spTree>
+      <p:nvGrpSpPr>
+        <p:cNvPr id="1" name=""/>
+        <p:cNvGrpSpPr/>
+        <p:nvPr/>
+      </p:nvGrpSpPr>
+      <p:grpSpPr>
+        <a:xfrm>
+          <a:off x="0" y="0"/>
+          <a:ext cx="0" cy="0"/>
+          <a:chOff x="0" y="0"/>
+          <a:chExt cx="0" cy="0"/>
+        </a:xfrm>
+      </p:grpSpPr>
+      <p:sp>
+        <p:nvSpPr>
+          <p:cNvPr id="4" name="Title 3"/>
+          <p:cNvSpPr>
+            <a:spLocks noGrp="1"/>
+          </p:cNvSpPr>
+          <p:nvPr>
+            <p:ph type="title"/>
+          </p:nvPr>
+        </p:nvSpPr>
+        <p:spPr/>
+        <p:txBody>
+          <a:bodyPr/>
+          <a:lstStyle/>
+          <a:p>
+            <a:r>
+              <a:rPr lang="en-US" dirty="0" smtClean="0"/>
+              <a:t>Alert Aggregation</a:t>
+            </a:r>
+            <a:endParaRPr lang="en-US" dirty="0"/>
+          </a:p>
+        </p:txBody>
+      </p:sp>
+      <p:sp>
+        <p:nvSpPr>
+          <p:cNvPr id="5" name="Content Placeholder 4"/>
+          <p:cNvSpPr>
+            <a:spLocks noGrp="1"/>
+          </p:cNvSpPr>
+          <p:nvPr>
+            <p:ph idx="1"/>
+          </p:nvPr>
+        </p:nvSpPr>
+        <p:spPr/>
+        <p:txBody>
+          <a:bodyPr/>
+          <a:lstStyle/>
+          <a:p>
+            <a:r>
+              <a:rPr lang="en-US" dirty="0" err="1" smtClean="0"/>
+              <a:t>Nhóm</a:t>
+            </a:r>
+            <a:r>
+              <a:rPr lang="en-US" dirty="0" smtClean="0"/>
+              <a:t> </a:t>
+            </a:r>
+            <a:r>
+              <a:rPr lang="en-US" dirty="0" err="1" smtClean="0"/>
+              <a:t>các</a:t>
+            </a:r>
+            <a:r>
+              <a:rPr lang="en-US" dirty="0" smtClean="0"/>
+              <a:t> alert </a:t>
+            </a:r>
+            <a:r>
+              <a:rPr lang="en-US" dirty="0" err="1" smtClean="0"/>
+              <a:t>có</a:t>
+            </a:r>
+            <a:r>
+              <a:rPr lang="en-US" dirty="0" smtClean="0"/>
+              <a:t> </a:t>
+            </a:r>
+            <a:r>
+              <a:rPr lang="en-US" dirty="0" err="1" smtClean="0"/>
+              <a:t>tính</a:t>
+            </a:r>
+            <a:r>
+              <a:rPr lang="en-US" dirty="0" smtClean="0"/>
+              <a:t> </a:t>
+            </a:r>
+            <a:r>
+              <a:rPr lang="en-US" dirty="0" err="1" smtClean="0"/>
+              <a:t>chất</a:t>
+            </a:r>
+            <a:r>
+              <a:rPr lang="en-US" dirty="0" smtClean="0"/>
+              <a:t> </a:t>
+            </a:r>
+            <a:r>
+              <a:rPr lang="en-US" dirty="0" err="1" smtClean="0"/>
+              <a:t>tương</a:t>
+            </a:r>
+            <a:r>
+              <a:rPr lang="en-US" dirty="0" smtClean="0"/>
+              <a:t> </a:t>
+            </a:r>
+            <a:r>
+              <a:rPr lang="en-US" dirty="0" err="1" smtClean="0"/>
+              <a:t>tự</a:t>
+            </a:r>
+            <a:r>
+              <a:rPr lang="en-US" dirty="0" smtClean="0"/>
+              <a:t> </a:t>
+            </a:r>
+            <a:r>
+              <a:rPr lang="en-US" dirty="0" err="1" smtClean="0"/>
+              <a:t>lại</a:t>
+            </a:r>
+            <a:r>
+              <a:rPr lang="en-US" dirty="0" smtClean="0"/>
+              <a:t>.</a:t>
+            </a:r>
+          </a:p>
+          <a:p>
+            <a:r>
+              <a:rPr lang="en-US" dirty="0" err="1" smtClean="0"/>
+              <a:t>Các</a:t>
+            </a:r>
+            <a:r>
+              <a:rPr lang="en-US" dirty="0" smtClean="0"/>
+              <a:t> alert </a:t>
+            </a:r>
+            <a:r>
+              <a:rPr lang="en-US" dirty="0" err="1" smtClean="0"/>
+              <a:t>tương</a:t>
+            </a:r>
+            <a:r>
+              <a:rPr lang="en-US" dirty="0" smtClean="0"/>
+              <a:t> </a:t>
+            </a:r>
+            <a:r>
+              <a:rPr lang="en-US" dirty="0" err="1" smtClean="0"/>
+              <a:t>tự</a:t>
+            </a:r>
+            <a:r>
+              <a:rPr lang="en-US" dirty="0" smtClean="0"/>
+              <a:t> </a:t>
+            </a:r>
+            <a:r>
+              <a:rPr lang="en-US" dirty="0" err="1" smtClean="0"/>
+              <a:t>nhau</a:t>
+            </a:r>
+            <a:r>
+              <a:rPr lang="en-US" dirty="0" smtClean="0"/>
+              <a:t> </a:t>
+            </a:r>
+            <a:r>
+              <a:rPr lang="en-US" dirty="0" err="1" smtClean="0"/>
+              <a:t>khi</a:t>
+            </a:r>
+            <a:r>
+              <a:rPr lang="en-US" dirty="0" smtClean="0"/>
+              <a:t>:</a:t>
+            </a:r>
+          </a:p>
+          <a:p>
+            <a:pPr lvl="1"/>
+            <a:r>
+              <a:rPr lang="en-US" dirty="0" err="1" smtClean="0"/>
+              <a:t>Giống</a:t>
+            </a:r>
+            <a:r>
+              <a:rPr lang="en-US" dirty="0" smtClean="0"/>
+              <a:t> </a:t>
+            </a:r>
+            <a:r>
+              <a:rPr lang="en-US" dirty="0" err="1" smtClean="0"/>
+              <a:t>nhau</a:t>
+            </a:r>
+            <a:r>
+              <a:rPr lang="en-US" dirty="0" smtClean="0"/>
+              <a:t> ở </a:t>
+            </a:r>
+            <a:r>
+              <a:rPr lang="en-US" dirty="0" err="1" smtClean="0"/>
+              <a:t>tất</a:t>
+            </a:r>
+            <a:r>
+              <a:rPr lang="en-US" dirty="0" smtClean="0"/>
+              <a:t> </a:t>
+            </a:r>
+            <a:r>
+              <a:rPr lang="en-US" dirty="0" err="1" smtClean="0"/>
+              <a:t>cả</a:t>
+            </a:r>
+            <a:r>
+              <a:rPr lang="en-US" dirty="0" smtClean="0"/>
+              <a:t> </a:t>
+            </a:r>
+            <a:r>
+              <a:rPr lang="en-US" dirty="0" err="1" smtClean="0"/>
+              <a:t>các</a:t>
+            </a:r>
+            <a:r>
+              <a:rPr lang="en-US" dirty="0" smtClean="0"/>
+              <a:t> </a:t>
+            </a:r>
+            <a:r>
+              <a:rPr lang="en-US" dirty="0" err="1" smtClean="0"/>
+              <a:t>thuộc</a:t>
+            </a:r>
+            <a:r>
+              <a:rPr lang="en-US" dirty="0" smtClean="0"/>
+              <a:t> </a:t>
+            </a:r>
+            <a:r>
+              <a:rPr lang="en-US" dirty="0" err="1" smtClean="0"/>
+              <a:t>tính</a:t>
+            </a:r>
+            <a:r>
+              <a:rPr lang="en-US" dirty="0" smtClean="0"/>
+              <a:t> </a:t>
+            </a:r>
+            <a:r>
+              <a:rPr lang="en-US" dirty="0" err="1" smtClean="0"/>
+              <a:t>nhưng</a:t>
+            </a:r>
+            <a:r>
+              <a:rPr lang="en-US" dirty="0" smtClean="0"/>
+              <a:t> </a:t>
+            </a:r>
+            <a:r>
+              <a:rPr lang="en-US" dirty="0" err="1" smtClean="0"/>
+              <a:t>chỉ</a:t>
+            </a:r>
+            <a:r>
+              <a:rPr lang="en-US" dirty="0" smtClean="0"/>
+              <a:t> </a:t>
+            </a:r>
+            <a:r>
+              <a:rPr lang="en-US" dirty="0" err="1" smtClean="0"/>
+              <a:t>khác</a:t>
+            </a:r>
+            <a:r>
+              <a:rPr lang="en-US" dirty="0" smtClean="0"/>
+              <a:t> </a:t>
+            </a:r>
+            <a:r>
+              <a:rPr lang="en-US" dirty="0" err="1" smtClean="0"/>
+              <a:t>thời</a:t>
+            </a:r>
+            <a:r>
+              <a:rPr lang="en-US" dirty="0" smtClean="0"/>
+              <a:t> </a:t>
+            </a:r>
+            <a:r>
+              <a:rPr lang="en-US" dirty="0" err="1" smtClean="0"/>
+              <a:t>gian</a:t>
+            </a:r>
+            <a:endParaRPr lang="en-US" dirty="0" smtClean="0"/>
+          </a:p>
+          <a:p>
+            <a:pPr lvl="1"/>
+            <a:r>
+              <a:rPr lang="en-US" dirty="0" err="1" smtClean="0"/>
+              <a:t>Có</a:t>
+            </a:r>
+            <a:r>
+              <a:rPr lang="en-US" dirty="0" smtClean="0"/>
+              <a:t> </a:t>
+            </a:r>
+            <a:r>
+              <a:rPr lang="en-US" dirty="0" err="1" smtClean="0"/>
+              <a:t>cùng</a:t>
+            </a:r>
+            <a:r>
+              <a:rPr lang="en-US" dirty="0" smtClean="0"/>
+              <a:t> </a:t>
+            </a:r>
+            <a:r>
+              <a:rPr lang="en-US" dirty="0" err="1" smtClean="0"/>
+              <a:t>một</a:t>
+            </a:r>
+            <a:r>
+              <a:rPr lang="en-US" dirty="0" smtClean="0"/>
+              <a:t> </a:t>
+            </a:r>
+            <a:r>
+              <a:rPr lang="en-US" dirty="0" err="1" smtClean="0"/>
+              <a:t>nguyên</a:t>
+            </a:r>
+            <a:r>
+              <a:rPr lang="en-US" dirty="0" smtClean="0"/>
+              <a:t> </a:t>
+            </a:r>
+            <a:r>
+              <a:rPr lang="en-US" dirty="0" err="1" smtClean="0"/>
+              <a:t>nhân</a:t>
+            </a:r>
+            <a:r>
+              <a:rPr lang="en-US" dirty="0" smtClean="0"/>
+              <a:t> </a:t>
+            </a:r>
+            <a:r>
+              <a:rPr lang="en-US" dirty="0" err="1" smtClean="0"/>
+              <a:t>sinh</a:t>
+            </a:r>
+            <a:r>
+              <a:rPr lang="en-US" dirty="0" smtClean="0"/>
+              <a:t> </a:t>
+            </a:r>
+            <a:r>
+              <a:rPr lang="en-US" dirty="0" err="1" smtClean="0"/>
+              <a:t>ra</a:t>
+            </a:r>
+            <a:r>
+              <a:rPr lang="en-US" dirty="0" smtClean="0"/>
+              <a:t> (root cause)</a:t>
+            </a:r>
+          </a:p>
+          <a:p>
+            <a:r>
+              <a:rPr lang="en-US" dirty="0" err="1" smtClean="0"/>
+              <a:t>Các</a:t>
+            </a:r>
+            <a:r>
+              <a:rPr lang="en-US" dirty="0" smtClean="0"/>
+              <a:t> </a:t>
+            </a:r>
+            <a:r>
+              <a:rPr lang="en-US" dirty="0" err="1" smtClean="0"/>
+              <a:t>phương</a:t>
+            </a:r>
+            <a:r>
+              <a:rPr lang="en-US" dirty="0" smtClean="0"/>
+              <a:t> </a:t>
+            </a:r>
+            <a:r>
+              <a:rPr lang="en-US" dirty="0" err="1" smtClean="0"/>
+              <a:t>pháp</a:t>
+            </a:r>
+            <a:r>
+              <a:rPr lang="en-US" dirty="0" smtClean="0"/>
+              <a:t> </a:t>
+            </a:r>
+            <a:r>
+              <a:rPr lang="en-US" dirty="0" err="1" smtClean="0"/>
+              <a:t>chính</a:t>
+            </a:r>
+            <a:endParaRPr lang="en-US" dirty="0" smtClean="0"/>
+          </a:p>
+          <a:p>
+            <a:pPr lvl="1"/>
+            <a:r>
+              <a:rPr lang="en-US" dirty="0" err="1" smtClean="0"/>
+              <a:t>Phân</a:t>
+            </a:r>
+            <a:r>
+              <a:rPr lang="en-US" dirty="0" smtClean="0"/>
+              <a:t> </a:t>
+            </a:r>
+            <a:r>
+              <a:rPr lang="en-US" dirty="0" err="1" smtClean="0"/>
+              <a:t>tích</a:t>
+            </a:r>
+            <a:r>
+              <a:rPr lang="en-US" dirty="0" smtClean="0"/>
+              <a:t> root cause</a:t>
+            </a:r>
+          </a:p>
+          <a:p>
+            <a:pPr lvl="1"/>
+            <a:r>
+              <a:rPr lang="en-US" dirty="0" err="1" smtClean="0"/>
+              <a:t>Phân</a:t>
+            </a:r>
+            <a:r>
+              <a:rPr lang="en-US" dirty="0" smtClean="0"/>
+              <a:t> </a:t>
+            </a:r>
+            <a:r>
+              <a:rPr lang="en-US" dirty="0" err="1" smtClean="0"/>
+              <a:t>tích</a:t>
+            </a:r>
+            <a:r>
+              <a:rPr lang="en-US" dirty="0" smtClean="0"/>
+              <a:t> </a:t>
+            </a:r>
+            <a:r>
+              <a:rPr lang="en-US" dirty="0" err="1" smtClean="0"/>
+              <a:t>độ</a:t>
+            </a:r>
+            <a:r>
+              <a:rPr lang="en-US" dirty="0" smtClean="0"/>
+              <a:t> </a:t>
+            </a:r>
+            <a:r>
+              <a:rPr lang="en-US" dirty="0" err="1" smtClean="0"/>
+              <a:t>tương</a:t>
+            </a:r>
+            <a:r>
+              <a:rPr lang="en-US" dirty="0" smtClean="0"/>
+              <a:t> </a:t>
+            </a:r>
+            <a:r>
+              <a:rPr lang="en-US" dirty="0" err="1" smtClean="0"/>
+              <a:t>tự</a:t>
+            </a:r>
+            <a:r>
+              <a:rPr lang="en-US" dirty="0" smtClean="0"/>
+              <a:t> </a:t>
+            </a:r>
+            <a:r>
+              <a:rPr lang="en-US" dirty="0" err="1" smtClean="0"/>
+              <a:t>giữa</a:t>
+            </a:r>
+            <a:r>
+              <a:rPr lang="en-US" dirty="0" smtClean="0"/>
+              <a:t> 2 alert</a:t>
+            </a:r>
+          </a:p>
+          <a:p>
+            <a:pPr lvl="1"/>
+            <a:r>
+              <a:rPr lang="en-US" dirty="0" err="1" smtClean="0"/>
+              <a:t>Dùng</a:t>
+            </a:r>
+            <a:r>
+              <a:rPr lang="en-US" dirty="0" smtClean="0"/>
+              <a:t> rule </a:t>
+            </a:r>
+            <a:r>
+              <a:rPr lang="en-US" dirty="0" err="1" smtClean="0"/>
+              <a:t>để</a:t>
+            </a:r>
+            <a:r>
+              <a:rPr lang="en-US" dirty="0" smtClean="0"/>
+              <a:t> </a:t>
+            </a:r>
+            <a:r>
+              <a:rPr lang="en-US" dirty="0" err="1" smtClean="0"/>
+              <a:t>gom</a:t>
+            </a:r>
+            <a:r>
+              <a:rPr lang="en-US" dirty="0" smtClean="0"/>
+              <a:t> </a:t>
+            </a:r>
+            <a:r>
+              <a:rPr lang="en-US" dirty="0" err="1" smtClean="0"/>
+              <a:t>cụm</a:t>
+            </a:r>
+            <a:r>
+              <a:rPr lang="en-US" dirty="0" smtClean="0"/>
+              <a:t> alert </a:t>
+            </a:r>
+            <a:r>
+              <a:rPr lang="en-US" dirty="0" err="1" smtClean="0"/>
+              <a:t>và</a:t>
+            </a:r>
+            <a:r>
+              <a:rPr lang="en-US" dirty="0" smtClean="0"/>
+              <a:t> </a:t>
+            </a:r>
+            <a:r>
+              <a:rPr lang="en-US" dirty="0" err="1" smtClean="0"/>
+              <a:t>tạo</a:t>
+            </a:r>
+            <a:r>
+              <a:rPr lang="en-US" dirty="0" smtClean="0"/>
+              <a:t> alert </a:t>
+            </a:r>
+            <a:r>
+              <a:rPr lang="en-US" dirty="0" err="1" smtClean="0"/>
+              <a:t>đại</a:t>
+            </a:r>
+            <a:r>
+              <a:rPr lang="en-US" dirty="0" smtClean="0"/>
+              <a:t> </a:t>
+            </a:r>
+            <a:r>
+              <a:rPr lang="en-US" dirty="0" err="1" smtClean="0"/>
+              <a:t>diện</a:t>
+            </a:r>
+            <a:endParaRPr lang="vi-VN" dirty="0"/>
+          </a:p>
+        </p:txBody>
+      </p:sp>
+    </p:spTree>
+    <p:extLst>
+      <p:ext uri="{BB962C8B-B14F-4D97-AF65-F5344CB8AC3E}">
+        <p14:creationId xmlns="" xmlns:p14="http://schemas.microsoft.com/office/powerpoint/2010/main" val="1610593386"/>
+      </p:ext>
+    </p:extLst>
+  </p:cSld>
+  <p:clrMapOvr>
+    <a:masterClrMapping/>
+  </p:clrMapOvr>
+  <p:timing>
+    <p:tnLst>
+      <p:par>
+        <p:cTn id="1" dur="indefinite" restart="never" nodeType="tmRoot"/>
+      </p:par>
+    </p:tnLst>
+  </p:timing>
+</p:sld>
+</file>
+
+<file path=ppt/slides/slide20.xml><?xml version="1.0" encoding="utf-8"?>
+<p:sld xmlns:a="http://schemas.openxmlformats.org/drawingml/2006/main" xmlns:r="http://schemas.openxmlformats.org/officeDocument/2006/relationships" xmlns:p="http://schemas.openxmlformats.org/presentationml/2006/main">
+  <p:cSld>
+    <p:spTree>
+      <p:nvGrpSpPr>
+        <p:cNvPr id="1" name=""/>
+        <p:cNvGrpSpPr/>
+        <p:nvPr/>
+      </p:nvGrpSpPr>
+      <p:grpSpPr>
+        <a:xfrm>
+          <a:off x="0" y="0"/>
+          <a:ext cx="0" cy="0"/>
+          <a:chOff x="0" y="0"/>
+          <a:chExt cx="0" cy="0"/>
+        </a:xfrm>
+      </p:grpSpPr>
+      <p:sp>
+        <p:nvSpPr>
+          <p:cNvPr id="2" name="Title 1"/>
+          <p:cNvSpPr>
+            <a:spLocks noGrp="1"/>
+          </p:cNvSpPr>
+          <p:nvPr>
+            <p:ph type="title"/>
+          </p:nvPr>
+        </p:nvSpPr>
+        <p:spPr/>
+        <p:txBody>
+          <a:bodyPr/>
+          <a:lstStyle/>
+          <a:p>
+            <a:r>
+              <a:rPr lang="en-US" dirty="0" err="1" smtClean="0"/>
+              <a:t>Hướng</a:t>
+            </a:r>
+            <a:r>
+              <a:rPr lang="en-US" dirty="0" smtClean="0"/>
+              <a:t> </a:t>
+            </a:r>
+            <a:r>
+              <a:rPr lang="en-US" dirty="0" err="1" smtClean="0"/>
+              <a:t>tiếp</a:t>
+            </a:r>
+            <a:r>
+              <a:rPr lang="en-US" dirty="0" smtClean="0"/>
+              <a:t> </a:t>
+            </a:r>
+            <a:r>
+              <a:rPr lang="en-US" dirty="0" err="1" smtClean="0"/>
+              <a:t>cận</a:t>
+            </a:r>
+            <a:r>
+              <a:rPr lang="en-US" dirty="0" smtClean="0"/>
+              <a:t> </a:t>
+            </a:r>
+            <a:r>
+              <a:rPr lang="en-US" dirty="0" err="1" smtClean="0"/>
+              <a:t>khác</a:t>
+            </a:r>
+            <a:endParaRPr lang="en-US" dirty="0"/>
+          </a:p>
+        </p:txBody>
+      </p:sp>
+      <p:pic>
+        <p:nvPicPr>
+          <p:cNvPr id="4" name="Content Placeholder 3"/>
+          <p:cNvPicPr>
+            <a:picLocks noGrp="1" noChangeAspect="1"/>
+          </p:cNvPicPr>
+          <p:nvPr>
+            <p:ph idx="1"/>
+          </p:nvPr>
+        </p:nvPicPr>
+        <p:blipFill>
+          <a:blip r:embed="rId2" cstate="print">
+            <a:extLst>
+              <a:ext uri="{28A0092B-C50C-407E-A947-70E740481C1C}">
+                <a14:useLocalDpi xmlns="" xmlns:a14="http://schemas.microsoft.com/office/drawing/2010/main" val="0"/>
+              </a:ext>
+            </a:extLst>
+          </a:blip>
+          <a:stretch>
+            <a:fillRect/>
+          </a:stretch>
+        </p:blipFill>
+        <p:spPr>
+          <a:xfrm>
+            <a:off x="381000" y="2057400"/>
+            <a:ext cx="8229600" cy="2693323"/>
+          </a:xfrm>
+        </p:spPr>
+      </p:pic>
+    </p:spTree>
+    <p:extLst>
+      <p:ext uri="{BB962C8B-B14F-4D97-AF65-F5344CB8AC3E}">
+        <p14:creationId xmlns="" xmlns:p14="http://schemas.microsoft.com/office/powerpoint/2010/main" val="62019304"/>
+      </p:ext>
+    </p:extLst>
+  </p:cSld>
+  <p:clrMapOvr>
+    <a:masterClrMapping/>
+  </p:clrMapOvr>
+  <p:timing>
+    <p:tnLst>
+      <p:par>
+        <p:cTn id="1" dur="indefinite" restart="never" nodeType="tmRoot"/>
+      </p:par>
+    </p:tnLst>
+  </p:timing>
+</p:sld>
+</file>
+
 <file path=ppt/slides/slide21.xml><?xml version="1.0" encoding="utf-8"?>
 <p:sld xmlns:a="http://schemas.openxmlformats.org/drawingml/2006/main" xmlns:r="http://schemas.openxmlformats.org/officeDocument/2006/relationships" xmlns:p="http://schemas.openxmlformats.org/presentationml/2006/main">
   <p:cSld>
@@ -11954,70 +12612,188 @@
           <a:lstStyle/>
           <a:p>
             <a:r>
-              <a:rPr lang="en-US" dirty="0" err="1" smtClean="0"/>
-              <a:t>Hướng</a:t>
-            </a:r>
-            <a:r>
-              <a:rPr lang="en-US" dirty="0" smtClean="0"/>
-              <a:t> </a:t>
-            </a:r>
-            <a:r>
-              <a:rPr lang="en-US" dirty="0" err="1" smtClean="0"/>
-              <a:t>tiếp</a:t>
-            </a:r>
-            <a:r>
-              <a:rPr lang="en-US" dirty="0" smtClean="0"/>
-              <a:t> </a:t>
-            </a:r>
-            <a:r>
-              <a:rPr lang="en-US" dirty="0" err="1" smtClean="0"/>
-              <a:t>cận</a:t>
-            </a:r>
-            <a:r>
-              <a:rPr lang="en-US" dirty="0" smtClean="0"/>
-              <a:t> </a:t>
-            </a:r>
-            <a:r>
-              <a:rPr lang="en-US" dirty="0" err="1" smtClean="0"/>
-              <a:t>khác</a:t>
+              <a:rPr lang="en-US" dirty="0" smtClean="0"/>
+              <a:t>Ý </a:t>
+            </a:r>
+            <a:r>
+              <a:rPr lang="en-US" dirty="0" err="1" smtClean="0"/>
+              <a:t>tưởng</a:t>
+            </a:r>
+            <a:r>
+              <a:rPr lang="en-US" dirty="0" smtClean="0"/>
+              <a:t> </a:t>
+            </a:r>
+            <a:r>
+              <a:rPr lang="en-US" dirty="0" err="1" smtClean="0"/>
+              <a:t>của</a:t>
+            </a:r>
+            <a:r>
+              <a:rPr lang="en-US" dirty="0" smtClean="0"/>
+              <a:t> Alert Fusion</a:t>
             </a:r>
             <a:endParaRPr lang="en-US" dirty="0"/>
           </a:p>
         </p:txBody>
       </p:sp>
-      <p:pic>
-        <p:nvPicPr>
-          <p:cNvPr id="4" name="Content Placeholder 3"/>
-          <p:cNvPicPr>
-            <a:picLocks noGrp="1" noChangeAspect="1"/>
-          </p:cNvPicPr>
+      <p:sp>
+        <p:nvSpPr>
+          <p:cNvPr id="3" name="Content Placeholder 2"/>
+          <p:cNvSpPr>
+            <a:spLocks noGrp="1"/>
+          </p:cNvSpPr>
           <p:nvPr>
             <p:ph idx="1"/>
           </p:nvPr>
-        </p:nvPicPr>
-        <p:blipFill>
-          <a:blip r:embed="rId2" cstate="print">
-            <a:extLst>
-              <a:ext uri="{28A0092B-C50C-407E-A947-70E740481C1C}">
-                <a14:useLocalDpi xmlns:a14="http://schemas.microsoft.com/office/drawing/2010/main" xmlns="" val="0"/>
-              </a:ext>
-            </a:extLst>
-          </a:blip>
-          <a:stretch>
-            <a:fillRect/>
-          </a:stretch>
-        </p:blipFill>
-        <p:spPr>
-          <a:xfrm>
-            <a:off x="381000" y="2057400"/>
-            <a:ext cx="8229600" cy="2693323"/>
-          </a:xfrm>
-        </p:spPr>
-      </p:pic>
+        </p:nvSpPr>
+        <p:spPr/>
+        <p:txBody>
+          <a:bodyPr/>
+          <a:lstStyle/>
+          <a:p>
+            <a:r>
+              <a:rPr lang="en-US" dirty="0" err="1" smtClean="0"/>
+              <a:t>Sử</a:t>
+            </a:r>
+            <a:r>
+              <a:rPr lang="en-US" dirty="0" smtClean="0"/>
+              <a:t> </a:t>
+            </a:r>
+            <a:r>
+              <a:rPr lang="en-US" dirty="0" err="1" smtClean="0"/>
+              <a:t>dụng</a:t>
+            </a:r>
+            <a:r>
+              <a:rPr lang="en-US" dirty="0" smtClean="0"/>
+              <a:t> sliding time window</a:t>
+            </a:r>
+          </a:p>
+          <a:p>
+            <a:r>
+              <a:rPr lang="en-US" dirty="0" smtClean="0"/>
+              <a:t>Alert </a:t>
+            </a:r>
+            <a:r>
+              <a:rPr lang="en-US" dirty="0" err="1" smtClean="0"/>
+              <a:t>chứa</a:t>
+            </a:r>
+            <a:r>
+              <a:rPr lang="en-US" dirty="0" smtClean="0"/>
+              <a:t> </a:t>
+            </a:r>
+            <a:r>
+              <a:rPr lang="en-US" dirty="0" err="1" smtClean="0"/>
+              <a:t>trong</a:t>
+            </a:r>
+            <a:r>
+              <a:rPr lang="en-US" dirty="0" smtClean="0"/>
+              <a:t> 1 queue</a:t>
+            </a:r>
+          </a:p>
+          <a:p>
+            <a:pPr lvl="1"/>
+            <a:r>
+              <a:rPr lang="en-US" dirty="0" err="1" smtClean="0"/>
+              <a:t>Chỉ</a:t>
+            </a:r>
+            <a:r>
+              <a:rPr lang="en-US" dirty="0" smtClean="0"/>
+              <a:t> </a:t>
+            </a:r>
+            <a:r>
+              <a:rPr lang="en-US" dirty="0" err="1" smtClean="0"/>
+              <a:t>tổng</a:t>
+            </a:r>
+            <a:r>
+              <a:rPr lang="en-US" dirty="0" smtClean="0"/>
+              <a:t> </a:t>
+            </a:r>
+            <a:r>
+              <a:rPr lang="en-US" dirty="0" err="1" smtClean="0"/>
+              <a:t>hợp</a:t>
+            </a:r>
+            <a:r>
+              <a:rPr lang="en-US" dirty="0" smtClean="0"/>
+              <a:t> </a:t>
+            </a:r>
+            <a:r>
+              <a:rPr lang="en-US" dirty="0" err="1" smtClean="0"/>
+              <a:t>các</a:t>
+            </a:r>
+            <a:r>
+              <a:rPr lang="en-US" dirty="0" smtClean="0"/>
+              <a:t> alert </a:t>
+            </a:r>
+            <a:r>
+              <a:rPr lang="en-US" dirty="0" err="1" smtClean="0"/>
+              <a:t>trong</a:t>
+            </a:r>
+            <a:r>
+              <a:rPr lang="en-US" dirty="0" smtClean="0"/>
+              <a:t> queue</a:t>
+            </a:r>
+          </a:p>
+          <a:p>
+            <a:pPr lvl="1"/>
+            <a:r>
+              <a:rPr lang="en-US" dirty="0" smtClean="0"/>
+              <a:t>Alert </a:t>
+            </a:r>
+            <a:r>
+              <a:rPr lang="en-US" dirty="0" err="1" smtClean="0"/>
+              <a:t>cũ</a:t>
+            </a:r>
+            <a:r>
+              <a:rPr lang="en-US" dirty="0" smtClean="0"/>
+              <a:t> </a:t>
+            </a:r>
+            <a:r>
+              <a:rPr lang="en-US" dirty="0" err="1" smtClean="0"/>
+              <a:t>sẽ</a:t>
+            </a:r>
+            <a:r>
+              <a:rPr lang="en-US" dirty="0" smtClean="0"/>
+              <a:t> </a:t>
+            </a:r>
+            <a:r>
+              <a:rPr lang="en-US" dirty="0" err="1" smtClean="0"/>
+              <a:t>bị</a:t>
+            </a:r>
+            <a:r>
+              <a:rPr lang="en-US" dirty="0" smtClean="0"/>
+              <a:t> </a:t>
+            </a:r>
+            <a:r>
+              <a:rPr lang="en-US" dirty="0" err="1" smtClean="0"/>
+              <a:t>xóa</a:t>
+            </a:r>
+            <a:r>
+              <a:rPr lang="en-US" dirty="0" smtClean="0"/>
+              <a:t> </a:t>
+            </a:r>
+            <a:r>
+              <a:rPr lang="en-US" dirty="0" err="1" smtClean="0"/>
+              <a:t>ra</a:t>
+            </a:r>
+            <a:r>
+              <a:rPr lang="en-US" dirty="0" smtClean="0"/>
+              <a:t> </a:t>
+            </a:r>
+            <a:r>
+              <a:rPr lang="en-US" dirty="0" err="1" smtClean="0"/>
+              <a:t>khỏi</a:t>
+            </a:r>
+            <a:r>
+              <a:rPr lang="en-US" dirty="0" smtClean="0"/>
+              <a:t> queue</a:t>
+            </a:r>
+            <a:endParaRPr lang="en-US" dirty="0"/>
+          </a:p>
+        </p:txBody>
+      </p:sp>
     </p:spTree>
     <p:extLst>
       <p:ext uri="{BB962C8B-B14F-4D97-AF65-F5344CB8AC3E}">
-        <p14:creationId xmlns:p14="http://schemas.microsoft.com/office/powerpoint/2010/main" xmlns="" val="62019304"/>
+        <p14:creationId xmlns="" xmlns:p14="http://schemas.microsoft.com/office/powerpoint/2010/main" val="948979260"/>
       </p:ext>
     </p:extLst>
   </p:cSld>
@@ -12067,188 +12843,84 @@
           <a:lstStyle/>
           <a:p>
             <a:r>
-              <a:rPr lang="en-US" dirty="0" smtClean="0"/>
-              <a:t>Ý </a:t>
-            </a:r>
-            <a:r>
-              <a:rPr lang="en-US" dirty="0" err="1" smtClean="0"/>
-              <a:t>tưởng</a:t>
-            </a:r>
-            <a:r>
-              <a:rPr lang="en-US" dirty="0" smtClean="0"/>
-              <a:t> </a:t>
-            </a:r>
-            <a:r>
-              <a:rPr lang="en-US" dirty="0" err="1" smtClean="0"/>
-              <a:t>của</a:t>
-            </a:r>
-            <a:r>
-              <a:rPr lang="en-US" dirty="0" smtClean="0"/>
-              <a:t> Alert Fusion</a:t>
+              <a:rPr lang="en-US" dirty="0" err="1" smtClean="0"/>
+              <a:t>Giải</a:t>
+            </a:r>
+            <a:r>
+              <a:rPr lang="en-US" dirty="0" smtClean="0"/>
+              <a:t> </a:t>
+            </a:r>
+            <a:r>
+              <a:rPr lang="en-US" dirty="0" err="1" smtClean="0"/>
+              <a:t>thuật</a:t>
             </a:r>
             <a:endParaRPr lang="en-US" dirty="0"/>
           </a:p>
         </p:txBody>
       </p:sp>
-      <p:sp>
-        <p:nvSpPr>
-          <p:cNvPr id="3" name="Content Placeholder 2"/>
-          <p:cNvSpPr>
-            <a:spLocks noGrp="1"/>
-          </p:cNvSpPr>
+      <p:pic>
+        <p:nvPicPr>
+          <p:cNvPr id="4" name="Content Placeholder 3" descr="Screen Clipping"/>
+          <p:cNvPicPr>
+            <a:picLocks noGrp="1" noChangeAspect="1"/>
+          </p:cNvPicPr>
           <p:nvPr>
             <p:ph idx="1"/>
           </p:nvPr>
-        </p:nvSpPr>
-        <p:spPr/>
-        <p:txBody>
-          <a:bodyPr/>
-          <a:lstStyle/>
-          <a:p>
-            <a:r>
-              <a:rPr lang="en-US" dirty="0" err="1" smtClean="0"/>
-              <a:t>Sử</a:t>
-            </a:r>
-            <a:r>
-              <a:rPr lang="en-US" dirty="0" smtClean="0"/>
-              <a:t> </a:t>
-            </a:r>
-            <a:r>
-              <a:rPr lang="en-US" dirty="0" err="1" smtClean="0"/>
-              <a:t>dụng</a:t>
-            </a:r>
-            <a:r>
-              <a:rPr lang="en-US" dirty="0" smtClean="0"/>
-              <a:t> sliding time window</a:t>
-            </a:r>
-          </a:p>
-          <a:p>
-            <a:r>
-              <a:rPr lang="en-US" dirty="0" smtClean="0"/>
-              <a:t>Alert </a:t>
-            </a:r>
-            <a:r>
-              <a:rPr lang="en-US" dirty="0" err="1" smtClean="0"/>
-              <a:t>chứa</a:t>
-            </a:r>
-            <a:r>
-              <a:rPr lang="en-US" dirty="0" smtClean="0"/>
-              <a:t> </a:t>
-            </a:r>
-            <a:r>
-              <a:rPr lang="en-US" dirty="0" err="1" smtClean="0"/>
-              <a:t>trong</a:t>
-            </a:r>
-            <a:r>
-              <a:rPr lang="en-US" dirty="0" smtClean="0"/>
-              <a:t> 1 queue</a:t>
-            </a:r>
-          </a:p>
-          <a:p>
-            <a:pPr lvl="1"/>
-            <a:r>
-              <a:rPr lang="en-US" dirty="0" err="1" smtClean="0"/>
-              <a:t>Chỉ</a:t>
-            </a:r>
-            <a:r>
-              <a:rPr lang="en-US" dirty="0" smtClean="0"/>
-              <a:t> </a:t>
-            </a:r>
-            <a:r>
-              <a:rPr lang="en-US" dirty="0" err="1" smtClean="0"/>
-              <a:t>tổng</a:t>
-            </a:r>
-            <a:r>
-              <a:rPr lang="en-US" dirty="0" smtClean="0"/>
-              <a:t> </a:t>
-            </a:r>
-            <a:r>
-              <a:rPr lang="en-US" dirty="0" err="1" smtClean="0"/>
-              <a:t>hợp</a:t>
-            </a:r>
-            <a:r>
-              <a:rPr lang="en-US" dirty="0" smtClean="0"/>
-              <a:t> </a:t>
-            </a:r>
-            <a:r>
-              <a:rPr lang="en-US" dirty="0" err="1" smtClean="0"/>
-              <a:t>các</a:t>
-            </a:r>
-            <a:r>
-              <a:rPr lang="en-US" dirty="0" smtClean="0"/>
-              <a:t> alert </a:t>
-            </a:r>
-            <a:r>
-              <a:rPr lang="en-US" dirty="0" err="1" smtClean="0"/>
-              <a:t>trong</a:t>
-            </a:r>
-            <a:r>
-              <a:rPr lang="en-US" dirty="0" smtClean="0"/>
-              <a:t> queue</a:t>
-            </a:r>
-          </a:p>
-          <a:p>
-            <a:pPr lvl="1"/>
-            <a:r>
-              <a:rPr lang="en-US" dirty="0" smtClean="0"/>
-              <a:t>Alert </a:t>
-            </a:r>
-            <a:r>
-              <a:rPr lang="en-US" dirty="0" err="1" smtClean="0"/>
-              <a:t>cũ</a:t>
-            </a:r>
-            <a:r>
-              <a:rPr lang="en-US" dirty="0" smtClean="0"/>
-              <a:t> </a:t>
-            </a:r>
-            <a:r>
-              <a:rPr lang="en-US" dirty="0" err="1" smtClean="0"/>
-              <a:t>sẽ</a:t>
-            </a:r>
-            <a:r>
-              <a:rPr lang="en-US" dirty="0" smtClean="0"/>
-              <a:t> </a:t>
-            </a:r>
-            <a:r>
-              <a:rPr lang="en-US" dirty="0" err="1" smtClean="0"/>
-              <a:t>bị</a:t>
-            </a:r>
-            <a:r>
-              <a:rPr lang="en-US" dirty="0" smtClean="0"/>
-              <a:t> </a:t>
-            </a:r>
-            <a:r>
-              <a:rPr lang="en-US" dirty="0" err="1" smtClean="0"/>
-              <a:t>xóa</a:t>
-            </a:r>
-            <a:r>
-              <a:rPr lang="en-US" dirty="0" smtClean="0"/>
-              <a:t> </a:t>
-            </a:r>
-            <a:r>
-              <a:rPr lang="en-US" dirty="0" err="1" smtClean="0"/>
-              <a:t>ra</a:t>
-            </a:r>
-            <a:r>
-              <a:rPr lang="en-US" dirty="0" smtClean="0"/>
-              <a:t> </a:t>
-            </a:r>
-            <a:r>
-              <a:rPr lang="en-US" dirty="0" err="1" smtClean="0"/>
-              <a:t>khỏi</a:t>
-            </a:r>
-            <a:r>
-              <a:rPr lang="en-US" dirty="0" smtClean="0"/>
-              <a:t> queue</a:t>
-            </a:r>
-            <a:endParaRPr lang="en-US" dirty="0"/>
-          </a:p>
-        </p:txBody>
-      </p:sp>
+        </p:nvPicPr>
+        <p:blipFill>
+          <a:blip r:embed="rId2" cstate="print">
+            <a:extLst>
+              <a:ext uri="{28A0092B-C50C-407E-A947-70E740481C1C}">
+                <a14:useLocalDpi xmlns="" xmlns:a14="http://schemas.microsoft.com/office/drawing/2010/main" val="0"/>
+              </a:ext>
+            </a:extLst>
+          </a:blip>
+          <a:stretch>
+            <a:fillRect/>
+          </a:stretch>
+        </p:blipFill>
+        <p:spPr>
+          <a:xfrm>
+            <a:off x="457200" y="1600200"/>
+            <a:ext cx="4084557" cy="4525963"/>
+          </a:xfrm>
+        </p:spPr>
+      </p:pic>
+      <p:pic>
+        <p:nvPicPr>
+          <p:cNvPr id="5" name="Picture 4" descr="Screen Clipping"/>
+          <p:cNvPicPr>
+            <a:picLocks noChangeAspect="1"/>
+          </p:cNvPicPr>
+          <p:nvPr/>
+        </p:nvPicPr>
+        <p:blipFill>
+          <a:blip r:embed="rId3" cstate="print">
+            <a:extLst>
+              <a:ext uri="{28A0092B-C50C-407E-A947-70E740481C1C}">
+                <a14:useLocalDpi xmlns="" xmlns:a14="http://schemas.microsoft.com/office/drawing/2010/main" val="0"/>
+              </a:ext>
+            </a:extLst>
+          </a:blip>
+          <a:stretch>
+            <a:fillRect/>
+          </a:stretch>
+        </p:blipFill>
+        <p:spPr>
+          <a:xfrm>
+            <a:off x="5029200" y="1600200"/>
+            <a:ext cx="3453098" cy="2791162"/>
+          </a:xfrm>
+          <a:prstGeom prst="rect">
+            <a:avLst/>
+          </a:prstGeom>
+        </p:spPr>
+      </p:pic>
     </p:spTree>
     <p:extLst>
       <p:ext uri="{BB962C8B-B14F-4D97-AF65-F5344CB8AC3E}">
-        <p14:creationId xmlns:p14="http://schemas.microsoft.com/office/powerpoint/2010/main" xmlns="" val="948979260"/>
+        <p14:creationId xmlns="" xmlns:p14="http://schemas.microsoft.com/office/powerpoint/2010/main" val="3198515754"/>
       </p:ext>
     </p:extLst>
   </p:cSld>
@@ -12299,133 +12971,6 @@
           <a:p>
             <a:r>
               <a:rPr lang="en-US" dirty="0" err="1" smtClean="0"/>
-              <a:t>Giải</a:t>
-            </a:r>
-            <a:r>
-              <a:rPr lang="en-US" dirty="0" smtClean="0"/>
-              <a:t> </a:t>
-            </a:r>
-            <a:r>
-              <a:rPr lang="en-US" dirty="0" err="1" smtClean="0"/>
-              <a:t>thuật</a:t>
-            </a:r>
-            <a:endParaRPr lang="en-US" dirty="0"/>
-          </a:p>
-        </p:txBody>
-      </p:sp>
-      <p:pic>
-        <p:nvPicPr>
-          <p:cNvPr id="4" name="Content Placeholder 3" descr="Screen Clipping"/>
-          <p:cNvPicPr>
-            <a:picLocks noGrp="1" noChangeAspect="1"/>
-          </p:cNvPicPr>
-          <p:nvPr>
-            <p:ph idx="1"/>
-          </p:nvPr>
-        </p:nvPicPr>
-        <p:blipFill>
-          <a:blip r:embed="rId2" cstate="print">
-            <a:extLst>
-              <a:ext uri="{28A0092B-C50C-407E-A947-70E740481C1C}">
-                <a14:useLocalDpi xmlns:a14="http://schemas.microsoft.com/office/drawing/2010/main" xmlns="" val="0"/>
-              </a:ext>
-            </a:extLst>
-          </a:blip>
-          <a:stretch>
-            <a:fillRect/>
-          </a:stretch>
-        </p:blipFill>
-        <p:spPr>
-          <a:xfrm>
-            <a:off x="457200" y="1600200"/>
-            <a:ext cx="4084557" cy="4525963"/>
-          </a:xfrm>
-        </p:spPr>
-      </p:pic>
-      <p:pic>
-        <p:nvPicPr>
-          <p:cNvPr id="5" name="Picture 4" descr="Screen Clipping"/>
-          <p:cNvPicPr>
-            <a:picLocks noChangeAspect="1"/>
-          </p:cNvPicPr>
-          <p:nvPr/>
-        </p:nvPicPr>
-        <p:blipFill>
-          <a:blip r:embed="rId3" cstate="print">
-            <a:extLst>
-              <a:ext uri="{28A0092B-C50C-407E-A947-70E740481C1C}">
-                <a14:useLocalDpi xmlns:a14="http://schemas.microsoft.com/office/drawing/2010/main" xmlns="" val="0"/>
-              </a:ext>
-            </a:extLst>
-          </a:blip>
-          <a:stretch>
-            <a:fillRect/>
-          </a:stretch>
-        </p:blipFill>
-        <p:spPr>
-          <a:xfrm>
-            <a:off x="5029200" y="1600200"/>
-            <a:ext cx="3453098" cy="2791162"/>
-          </a:xfrm>
-          <a:prstGeom prst="rect">
-            <a:avLst/>
-          </a:prstGeom>
-        </p:spPr>
-      </p:pic>
-    </p:spTree>
-    <p:extLst>
-      <p:ext uri="{BB962C8B-B14F-4D97-AF65-F5344CB8AC3E}">
-        <p14:creationId xmlns:p14="http://schemas.microsoft.com/office/powerpoint/2010/main" xmlns="" val="3198515754"/>
-      </p:ext>
-    </p:extLst>
-  </p:cSld>
-  <p:clrMapOvr>
-    <a:masterClrMapping/>
-  </p:clrMapOvr>
-  <p:timing>
-    <p:tnLst>
-      <p:par>
-        <p:cTn id="1" dur="indefinite" restart="never" nodeType="tmRoot"/>
-      </p:par>
-    </p:tnLst>
-  </p:timing>
-</p:sld>
-</file>
-
-<file path=ppt/slides/slide24.xml><?xml version="1.0" encoding="utf-8"?>
-<p:sld xmlns:a="http://schemas.openxmlformats.org/drawingml/2006/main" xmlns:r="http://schemas.openxmlformats.org/officeDocument/2006/relationships" xmlns:p="http://schemas.openxmlformats.org/presentationml/2006/main">
-  <p:cSld>
-    <p:spTree>
-      <p:nvGrpSpPr>
-        <p:cNvPr id="1" name=""/>
-        <p:cNvGrpSpPr/>
-        <p:nvPr/>
-      </p:nvGrpSpPr>
-      <p:grpSpPr>
-        <a:xfrm>
-          <a:off x="0" y="0"/>
-          <a:ext cx="0" cy="0"/>
-          <a:chOff x="0" y="0"/>
-          <a:chExt cx="0" cy="0"/>
-        </a:xfrm>
-      </p:grpSpPr>
-      <p:sp>
-        <p:nvSpPr>
-          <p:cNvPr id="2" name="Title 1"/>
-          <p:cNvSpPr>
-            <a:spLocks noGrp="1"/>
-          </p:cNvSpPr>
-          <p:nvPr>
-            <p:ph type="title"/>
-          </p:nvPr>
-        </p:nvSpPr>
-        <p:spPr/>
-        <p:txBody>
-          <a:bodyPr/>
-          <a:lstStyle/>
-          <a:p>
-            <a:r>
-              <a:rPr lang="en-US" dirty="0" err="1" smtClean="0"/>
               <a:t>Ưu</a:t>
             </a:r>
             <a:r>
@@ -12573,7 +13118,7 @@
           <a:blip r:embed="rId2" cstate="print">
             <a:extLst>
               <a:ext uri="{28A0092B-C50C-407E-A947-70E740481C1C}">
-                <a14:useLocalDpi xmlns:a14="http://schemas.microsoft.com/office/drawing/2010/main" xmlns="" val="0"/>
+                <a14:useLocalDpi xmlns="" xmlns:a14="http://schemas.microsoft.com/office/drawing/2010/main" val="0"/>
               </a:ext>
             </a:extLst>
           </a:blip>
@@ -12594,7 +13139,7 @@
     </p:spTree>
     <p:extLst>
       <p:ext uri="{BB962C8B-B14F-4D97-AF65-F5344CB8AC3E}">
-        <p14:creationId xmlns:p14="http://schemas.microsoft.com/office/powerpoint/2010/main" xmlns="" val="3853062639"/>
+        <p14:creationId xmlns="" xmlns:p14="http://schemas.microsoft.com/office/powerpoint/2010/main" val="3853062639"/>
       </p:ext>
     </p:extLst>
   </p:cSld>
@@ -12611,7 +13156,7 @@
 </p:sld>
 </file>
 
-<file path=ppt/slides/slide25.xml><?xml version="1.0" encoding="utf-8"?>
+<file path=ppt/slides/slide24.xml><?xml version="1.0" encoding="utf-8"?>
 <p:sld xmlns:a="http://schemas.openxmlformats.org/drawingml/2006/main" xmlns:r="http://schemas.openxmlformats.org/officeDocument/2006/relationships" xmlns:p="http://schemas.openxmlformats.org/presentationml/2006/main">
   <p:cSld>
     <p:spTree>
@@ -12974,7 +13519,7 @@
     </p:spTree>
     <p:extLst>
       <p:ext uri="{BB962C8B-B14F-4D97-AF65-F5344CB8AC3E}">
-        <p14:creationId xmlns:p14="http://schemas.microsoft.com/office/powerpoint/2010/main" xmlns="" val="1333657196"/>
+        <p14:creationId xmlns="" xmlns:p14="http://schemas.microsoft.com/office/powerpoint/2010/main" val="1333657196"/>
       </p:ext>
     </p:extLst>
   </p:cSld>
@@ -13083,6 +13628,95 @@
 </p:sld>
 </file>
 
+<file path=ppt/slides/slide25.xml><?xml version="1.0" encoding="utf-8"?>
+<p:sld xmlns:a="http://schemas.openxmlformats.org/drawingml/2006/main" xmlns:r="http://schemas.openxmlformats.org/officeDocument/2006/relationships" xmlns:p="http://schemas.openxmlformats.org/presentationml/2006/main">
+  <p:cSld>
+    <p:spTree>
+      <p:nvGrpSpPr>
+        <p:cNvPr id="1" name=""/>
+        <p:cNvGrpSpPr/>
+        <p:nvPr/>
+      </p:nvGrpSpPr>
+      <p:grpSpPr>
+        <a:xfrm>
+          <a:off x="0" y="0"/>
+          <a:ext cx="0" cy="0"/>
+          <a:chOff x="0" y="0"/>
+          <a:chExt cx="0" cy="0"/>
+        </a:xfrm>
+      </p:grpSpPr>
+      <p:sp>
+        <p:nvSpPr>
+          <p:cNvPr id="2" name="Title 1"/>
+          <p:cNvSpPr>
+            <a:spLocks noGrp="1"/>
+          </p:cNvSpPr>
+          <p:nvPr>
+            <p:ph type="title"/>
+          </p:nvPr>
+        </p:nvSpPr>
+        <p:spPr/>
+        <p:txBody>
+          <a:bodyPr/>
+          <a:lstStyle/>
+          <a:p>
+            <a:r>
+              <a:rPr lang="en-US" dirty="0" smtClean="0"/>
+              <a:t>So </a:t>
+            </a:r>
+            <a:r>
+              <a:rPr lang="en-US" dirty="0" err="1" smtClean="0"/>
+              <a:t>sánh</a:t>
+            </a:r>
+            <a:endParaRPr lang="en-US" dirty="0"/>
+          </a:p>
+        </p:txBody>
+      </p:sp>
+      <p:graphicFrame>
+        <p:nvGraphicFramePr>
+          <p:cNvPr id="4" name="Content Placeholder 3"/>
+          <p:cNvGraphicFramePr>
+            <a:graphicFrameLocks noGrp="1"/>
+          </p:cNvGraphicFramePr>
+          <p:nvPr>
+            <p:ph idx="1"/>
+            <p:extLst>
+              <p:ext uri="{D42A27DB-BD31-4B8C-83A1-F6EECF244321}">
+                <p14:modId xmlns="" xmlns:p14="http://schemas.microsoft.com/office/powerpoint/2010/main" val="1885266011"/>
+              </p:ext>
+            </p:extLst>
+          </p:nvPr>
+        </p:nvGraphicFramePr>
+        <p:xfrm>
+          <a:off x="457200" y="1600200"/>
+          <a:ext cx="8229600" cy="4876800"/>
+        </p:xfrm>
+        <a:graphic>
+          <a:graphicData uri="http://schemas.openxmlformats.org/drawingml/2006/diagram">
+            <dgm:relIds xmlns:dgm="http://schemas.openxmlformats.org/drawingml/2006/diagram" xmlns:r="http://schemas.openxmlformats.org/officeDocument/2006/relationships" r:dm="rId2" r:lo="rId3" r:qs="rId4" r:cs="rId5"/>
+          </a:graphicData>
+        </a:graphic>
+      </p:graphicFrame>
+    </p:spTree>
+    <p:extLst>
+      <p:ext uri="{BB962C8B-B14F-4D97-AF65-F5344CB8AC3E}">
+        <p14:creationId xmlns="" xmlns:p14="http://schemas.microsoft.com/office/powerpoint/2010/main" val="2271651268"/>
+      </p:ext>
+    </p:extLst>
+  </p:cSld>
+  <p:clrMapOvr>
+    <a:masterClrMapping/>
+  </p:clrMapOvr>
+  <p:timing>
+    <p:tnLst>
+      <p:par>
+        <p:cTn id="1" dur="indefinite" restart="never" nodeType="tmRoot"/>
+      </p:par>
+    </p:tnLst>
+  </p:timing>
+</p:sld>
+</file>
+
 <file path=ppt/slides/slide26.xml><?xml version="1.0" encoding="utf-8"?>
 <p:sld xmlns:a="http://schemas.openxmlformats.org/drawingml/2006/main" xmlns:r="http://schemas.openxmlformats.org/officeDocument/2006/relationships" xmlns:p="http://schemas.openxmlformats.org/presentationml/2006/main">
   <p:cSld>
@@ -13116,46 +13750,215 @@
           <a:lstStyle/>
           <a:p>
             <a:r>
-              <a:rPr lang="en-US" dirty="0" smtClean="0"/>
-              <a:t>So </a:t>
-            </a:r>
-            <a:r>
-              <a:rPr lang="en-US" dirty="0" err="1" smtClean="0"/>
-              <a:t>sánh</a:t>
+              <a:rPr lang="en-US" dirty="0" err="1" smtClean="0"/>
+              <a:t>Đề</a:t>
+            </a:r>
+            <a:r>
+              <a:rPr lang="en-US" dirty="0" smtClean="0"/>
+              <a:t> </a:t>
+            </a:r>
+            <a:r>
+              <a:rPr lang="en-US" dirty="0" err="1" smtClean="0"/>
+              <a:t>xuất</a:t>
             </a:r>
             <a:endParaRPr lang="en-US" dirty="0"/>
           </a:p>
         </p:txBody>
       </p:sp>
-      <p:graphicFrame>
-        <p:nvGraphicFramePr>
-          <p:cNvPr id="4" name="Content Placeholder 3"/>
-          <p:cNvGraphicFramePr>
-            <a:graphicFrameLocks noGrp="1"/>
-          </p:cNvGraphicFramePr>
+      <p:sp>
+        <p:nvSpPr>
+          <p:cNvPr id="3" name="Content Placeholder 2"/>
+          <p:cNvSpPr>
+            <a:spLocks noGrp="1"/>
+          </p:cNvSpPr>
           <p:nvPr>
             <p:ph idx="1"/>
-            <p:extLst>
-              <p:ext uri="{D42A27DB-BD31-4B8C-83A1-F6EECF244321}">
-                <p14:modId xmlns:p14="http://schemas.microsoft.com/office/powerpoint/2010/main" xmlns="" val="1885266011"/>
-              </p:ext>
-            </p:extLst>
           </p:nvPr>
-        </p:nvGraphicFramePr>
-        <p:xfrm>
-          <a:off x="457200" y="1600200"/>
-          <a:ext cx="8229600" cy="4876800"/>
-        </p:xfrm>
-        <a:graphic>
-          <a:graphicData uri="http://schemas.openxmlformats.org/drawingml/2006/diagram">
-            <dgm:relIds xmlns:dgm="http://schemas.openxmlformats.org/drawingml/2006/diagram" xmlns:r="http://schemas.openxmlformats.org/officeDocument/2006/relationships" r:dm="rId2" r:lo="rId3" r:qs="rId4" r:cs="rId5"/>
-          </a:graphicData>
-        </a:graphic>
-      </p:graphicFrame>
+        </p:nvSpPr>
+        <p:spPr/>
+        <p:txBody>
+          <a:bodyPr/>
+          <a:lstStyle/>
+          <a:p>
+            <a:r>
+              <a:rPr lang="en-US" dirty="0" err="1" smtClean="0"/>
+              <a:t>Kết</a:t>
+            </a:r>
+            <a:r>
+              <a:rPr lang="en-US" dirty="0" smtClean="0"/>
+              <a:t> </a:t>
+            </a:r>
+            <a:r>
+              <a:rPr lang="en-US" dirty="0" err="1" smtClean="0"/>
+              <a:t>hợp</a:t>
+            </a:r>
+            <a:r>
+              <a:rPr lang="en-US" dirty="0" smtClean="0"/>
+              <a:t> </a:t>
+            </a:r>
+            <a:r>
+              <a:rPr lang="en-US" dirty="0" err="1" smtClean="0"/>
+              <a:t>ưu</a:t>
+            </a:r>
+            <a:r>
+              <a:rPr lang="en-US" dirty="0" smtClean="0"/>
+              <a:t> </a:t>
+            </a:r>
+            <a:r>
+              <a:rPr lang="en-US" dirty="0" err="1" smtClean="0"/>
+              <a:t>điểm</a:t>
+            </a:r>
+            <a:r>
+              <a:rPr lang="en-US" dirty="0" smtClean="0"/>
+              <a:t> </a:t>
+            </a:r>
+            <a:r>
+              <a:rPr lang="en-US" dirty="0" err="1" smtClean="0"/>
+              <a:t>của</a:t>
+            </a:r>
+            <a:r>
+              <a:rPr lang="en-US" dirty="0" smtClean="0"/>
+              <a:t> </a:t>
+            </a:r>
+            <a:r>
+              <a:rPr lang="en-US" dirty="0" err="1" smtClean="0"/>
+              <a:t>các</a:t>
+            </a:r>
+            <a:r>
+              <a:rPr lang="en-US" dirty="0" smtClean="0"/>
+              <a:t> </a:t>
+            </a:r>
+            <a:r>
+              <a:rPr lang="en-US" dirty="0" err="1" smtClean="0"/>
+              <a:t>phương</a:t>
+            </a:r>
+            <a:r>
+              <a:rPr lang="en-US" dirty="0" smtClean="0"/>
+              <a:t> </a:t>
+            </a:r>
+            <a:r>
+              <a:rPr lang="en-US" dirty="0" err="1" smtClean="0"/>
+              <a:t>pháp</a:t>
+            </a:r>
+            <a:endParaRPr lang="en-US" dirty="0" smtClean="0"/>
+          </a:p>
+          <a:p>
+            <a:pPr lvl="1"/>
+            <a:r>
+              <a:rPr lang="en-US" dirty="0" err="1" smtClean="0"/>
+              <a:t>Chỉ</a:t>
+            </a:r>
+            <a:r>
+              <a:rPr lang="en-US" dirty="0" smtClean="0"/>
+              <a:t> </a:t>
+            </a:r>
+            <a:r>
+              <a:rPr lang="en-US" dirty="0" err="1" smtClean="0"/>
+              <a:t>xét</a:t>
+            </a:r>
+            <a:r>
+              <a:rPr lang="en-US" dirty="0" smtClean="0"/>
+              <a:t> </a:t>
+            </a:r>
+            <a:r>
+              <a:rPr lang="en-US" dirty="0" err="1" smtClean="0"/>
+              <a:t>các</a:t>
+            </a:r>
+            <a:r>
+              <a:rPr lang="en-US" dirty="0"/>
+              <a:t> </a:t>
+            </a:r>
+            <a:r>
+              <a:rPr lang="en-US" dirty="0" smtClean="0"/>
+              <a:t>alert </a:t>
+            </a:r>
+            <a:r>
+              <a:rPr lang="en-US" dirty="0" err="1" smtClean="0"/>
+              <a:t>trong</a:t>
+            </a:r>
+            <a:r>
+              <a:rPr lang="en-US" dirty="0" smtClean="0"/>
+              <a:t> time window</a:t>
+            </a:r>
+          </a:p>
+          <a:p>
+            <a:pPr lvl="1"/>
+            <a:r>
+              <a:rPr lang="en-US" dirty="0" err="1" smtClean="0"/>
+              <a:t>Khoảng</a:t>
+            </a:r>
+            <a:r>
+              <a:rPr lang="en-US" dirty="0" smtClean="0"/>
+              <a:t> </a:t>
+            </a:r>
+            <a:r>
+              <a:rPr lang="en-US" dirty="0" err="1" smtClean="0"/>
+              <a:t>cách</a:t>
+            </a:r>
+            <a:r>
+              <a:rPr lang="en-US" dirty="0" smtClean="0"/>
+              <a:t> </a:t>
+            </a:r>
+            <a:r>
+              <a:rPr lang="en-US" dirty="0" err="1" smtClean="0"/>
+              <a:t>giữa</a:t>
+            </a:r>
+            <a:r>
+              <a:rPr lang="en-US" dirty="0" smtClean="0"/>
+              <a:t> </a:t>
+            </a:r>
+            <a:r>
+              <a:rPr lang="en-US" dirty="0" err="1" smtClean="0"/>
+              <a:t>các</a:t>
+            </a:r>
+            <a:r>
+              <a:rPr lang="en-US" dirty="0" smtClean="0"/>
+              <a:t> alert </a:t>
+            </a:r>
+            <a:r>
+              <a:rPr lang="en-US" dirty="0" err="1" smtClean="0"/>
+              <a:t>có</a:t>
+            </a:r>
+            <a:r>
+              <a:rPr lang="en-US" dirty="0" smtClean="0"/>
+              <a:t> </a:t>
+            </a:r>
+            <a:r>
+              <a:rPr lang="en-US" dirty="0" err="1" smtClean="0"/>
+              <a:t>tính</a:t>
+            </a:r>
+            <a:r>
+              <a:rPr lang="en-US" dirty="0" smtClean="0"/>
+              <a:t> </a:t>
+            </a:r>
+            <a:r>
+              <a:rPr lang="en-US" dirty="0" err="1" smtClean="0"/>
+              <a:t>trọng</a:t>
+            </a:r>
+            <a:r>
+              <a:rPr lang="en-US" dirty="0" smtClean="0"/>
+              <a:t> </a:t>
+            </a:r>
+            <a:r>
+              <a:rPr lang="en-US" dirty="0" err="1" smtClean="0"/>
+              <a:t>số</a:t>
+            </a:r>
+            <a:endParaRPr lang="en-US" dirty="0" smtClean="0"/>
+          </a:p>
+          <a:p>
+            <a:pPr lvl="1"/>
+            <a:endParaRPr lang="en-US" dirty="0" smtClean="0"/>
+          </a:p>
+          <a:p>
+            <a:pPr lvl="1"/>
+            <a:endParaRPr lang="en-US" dirty="0" smtClean="0"/>
+          </a:p>
+        </p:txBody>
+      </p:sp>
     </p:spTree>
     <p:extLst>
       <p:ext uri="{BB962C8B-B14F-4D97-AF65-F5344CB8AC3E}">
-        <p14:creationId xmlns:p14="http://schemas.microsoft.com/office/powerpoint/2010/main" xmlns="" val="2271651268"/>
+        <p14:creationId xmlns="" xmlns:p14="http://schemas.microsoft.com/office/powerpoint/2010/main" val="2251952825"/>
       </p:ext>
     </p:extLst>
   </p:cSld>
@@ -13206,214 +14009,47 @@
           <a:p>
             <a:r>
               <a:rPr lang="en-US" dirty="0" err="1" smtClean="0"/>
-              <a:t>Đề</a:t>
-            </a:r>
-            <a:r>
-              <a:rPr lang="en-US" dirty="0" smtClean="0"/>
-              <a:t> </a:t>
-            </a:r>
-            <a:r>
-              <a:rPr lang="en-US" dirty="0" err="1" smtClean="0"/>
-              <a:t>xuất</a:t>
+              <a:t>Giải</a:t>
+            </a:r>
+            <a:r>
+              <a:rPr lang="en-US" dirty="0" smtClean="0"/>
+              <a:t> </a:t>
+            </a:r>
+            <a:r>
+              <a:rPr lang="en-US" dirty="0" err="1" smtClean="0"/>
+              <a:t>thuật</a:t>
             </a:r>
             <a:endParaRPr lang="en-US" dirty="0"/>
           </a:p>
         </p:txBody>
       </p:sp>
-      <p:sp>
-        <p:nvSpPr>
-          <p:cNvPr id="3" name="Content Placeholder 2"/>
-          <p:cNvSpPr>
-            <a:spLocks noGrp="1"/>
-          </p:cNvSpPr>
+      <p:pic>
+        <p:nvPicPr>
+          <p:cNvPr id="5" name="Content Placeholder 4" descr="algor.PNG"/>
+          <p:cNvPicPr>
+            <a:picLocks noGrp="1" noChangeAspect="1"/>
+          </p:cNvPicPr>
           <p:nvPr>
             <p:ph idx="1"/>
           </p:nvPr>
-        </p:nvSpPr>
-        <p:spPr/>
-        <p:txBody>
-          <a:bodyPr/>
-          <a:lstStyle/>
-          <a:p>
-            <a:r>
-              <a:rPr lang="en-US" dirty="0" err="1" smtClean="0"/>
-              <a:t>Kết</a:t>
-            </a:r>
-            <a:r>
-              <a:rPr lang="en-US" dirty="0" smtClean="0"/>
-              <a:t> </a:t>
-            </a:r>
-            <a:r>
-              <a:rPr lang="en-US" dirty="0" err="1" smtClean="0"/>
-              <a:t>hợp</a:t>
-            </a:r>
-            <a:r>
-              <a:rPr lang="en-US" dirty="0" smtClean="0"/>
-              <a:t> </a:t>
-            </a:r>
-            <a:r>
-              <a:rPr lang="en-US" dirty="0" err="1" smtClean="0"/>
-              <a:t>ưu</a:t>
-            </a:r>
-            <a:r>
-              <a:rPr lang="en-US" dirty="0" smtClean="0"/>
-              <a:t> </a:t>
-            </a:r>
-            <a:r>
-              <a:rPr lang="en-US" dirty="0" err="1" smtClean="0"/>
-              <a:t>điểm</a:t>
-            </a:r>
-            <a:r>
-              <a:rPr lang="en-US" dirty="0" smtClean="0"/>
-              <a:t> </a:t>
-            </a:r>
-            <a:r>
-              <a:rPr lang="en-US" dirty="0" err="1" smtClean="0"/>
-              <a:t>của</a:t>
-            </a:r>
-            <a:r>
-              <a:rPr lang="en-US" dirty="0" smtClean="0"/>
-              <a:t> </a:t>
-            </a:r>
-            <a:r>
-              <a:rPr lang="en-US" dirty="0" err="1" smtClean="0"/>
-              <a:t>các</a:t>
-            </a:r>
-            <a:r>
-              <a:rPr lang="en-US" dirty="0" smtClean="0"/>
-              <a:t> </a:t>
-            </a:r>
-            <a:r>
-              <a:rPr lang="en-US" dirty="0" err="1" smtClean="0"/>
-              <a:t>phương</a:t>
-            </a:r>
-            <a:r>
-              <a:rPr lang="en-US" dirty="0" smtClean="0"/>
-              <a:t> </a:t>
-            </a:r>
-            <a:r>
-              <a:rPr lang="en-US" dirty="0" err="1" smtClean="0"/>
-              <a:t>pháp</a:t>
-            </a:r>
-            <a:endParaRPr lang="en-US" dirty="0" smtClean="0"/>
-          </a:p>
-          <a:p>
-            <a:pPr lvl="1"/>
-            <a:r>
-              <a:rPr lang="en-US" dirty="0" err="1" smtClean="0"/>
-              <a:t>Chỉ</a:t>
-            </a:r>
-            <a:r>
-              <a:rPr lang="en-US" dirty="0" smtClean="0"/>
-              <a:t> </a:t>
-            </a:r>
-            <a:r>
-              <a:rPr lang="en-US" dirty="0" err="1" smtClean="0"/>
-              <a:t>xét</a:t>
-            </a:r>
-            <a:r>
-              <a:rPr lang="en-US" dirty="0" smtClean="0"/>
-              <a:t> </a:t>
-            </a:r>
-            <a:r>
-              <a:rPr lang="en-US" dirty="0" err="1" smtClean="0"/>
-              <a:t>các</a:t>
-            </a:r>
-            <a:r>
-              <a:rPr lang="en-US" dirty="0"/>
-              <a:t> </a:t>
-            </a:r>
-            <a:r>
-              <a:rPr lang="en-US" dirty="0" smtClean="0"/>
-              <a:t>alert </a:t>
-            </a:r>
-            <a:r>
-              <a:rPr lang="en-US" dirty="0" err="1" smtClean="0"/>
-              <a:t>trong</a:t>
-            </a:r>
-            <a:r>
-              <a:rPr lang="en-US" dirty="0" smtClean="0"/>
-              <a:t> time window</a:t>
-            </a:r>
-          </a:p>
-          <a:p>
-            <a:pPr lvl="1"/>
-            <a:r>
-              <a:rPr lang="en-US" dirty="0" err="1" smtClean="0"/>
-              <a:t>Khoảng</a:t>
-            </a:r>
-            <a:r>
-              <a:rPr lang="en-US" dirty="0" smtClean="0"/>
-              <a:t> </a:t>
-            </a:r>
-            <a:r>
-              <a:rPr lang="en-US" dirty="0" err="1" smtClean="0"/>
-              <a:t>cách</a:t>
-            </a:r>
-            <a:r>
-              <a:rPr lang="en-US" dirty="0" smtClean="0"/>
-              <a:t> </a:t>
-            </a:r>
-            <a:r>
-              <a:rPr lang="en-US" dirty="0" err="1" smtClean="0"/>
-              <a:t>giữa</a:t>
-            </a:r>
-            <a:r>
-              <a:rPr lang="en-US" dirty="0" smtClean="0"/>
-              <a:t> </a:t>
-            </a:r>
-            <a:r>
-              <a:rPr lang="en-US" dirty="0" err="1" smtClean="0"/>
-              <a:t>các</a:t>
-            </a:r>
-            <a:r>
-              <a:rPr lang="en-US" dirty="0" smtClean="0"/>
-              <a:t> alert </a:t>
-            </a:r>
-            <a:r>
-              <a:rPr lang="en-US" dirty="0" err="1" smtClean="0"/>
-              <a:t>có</a:t>
-            </a:r>
-            <a:r>
-              <a:rPr lang="en-US" dirty="0" smtClean="0"/>
-              <a:t> </a:t>
-            </a:r>
-            <a:r>
-              <a:rPr lang="en-US" dirty="0" err="1" smtClean="0"/>
-              <a:t>tính</a:t>
-            </a:r>
-            <a:r>
-              <a:rPr lang="en-US" dirty="0" smtClean="0"/>
-              <a:t> </a:t>
-            </a:r>
-            <a:r>
-              <a:rPr lang="en-US" dirty="0" err="1" smtClean="0"/>
-              <a:t>trọng</a:t>
-            </a:r>
-            <a:r>
-              <a:rPr lang="en-US" dirty="0" smtClean="0"/>
-              <a:t> </a:t>
-            </a:r>
-            <a:r>
-              <a:rPr lang="en-US" dirty="0" err="1" smtClean="0"/>
-              <a:t>số</a:t>
-            </a:r>
-            <a:endParaRPr lang="en-US" dirty="0" smtClean="0"/>
-          </a:p>
-          <a:p>
-            <a:pPr lvl="1"/>
-            <a:endParaRPr lang="en-US" dirty="0" smtClean="0"/>
-          </a:p>
-          <a:p>
-            <a:pPr lvl="1"/>
-            <a:endParaRPr lang="en-US" dirty="0" smtClean="0"/>
-          </a:p>
-        </p:txBody>
-      </p:sp>
+        </p:nvPicPr>
+        <p:blipFill>
+          <a:blip r:embed="rId2" cstate="print"/>
+          <a:stretch>
+            <a:fillRect/>
+          </a:stretch>
+        </p:blipFill>
+        <p:spPr>
+          <a:xfrm>
+            <a:off x="533400" y="1447800"/>
+            <a:ext cx="4896118" cy="4665855"/>
+          </a:xfrm>
+        </p:spPr>
+      </p:pic>
     </p:spTree>
     <p:extLst>
       <p:ext uri="{BB962C8B-B14F-4D97-AF65-F5344CB8AC3E}">
-        <p14:creationId xmlns:p14="http://schemas.microsoft.com/office/powerpoint/2010/main" xmlns="" val="2251952825"/>
+        <p14:creationId xmlns="" xmlns:p14="http://schemas.microsoft.com/office/powerpoint/2010/main" val="1641162398"/>
       </p:ext>
     </p:extLst>
   </p:cSld>
@@ -13464,47 +14100,157 @@
           <a:p>
             <a:r>
               <a:rPr lang="en-US" dirty="0" err="1" smtClean="0"/>
-              <a:t>Giải</a:t>
-            </a:r>
-            <a:r>
-              <a:rPr lang="en-US" dirty="0" smtClean="0"/>
-              <a:t> </a:t>
-            </a:r>
-            <a:r>
-              <a:rPr lang="en-US" dirty="0" err="1" smtClean="0"/>
-              <a:t>thuật</a:t>
+              <a:t>Ưu</a:t>
+            </a:r>
+            <a:r>
+              <a:rPr lang="en-US" dirty="0" smtClean="0"/>
+              <a:t> </a:t>
+            </a:r>
+            <a:r>
+              <a:rPr lang="en-US" dirty="0" err="1" smtClean="0"/>
+              <a:t>nhược</a:t>
+            </a:r>
+            <a:r>
+              <a:rPr lang="en-US" dirty="0" smtClean="0"/>
+              <a:t> </a:t>
+            </a:r>
+            <a:r>
+              <a:rPr lang="en-US" dirty="0" err="1" smtClean="0"/>
+              <a:t>điểm</a:t>
             </a:r>
             <a:endParaRPr lang="en-US" dirty="0"/>
           </a:p>
         </p:txBody>
       </p:sp>
-      <p:pic>
-        <p:nvPicPr>
-          <p:cNvPr id="5" name="Content Placeholder 4" descr="algor.PNG"/>
-          <p:cNvPicPr>
-            <a:picLocks noGrp="1" noChangeAspect="1"/>
-          </p:cNvPicPr>
+      <p:sp>
+        <p:nvSpPr>
+          <p:cNvPr id="3" name="Content Placeholder 2"/>
+          <p:cNvSpPr>
+            <a:spLocks noGrp="1"/>
+          </p:cNvSpPr>
           <p:nvPr>
             <p:ph idx="1"/>
           </p:nvPr>
-        </p:nvPicPr>
-        <p:blipFill>
-          <a:blip r:embed="rId2" cstate="print"/>
-          <a:stretch>
-            <a:fillRect/>
-          </a:stretch>
-        </p:blipFill>
-        <p:spPr>
-          <a:xfrm>
-            <a:off x="533400" y="1447800"/>
-            <a:ext cx="4896118" cy="4665855"/>
-          </a:xfrm>
-        </p:spPr>
-      </p:pic>
+        </p:nvSpPr>
+        <p:spPr/>
+        <p:txBody>
+          <a:bodyPr/>
+          <a:lstStyle/>
+          <a:p>
+            <a:r>
+              <a:rPr lang="en-US" dirty="0" err="1" smtClean="0"/>
+              <a:t>Ưu</a:t>
+            </a:r>
+            <a:r>
+              <a:rPr lang="en-US" dirty="0" smtClean="0"/>
+              <a:t> </a:t>
+            </a:r>
+            <a:r>
+              <a:rPr lang="en-US" dirty="0" err="1" smtClean="0"/>
+              <a:t>điểm</a:t>
+            </a:r>
+            <a:endParaRPr lang="en-US" dirty="0" smtClean="0"/>
+          </a:p>
+          <a:p>
+            <a:pPr lvl="1"/>
+            <a:r>
+              <a:rPr lang="en-US" dirty="0" err="1" smtClean="0"/>
+              <a:t>Chạy</a:t>
+            </a:r>
+            <a:r>
+              <a:rPr lang="en-US" dirty="0" smtClean="0"/>
+              <a:t> real time</a:t>
+            </a:r>
+          </a:p>
+          <a:p>
+            <a:pPr lvl="1"/>
+            <a:r>
+              <a:rPr lang="en-US" dirty="0" err="1" smtClean="0"/>
+              <a:t>Có</a:t>
+            </a:r>
+            <a:r>
+              <a:rPr lang="en-US" dirty="0" smtClean="0"/>
+              <a:t> </a:t>
+            </a:r>
+            <a:r>
+              <a:rPr lang="en-US" dirty="0" err="1" smtClean="0"/>
+              <a:t>tính</a:t>
+            </a:r>
+            <a:r>
+              <a:rPr lang="en-US" dirty="0" smtClean="0"/>
+              <a:t> </a:t>
+            </a:r>
+            <a:r>
+              <a:rPr lang="en-US" dirty="0" err="1" smtClean="0"/>
+              <a:t>diễn</a:t>
+            </a:r>
+            <a:r>
+              <a:rPr lang="en-US" dirty="0" smtClean="0"/>
+              <a:t> </a:t>
+            </a:r>
+            <a:r>
+              <a:rPr lang="en-US" dirty="0" err="1" smtClean="0"/>
+              <a:t>đạt</a:t>
+            </a:r>
+            <a:endParaRPr lang="en-US" dirty="0" smtClean="0"/>
+          </a:p>
+          <a:p>
+            <a:r>
+              <a:rPr lang="en-US" dirty="0" err="1" smtClean="0"/>
+              <a:t>Nhược</a:t>
+            </a:r>
+            <a:r>
+              <a:rPr lang="en-US" dirty="0" smtClean="0"/>
+              <a:t> </a:t>
+            </a:r>
+            <a:r>
+              <a:rPr lang="en-US" dirty="0" err="1" smtClean="0"/>
+              <a:t>điểm</a:t>
+            </a:r>
+            <a:endParaRPr lang="en-US" dirty="0" smtClean="0"/>
+          </a:p>
+          <a:p>
+            <a:pPr lvl="1"/>
+            <a:r>
+              <a:rPr lang="en-US" dirty="0" err="1" smtClean="0"/>
+              <a:t>Không</a:t>
+            </a:r>
+            <a:r>
+              <a:rPr lang="en-US" dirty="0" smtClean="0"/>
+              <a:t> </a:t>
+            </a:r>
+            <a:r>
+              <a:rPr lang="en-US" dirty="0" err="1" smtClean="0"/>
+              <a:t>phát</a:t>
+            </a:r>
+            <a:r>
+              <a:rPr lang="en-US" dirty="0" smtClean="0"/>
+              <a:t> </a:t>
+            </a:r>
+            <a:r>
+              <a:rPr lang="en-US" dirty="0" err="1" smtClean="0"/>
+              <a:t>hiện</a:t>
+            </a:r>
+            <a:r>
+              <a:rPr lang="en-US" dirty="0" smtClean="0"/>
+              <a:t> </a:t>
+            </a:r>
+            <a:r>
+              <a:rPr lang="en-US" dirty="0" err="1" smtClean="0"/>
+              <a:t>được</a:t>
+            </a:r>
+            <a:r>
+              <a:rPr lang="en-US" dirty="0" smtClean="0"/>
+              <a:t> delay attack</a:t>
+            </a:r>
+            <a:endParaRPr lang="en-US" dirty="0"/>
+          </a:p>
+        </p:txBody>
+      </p:sp>
     </p:spTree>
     <p:extLst>
       <p:ext uri="{BB962C8B-B14F-4D97-AF65-F5344CB8AC3E}">
-        <p14:creationId xmlns:p14="http://schemas.microsoft.com/office/powerpoint/2010/main" xmlns="" val="1641162398"/>
+        <p14:creationId xmlns="" xmlns:p14="http://schemas.microsoft.com/office/powerpoint/2010/main" val="2087534964"/>
       </p:ext>
     </p:extLst>
   </p:cSld>
@@ -13555,23 +14301,31 @@
           <a:p>
             <a:r>
               <a:rPr lang="en-US" dirty="0" err="1" smtClean="0"/>
-              <a:t>Ưu</a:t>
-            </a:r>
-            <a:r>
-              <a:rPr lang="en-US" dirty="0" smtClean="0"/>
-              <a:t> </a:t>
-            </a:r>
-            <a:r>
-              <a:rPr lang="en-US" dirty="0" err="1" smtClean="0"/>
-              <a:t>nhược</a:t>
-            </a:r>
-            <a:r>
-              <a:rPr lang="en-US" dirty="0" smtClean="0"/>
-              <a:t> </a:t>
-            </a:r>
-            <a:r>
-              <a:rPr lang="en-US" dirty="0" err="1" smtClean="0"/>
-              <a:t>điểm</a:t>
+              <a:t>Công</a:t>
+            </a:r>
+            <a:r>
+              <a:rPr lang="en-US" dirty="0" smtClean="0"/>
+              <a:t> </a:t>
+            </a:r>
+            <a:r>
+              <a:rPr lang="en-US" dirty="0" err="1" smtClean="0"/>
+              <a:t>việc</a:t>
+            </a:r>
+            <a:r>
+              <a:rPr lang="en-US" dirty="0" smtClean="0"/>
+              <a:t> </a:t>
+            </a:r>
+            <a:r>
+              <a:rPr lang="en-US" dirty="0" err="1" smtClean="0"/>
+              <a:t>cần</a:t>
+            </a:r>
+            <a:r>
+              <a:rPr lang="en-US" dirty="0" smtClean="0"/>
+              <a:t> </a:t>
+            </a:r>
+            <a:r>
+              <a:rPr lang="en-US" dirty="0" err="1" smtClean="0"/>
+              <a:t>làm</a:t>
             </a:r>
             <a:endParaRPr lang="en-US" dirty="0"/>
           </a:p>
@@ -13587,125 +14341,237 @@
             <p:ph idx="1"/>
           </p:nvPr>
         </p:nvSpPr>
-        <p:spPr/>
+        <p:spPr>
+          <a:xfrm>
+            <a:off x="304800" y="1600200"/>
+            <a:ext cx="3581400" cy="4572000"/>
+          </a:xfrm>
+        </p:spPr>
         <p:txBody>
           <a:bodyPr/>
           <a:lstStyle/>
           <a:p>
             <a:r>
               <a:rPr lang="en-US" dirty="0" err="1" smtClean="0"/>
-              <a:t>Ưu</a:t>
-            </a:r>
-            <a:r>
-              <a:rPr lang="en-US" dirty="0" smtClean="0"/>
-              <a:t> </a:t>
-            </a:r>
-            <a:r>
-              <a:rPr lang="en-US" dirty="0" err="1" smtClean="0"/>
-              <a:t>điểm</a:t>
+              <a:t>Giảm</a:t>
+            </a:r>
+            <a:r>
+              <a:rPr lang="en-US" dirty="0" smtClean="0"/>
+              <a:t> </a:t>
+            </a:r>
+            <a:r>
+              <a:rPr lang="en-US" dirty="0" err="1" smtClean="0"/>
+              <a:t>tính</a:t>
+            </a:r>
+            <a:r>
+              <a:rPr lang="en-US" dirty="0" smtClean="0"/>
+              <a:t> </a:t>
+            </a:r>
+            <a:r>
+              <a:rPr lang="en-US" dirty="0" err="1" smtClean="0"/>
+              <a:t>tổng</a:t>
+            </a:r>
+            <a:r>
+              <a:rPr lang="en-US" dirty="0" smtClean="0"/>
+              <a:t> </a:t>
+            </a:r>
+            <a:r>
+              <a:rPr lang="en-US" dirty="0" err="1" smtClean="0"/>
+              <a:t>quát</a:t>
+            </a:r>
+            <a:r>
+              <a:rPr lang="en-US" dirty="0" smtClean="0"/>
+              <a:t> </a:t>
+            </a:r>
+            <a:r>
+              <a:rPr lang="en-US" dirty="0" err="1" smtClean="0"/>
+              <a:t>của</a:t>
+            </a:r>
+            <a:r>
+              <a:rPr lang="en-US" dirty="0" smtClean="0"/>
+              <a:t> 1 generalize alert</a:t>
+            </a:r>
+          </a:p>
+          <a:p>
+            <a:pPr lvl="1"/>
+            <a:r>
+              <a:rPr lang="en-US" dirty="0" err="1" smtClean="0"/>
+              <a:t>Không</a:t>
+            </a:r>
+            <a:r>
+              <a:rPr lang="en-US" dirty="0" smtClean="0"/>
+              <a:t> </a:t>
+            </a:r>
+            <a:r>
+              <a:rPr lang="en-US" dirty="0" err="1" smtClean="0"/>
+              <a:t>cần</a:t>
+            </a:r>
+            <a:r>
+              <a:rPr lang="en-US" dirty="0" smtClean="0"/>
+              <a:t> </a:t>
+            </a:r>
+            <a:r>
+              <a:rPr lang="en-US" dirty="0" err="1" smtClean="0"/>
+              <a:t>giảm</a:t>
+            </a:r>
+            <a:r>
+              <a:rPr lang="en-US" dirty="0" smtClean="0"/>
+              <a:t> </a:t>
+            </a:r>
+            <a:r>
+              <a:rPr lang="en-US" dirty="0" err="1" smtClean="0"/>
+              <a:t>tính</a:t>
+            </a:r>
+            <a:r>
+              <a:rPr lang="en-US" dirty="0" smtClean="0"/>
+              <a:t> </a:t>
+            </a:r>
+            <a:r>
+              <a:rPr lang="en-US" dirty="0" err="1" smtClean="0"/>
+              <a:t>tổng</a:t>
+            </a:r>
+            <a:r>
+              <a:rPr lang="en-US" dirty="0" smtClean="0"/>
+              <a:t> </a:t>
+            </a:r>
+            <a:r>
+              <a:rPr lang="en-US" dirty="0" err="1" smtClean="0"/>
+              <a:t>quát</a:t>
+            </a:r>
+            <a:endParaRPr lang="en-US" dirty="0"/>
+          </a:p>
+          <a:p>
+            <a:pPr lvl="1"/>
+            <a:r>
+              <a:rPr lang="en-US" dirty="0" err="1" smtClean="0"/>
+              <a:t>Sử</a:t>
+            </a:r>
+            <a:r>
+              <a:rPr lang="en-US" dirty="0" smtClean="0"/>
+              <a:t> </a:t>
+            </a:r>
+            <a:r>
+              <a:rPr lang="en-US" dirty="0" err="1" smtClean="0"/>
+              <a:t>dụng</a:t>
+            </a:r>
+            <a:r>
+              <a:rPr lang="en-US" dirty="0" smtClean="0"/>
+              <a:t> generalization hierarchy </a:t>
+            </a:r>
+            <a:r>
+              <a:rPr lang="en-US" dirty="0" err="1" smtClean="0"/>
+              <a:t>để</a:t>
+            </a:r>
+            <a:r>
+              <a:rPr lang="en-US" dirty="0" smtClean="0"/>
+              <a:t> </a:t>
+            </a:r>
+            <a:r>
+              <a:rPr lang="en-US" dirty="0" err="1" smtClean="0"/>
+              <a:t>giảm</a:t>
+            </a:r>
+            <a:r>
+              <a:rPr lang="en-US" dirty="0" smtClean="0"/>
+              <a:t> </a:t>
+            </a:r>
+            <a:r>
+              <a:rPr lang="en-US" dirty="0" err="1" smtClean="0"/>
+              <a:t>tính</a:t>
+            </a:r>
+            <a:r>
+              <a:rPr lang="en-US" dirty="0" smtClean="0"/>
+              <a:t> </a:t>
+            </a:r>
+            <a:r>
+              <a:rPr lang="en-US" dirty="0" err="1" smtClean="0"/>
+              <a:t>tổng</a:t>
+            </a:r>
+            <a:r>
+              <a:rPr lang="en-US" dirty="0" smtClean="0"/>
+              <a:t> </a:t>
+            </a:r>
+            <a:r>
+              <a:rPr lang="en-US" dirty="0" err="1" smtClean="0"/>
+              <a:t>quát</a:t>
             </a:r>
             <a:endParaRPr lang="en-US" dirty="0" smtClean="0"/>
           </a:p>
-          <a:p>
-            <a:pPr lvl="1"/>
-            <a:r>
-              <a:rPr lang="en-US" dirty="0" err="1" smtClean="0"/>
-              <a:t>Chạy</a:t>
-            </a:r>
-            <a:r>
-              <a:rPr lang="en-US" dirty="0" smtClean="0"/>
-              <a:t> real time</a:t>
-            </a:r>
-          </a:p>
-          <a:p>
-            <a:pPr lvl="1"/>
-            <a:r>
-              <a:rPr lang="en-US" dirty="0" err="1" smtClean="0"/>
-              <a:t>Có</a:t>
-            </a:r>
-            <a:r>
-              <a:rPr lang="en-US" dirty="0" smtClean="0"/>
-              <a:t> </a:t>
-            </a:r>
-            <a:r>
-              <a:rPr lang="en-US" dirty="0" err="1" smtClean="0"/>
-              <a:t>tính</a:t>
-            </a:r>
-            <a:r>
-              <a:rPr lang="en-US" dirty="0" smtClean="0"/>
-              <a:t> </a:t>
-            </a:r>
-            <a:r>
-              <a:rPr lang="en-US" dirty="0" err="1" smtClean="0"/>
-              <a:t>diễn</a:t>
-            </a:r>
-            <a:r>
-              <a:rPr lang="en-US" dirty="0" smtClean="0"/>
-              <a:t> </a:t>
-            </a:r>
-            <a:r>
-              <a:rPr lang="en-US" dirty="0" err="1" smtClean="0"/>
-              <a:t>đạt</a:t>
-            </a:r>
-            <a:endParaRPr lang="en-US" dirty="0" smtClean="0"/>
-          </a:p>
-          <a:p>
-            <a:r>
-              <a:rPr lang="en-US" dirty="0" err="1" smtClean="0"/>
-              <a:t>Nhược</a:t>
-            </a:r>
-            <a:r>
-              <a:rPr lang="en-US" dirty="0" smtClean="0"/>
-              <a:t> </a:t>
-            </a:r>
-            <a:r>
-              <a:rPr lang="en-US" dirty="0" err="1" smtClean="0"/>
-              <a:t>điểm</a:t>
-            </a:r>
-            <a:endParaRPr lang="en-US" dirty="0" smtClean="0"/>
-          </a:p>
-          <a:p>
-            <a:pPr lvl="1"/>
-            <a:r>
-              <a:rPr lang="en-US" dirty="0" err="1" smtClean="0"/>
-              <a:t>Không</a:t>
-            </a:r>
-            <a:r>
-              <a:rPr lang="en-US" dirty="0" smtClean="0"/>
-              <a:t> </a:t>
-            </a:r>
-            <a:r>
-              <a:rPr lang="en-US" dirty="0" err="1" smtClean="0"/>
-              <a:t>phát</a:t>
-            </a:r>
-            <a:r>
-              <a:rPr lang="en-US" dirty="0" smtClean="0"/>
-              <a:t> </a:t>
-            </a:r>
-            <a:r>
-              <a:rPr lang="en-US" dirty="0" err="1" smtClean="0"/>
-              <a:t>hiện</a:t>
-            </a:r>
-            <a:r>
-              <a:rPr lang="en-US" dirty="0" smtClean="0"/>
-              <a:t> </a:t>
-            </a:r>
-            <a:r>
-              <a:rPr lang="en-US" dirty="0" err="1" smtClean="0"/>
-              <a:t>được</a:t>
-            </a:r>
-            <a:r>
-              <a:rPr lang="en-US" dirty="0" smtClean="0"/>
-              <a:t> delay attack</a:t>
-            </a:r>
-            <a:endParaRPr lang="en-US" dirty="0"/>
+        </p:txBody>
+      </p:sp>
+      <p:pic>
+        <p:nvPicPr>
+          <p:cNvPr id="4" name="Content Placeholder 4" descr="algor.PNG"/>
+          <p:cNvPicPr>
+            <a:picLocks noChangeAspect="1"/>
+          </p:cNvPicPr>
+          <p:nvPr/>
+        </p:nvPicPr>
+        <p:blipFill>
+          <a:blip r:embed="rId2" cstate="print"/>
+          <a:stretch>
+            <a:fillRect/>
+          </a:stretch>
+        </p:blipFill>
+        <p:spPr>
+          <a:xfrm>
+            <a:off x="3810000" y="1524000"/>
+            <a:ext cx="5037512" cy="4800600"/>
+          </a:xfrm>
+          <a:prstGeom prst="rect">
+            <a:avLst/>
+          </a:prstGeom>
+        </p:spPr>
+      </p:pic>
+      <p:sp>
+        <p:nvSpPr>
+          <p:cNvPr id="5" name="Rectangle 4"/>
+          <p:cNvSpPr/>
+          <p:nvPr/>
+        </p:nvSpPr>
+        <p:spPr>
+          <a:xfrm>
+            <a:off x="6781800" y="3276600"/>
+            <a:ext cx="1828800" cy="381000"/>
+          </a:xfrm>
+          <a:prstGeom prst="rect">
+            <a:avLst/>
+          </a:prstGeom>
+          <a:noFill/>
+          <a:ln>
+            <a:solidFill>
+              <a:srgbClr val="FF0000"/>
+            </a:solidFill>
+          </a:ln>
+        </p:spPr>
+        <p:style>
+          <a:lnRef idx="2">
+            <a:schemeClr val="accent1">
+              <a:shade val="50000"/>
+            </a:schemeClr>
+          </a:lnRef>
+          <a:fillRef idx="1">
+            <a:schemeClr val="accent1"/>
+          </a:fillRef>
+          <a:effectRef idx="0">
+            <a:schemeClr val="accent1"/>
+          </a:effectRef>
+          <a:fontRef idx="minor">
+            <a:schemeClr val="lt1"/>
+          </a:fontRef>
+        </p:style>
+        <p:txBody>
+          <a:bodyPr rtlCol="0" anchor="ctr"/>
+          <a:lstStyle/>
+          <a:p>
+            <a:pPr algn="ctr"/>
+            <a:endParaRPr lang="vi-VN"/>
           </a:p>
         </p:txBody>
       </p:sp>
     </p:spTree>
     <p:extLst>
       <p:ext uri="{BB962C8B-B14F-4D97-AF65-F5344CB8AC3E}">
-        <p14:creationId xmlns:p14="http://schemas.microsoft.com/office/powerpoint/2010/main" xmlns="" val="2087534964"/>
+        <p14:creationId xmlns="" xmlns:p14="http://schemas.microsoft.com/office/powerpoint/2010/main" val="3252269075"/>
       </p:ext>
     </p:extLst>
   </p:cSld>
@@ -14085,7 +14951,7 @@
     </p:spTree>
     <p:extLst>
       <p:ext uri="{BB962C8B-B14F-4D97-AF65-F5344CB8AC3E}">
-        <p14:creationId xmlns:p14="http://schemas.microsoft.com/office/powerpoint/2010/main" xmlns="" val="1333657196"/>
+        <p14:creationId xmlns="" xmlns:p14="http://schemas.microsoft.com/office/powerpoint/2010/main" val="1333657196"/>
       </p:ext>
     </p:extLst>
   </p:cSld>
@@ -14228,33 +15094,25 @@
           <a:p>
             <a:r>
               <a:rPr lang="en-US" dirty="0" err="1" smtClean="0"/>
-              <a:t>Công</a:t>
-            </a:r>
-            <a:r>
-              <a:rPr lang="en-US" dirty="0" smtClean="0"/>
-              <a:t> </a:t>
-            </a:r>
-            <a:r>
-              <a:rPr lang="en-US" dirty="0" err="1" smtClean="0"/>
-              <a:t>việc</a:t>
-            </a:r>
-            <a:r>
-              <a:rPr lang="en-US" dirty="0" smtClean="0"/>
-              <a:t> </a:t>
-            </a:r>
-            <a:r>
-              <a:rPr lang="en-US" dirty="0" err="1" smtClean="0"/>
-              <a:t>cần</a:t>
-            </a:r>
-            <a:r>
-              <a:rPr lang="en-US" dirty="0" smtClean="0"/>
-              <a:t> </a:t>
-            </a:r>
-            <a:r>
-              <a:rPr lang="en-US" dirty="0" err="1" smtClean="0"/>
-              <a:t>làm</a:t>
-            </a:r>
-            <a:endParaRPr lang="en-US" dirty="0"/>
+              <a:t>Tính</a:t>
+            </a:r>
+            <a:r>
+              <a:rPr lang="en-US" dirty="0" smtClean="0"/>
+              <a:t> </a:t>
+            </a:r>
+            <a:r>
+              <a:rPr lang="en-US" dirty="0" err="1" smtClean="0"/>
+              <a:t>khả</a:t>
+            </a:r>
+            <a:r>
+              <a:rPr lang="en-US" dirty="0" smtClean="0"/>
+              <a:t> </a:t>
+            </a:r>
+            <a:r>
+              <a:rPr lang="en-US" dirty="0" err="1" smtClean="0"/>
+              <a:t>thi</a:t>
+            </a:r>
+            <a:endParaRPr lang="vi-VN" dirty="0"/>
           </a:p>
         </p:txBody>
       </p:sp>
@@ -14268,239 +15126,92 @@
             <p:ph idx="1"/>
           </p:nvPr>
         </p:nvSpPr>
-        <p:spPr>
-          <a:xfrm>
-            <a:off x="304800" y="1600200"/>
-            <a:ext cx="3581400" cy="4572000"/>
-          </a:xfrm>
-        </p:spPr>
+        <p:spPr/>
         <p:txBody>
           <a:bodyPr/>
           <a:lstStyle/>
           <a:p>
             <a:r>
               <a:rPr lang="en-US" dirty="0" err="1" smtClean="0"/>
-              <a:t>Giảm</a:t>
-            </a:r>
-            <a:r>
-              <a:rPr lang="en-US" dirty="0" smtClean="0"/>
-              <a:t> </a:t>
-            </a:r>
-            <a:r>
-              <a:rPr lang="en-US" dirty="0" err="1" smtClean="0"/>
-              <a:t>tính</a:t>
-            </a:r>
-            <a:r>
-              <a:rPr lang="en-US" dirty="0" smtClean="0"/>
-              <a:t> </a:t>
-            </a:r>
-            <a:r>
-              <a:rPr lang="en-US" dirty="0" err="1" smtClean="0"/>
-              <a:t>tổng</a:t>
-            </a:r>
-            <a:r>
-              <a:rPr lang="en-US" dirty="0" smtClean="0"/>
-              <a:t> </a:t>
-            </a:r>
-            <a:r>
-              <a:rPr lang="en-US" dirty="0" err="1" smtClean="0"/>
-              <a:t>quát</a:t>
-            </a:r>
-            <a:r>
-              <a:rPr lang="en-US" dirty="0" smtClean="0"/>
-              <a:t> </a:t>
-            </a:r>
-            <a:r>
-              <a:rPr lang="en-US" dirty="0" err="1" smtClean="0"/>
-              <a:t>của</a:t>
-            </a:r>
-            <a:r>
-              <a:rPr lang="en-US" dirty="0" smtClean="0"/>
-              <a:t> 1 generalize alert</a:t>
-            </a:r>
-          </a:p>
-          <a:p>
-            <a:pPr lvl="1"/>
-            <a:r>
-              <a:rPr lang="en-US" dirty="0" err="1" smtClean="0"/>
-              <a:t>Không</a:t>
-            </a:r>
-            <a:r>
-              <a:rPr lang="en-US" dirty="0" smtClean="0"/>
-              <a:t> </a:t>
-            </a:r>
-            <a:r>
-              <a:rPr lang="en-US" dirty="0" err="1" smtClean="0"/>
-              <a:t>cần</a:t>
-            </a:r>
-            <a:r>
-              <a:rPr lang="en-US" dirty="0" smtClean="0"/>
-              <a:t> </a:t>
-            </a:r>
-            <a:r>
-              <a:rPr lang="en-US" dirty="0" err="1" smtClean="0"/>
-              <a:t>giảm</a:t>
-            </a:r>
-            <a:r>
-              <a:rPr lang="en-US" dirty="0" smtClean="0"/>
-              <a:t> </a:t>
-            </a:r>
-            <a:r>
-              <a:rPr lang="en-US" dirty="0" err="1" smtClean="0"/>
-              <a:t>tính</a:t>
-            </a:r>
-            <a:r>
-              <a:rPr lang="en-US" dirty="0" smtClean="0"/>
-              <a:t> </a:t>
-            </a:r>
-            <a:r>
-              <a:rPr lang="en-US" dirty="0" err="1" smtClean="0"/>
-              <a:t>tổng</a:t>
-            </a:r>
-            <a:r>
-              <a:rPr lang="en-US" dirty="0" smtClean="0"/>
-              <a:t> </a:t>
-            </a:r>
-            <a:r>
-              <a:rPr lang="en-US" dirty="0" err="1" smtClean="0"/>
-              <a:t>quát</a:t>
-            </a:r>
-            <a:endParaRPr lang="en-US" dirty="0"/>
-          </a:p>
-          <a:p>
-            <a:pPr lvl="1"/>
-            <a:r>
-              <a:rPr lang="en-US" dirty="0" err="1" smtClean="0"/>
-              <a:t>Sử</a:t>
-            </a:r>
-            <a:r>
-              <a:rPr lang="en-US" dirty="0" smtClean="0"/>
-              <a:t> </a:t>
-            </a:r>
-            <a:r>
-              <a:rPr lang="en-US" dirty="0" err="1" smtClean="0"/>
-              <a:t>dụng</a:t>
-            </a:r>
-            <a:r>
-              <a:rPr lang="en-US" dirty="0" smtClean="0"/>
-              <a:t> generalization hierarchy </a:t>
-            </a:r>
-            <a:r>
-              <a:rPr lang="en-US" dirty="0" err="1" smtClean="0"/>
-              <a:t>để</a:t>
-            </a:r>
-            <a:r>
-              <a:rPr lang="en-US" dirty="0" smtClean="0"/>
-              <a:t> </a:t>
-            </a:r>
-            <a:r>
-              <a:rPr lang="en-US" dirty="0" err="1" smtClean="0"/>
-              <a:t>giảm</a:t>
-            </a:r>
-            <a:r>
-              <a:rPr lang="en-US" dirty="0" smtClean="0"/>
-              <a:t> </a:t>
-            </a:r>
-            <a:r>
-              <a:rPr lang="en-US" dirty="0" err="1" smtClean="0"/>
-              <a:t>tính</a:t>
-            </a:r>
-            <a:r>
-              <a:rPr lang="en-US" dirty="0" smtClean="0"/>
-              <a:t> </a:t>
-            </a:r>
-            <a:r>
-              <a:rPr lang="en-US" dirty="0" err="1" smtClean="0"/>
-              <a:t>tổng</a:t>
-            </a:r>
-            <a:r>
-              <a:rPr lang="en-US" dirty="0" smtClean="0"/>
-              <a:t> </a:t>
-            </a:r>
-            <a:r>
-              <a:rPr lang="en-US" dirty="0" err="1" smtClean="0"/>
-              <a:t>quát</a:t>
-            </a:r>
-            <a:endParaRPr lang="en-US" dirty="0" smtClean="0"/>
-          </a:p>
-        </p:txBody>
-      </p:sp>
-      <p:pic>
-        <p:nvPicPr>
-          <p:cNvPr id="4" name="Content Placeholder 4" descr="algor.PNG"/>
-          <p:cNvPicPr>
-            <a:picLocks noChangeAspect="1"/>
-          </p:cNvPicPr>
-          <p:nvPr/>
-        </p:nvPicPr>
-        <p:blipFill>
-          <a:blip r:embed="rId2" cstate="print"/>
-          <a:stretch>
-            <a:fillRect/>
-          </a:stretch>
-        </p:blipFill>
-        <p:spPr>
-          <a:xfrm>
-            <a:off x="3810000" y="1524000"/>
-            <a:ext cx="5037512" cy="4800600"/>
-          </a:xfrm>
-          <a:prstGeom prst="rect">
-            <a:avLst/>
-          </a:prstGeom>
-        </p:spPr>
-      </p:pic>
-      <p:sp>
-        <p:nvSpPr>
-          <p:cNvPr id="5" name="Rectangle 4"/>
-          <p:cNvSpPr/>
-          <p:nvPr/>
-        </p:nvSpPr>
-        <p:spPr>
-          <a:xfrm>
-            <a:off x="6781800" y="3276600"/>
-            <a:ext cx="1828800" cy="381000"/>
-          </a:xfrm>
-          <a:prstGeom prst="rect">
-            <a:avLst/>
-          </a:prstGeom>
-          <a:noFill/>
-          <a:ln>
-            <a:solidFill>
-              <a:srgbClr val="FF0000"/>
-            </a:solidFill>
-          </a:ln>
-        </p:spPr>
-        <p:style>
-          <a:lnRef idx="2">
-            <a:schemeClr val="accent1">
-              <a:shade val="50000"/>
-            </a:schemeClr>
-          </a:lnRef>
-          <a:fillRef idx="1">
-            <a:schemeClr val="accent1"/>
-          </a:fillRef>
-          <a:effectRef idx="0">
-            <a:schemeClr val="accent1"/>
-          </a:effectRef>
-          <a:fontRef idx="minor">
-            <a:schemeClr val="lt1"/>
-          </a:fontRef>
-        </p:style>
-        <p:txBody>
-          <a:bodyPr rtlCol="0" anchor="ctr"/>
-          <a:lstStyle/>
-          <a:p>
-            <a:pPr algn="ctr"/>
-            <a:endParaRPr lang="vi-VN"/>
+              <a:t>Có</a:t>
+            </a:r>
+            <a:r>
+              <a:rPr lang="en-US" dirty="0" smtClean="0"/>
+              <a:t> </a:t>
+            </a:r>
+            <a:r>
+              <a:rPr lang="en-US" dirty="0" err="1" smtClean="0"/>
+              <a:t>khả</a:t>
+            </a:r>
+            <a:r>
+              <a:rPr lang="en-US" dirty="0" smtClean="0"/>
+              <a:t> </a:t>
+            </a:r>
+            <a:r>
+              <a:rPr lang="en-US" dirty="0" err="1" smtClean="0"/>
+              <a:t>năng</a:t>
+            </a:r>
+            <a:r>
+              <a:rPr lang="en-US" dirty="0" smtClean="0"/>
+              <a:t> </a:t>
+            </a:r>
+            <a:r>
+              <a:rPr lang="en-US" dirty="0" err="1" smtClean="0"/>
+              <a:t>kết</a:t>
+            </a:r>
+            <a:r>
+              <a:rPr lang="en-US" dirty="0" smtClean="0"/>
+              <a:t> </a:t>
+            </a:r>
+            <a:r>
+              <a:rPr lang="en-US" dirty="0" err="1" smtClean="0"/>
+              <a:t>hợp</a:t>
+            </a:r>
+            <a:r>
+              <a:rPr lang="en-US" dirty="0" smtClean="0"/>
+              <a:t> </a:t>
+            </a:r>
+            <a:r>
+              <a:rPr lang="en-US" dirty="0" err="1" smtClean="0"/>
+              <a:t>với</a:t>
+            </a:r>
+            <a:r>
+              <a:rPr lang="en-US" dirty="0" smtClean="0"/>
+              <a:t> </a:t>
+            </a:r>
+            <a:r>
+              <a:rPr lang="en-US" dirty="0" err="1" smtClean="0"/>
+              <a:t>hệ</a:t>
+            </a:r>
+            <a:r>
+              <a:rPr lang="en-US" dirty="0" smtClean="0"/>
+              <a:t> </a:t>
+            </a:r>
+            <a:r>
+              <a:rPr lang="en-US" dirty="0" err="1" smtClean="0"/>
+              <a:t>thống</a:t>
+            </a:r>
+            <a:r>
+              <a:rPr lang="en-US" dirty="0" smtClean="0"/>
+              <a:t> </a:t>
+            </a:r>
+            <a:r>
+              <a:rPr lang="en-US" dirty="0" err="1" smtClean="0"/>
+              <a:t>hiện</a:t>
+            </a:r>
+            <a:r>
+              <a:rPr lang="en-US" dirty="0" smtClean="0"/>
+              <a:t> </a:t>
+            </a:r>
+            <a:r>
+              <a:rPr lang="en-US" dirty="0" err="1" smtClean="0"/>
+              <a:t>tại</a:t>
+            </a:r>
+            <a:endParaRPr lang="vi-VN" dirty="0"/>
           </a:p>
         </p:txBody>
       </p:sp>
     </p:spTree>
-    <p:extLst>
-      <p:ext uri="{BB962C8B-B14F-4D97-AF65-F5344CB8AC3E}">
-        <p14:creationId xmlns:p14="http://schemas.microsoft.com/office/powerpoint/2010/main" xmlns="" val="3252269075"/>
-      </p:ext>
-    </p:extLst>
   </p:cSld>
   <p:clrMapOvr>
     <a:masterClrMapping/>
@@ -14548,172 +15259,6 @@
           <a:lstStyle/>
           <a:p>
             <a:r>
-              <a:rPr lang="en-US" dirty="0" err="1" smtClean="0"/>
-              <a:t>Tính</a:t>
-            </a:r>
-            <a:r>
-              <a:rPr lang="en-US" dirty="0" smtClean="0"/>
-              <a:t> </a:t>
-            </a:r>
-            <a:r>
-              <a:rPr lang="en-US" dirty="0" err="1" smtClean="0"/>
-              <a:t>khả</a:t>
-            </a:r>
-            <a:r>
-              <a:rPr lang="en-US" dirty="0" smtClean="0"/>
-              <a:t> </a:t>
-            </a:r>
-            <a:r>
-              <a:rPr lang="en-US" dirty="0" err="1" smtClean="0"/>
-              <a:t>thi</a:t>
-            </a:r>
-            <a:endParaRPr lang="vi-VN" dirty="0"/>
-          </a:p>
-        </p:txBody>
-      </p:sp>
-      <p:sp>
-        <p:nvSpPr>
-          <p:cNvPr id="3" name="Content Placeholder 2"/>
-          <p:cNvSpPr>
-            <a:spLocks noGrp="1"/>
-          </p:cNvSpPr>
-          <p:nvPr>
-            <p:ph idx="1"/>
-          </p:nvPr>
-        </p:nvSpPr>
-        <p:spPr/>
-        <p:txBody>
-          <a:bodyPr/>
-          <a:lstStyle/>
-          <a:p>
-            <a:r>
-              <a:rPr lang="en-US" dirty="0" err="1" smtClean="0"/>
-              <a:t>Có</a:t>
-            </a:r>
-            <a:r>
-              <a:rPr lang="en-US" dirty="0" smtClean="0"/>
-              <a:t> </a:t>
-            </a:r>
-            <a:r>
-              <a:rPr lang="en-US" dirty="0" err="1" smtClean="0"/>
-              <a:t>khả</a:t>
-            </a:r>
-            <a:r>
-              <a:rPr lang="en-US" dirty="0" smtClean="0"/>
-              <a:t> </a:t>
-            </a:r>
-            <a:r>
-              <a:rPr lang="en-US" dirty="0" err="1" smtClean="0"/>
-              <a:t>năng</a:t>
-            </a:r>
-            <a:r>
-              <a:rPr lang="en-US" dirty="0" smtClean="0"/>
-              <a:t> </a:t>
-            </a:r>
-            <a:r>
-              <a:rPr lang="en-US" dirty="0" err="1" smtClean="0"/>
-              <a:t>kết</a:t>
-            </a:r>
-            <a:r>
-              <a:rPr lang="en-US" dirty="0" smtClean="0"/>
-              <a:t> </a:t>
-            </a:r>
-            <a:r>
-              <a:rPr lang="en-US" dirty="0" err="1" smtClean="0"/>
-              <a:t>hợp</a:t>
-            </a:r>
-            <a:r>
-              <a:rPr lang="en-US" dirty="0" smtClean="0"/>
-              <a:t> </a:t>
-            </a:r>
-            <a:r>
-              <a:rPr lang="en-US" dirty="0" err="1" smtClean="0"/>
-              <a:t>với</a:t>
-            </a:r>
-            <a:r>
-              <a:rPr lang="en-US" dirty="0" smtClean="0"/>
-              <a:t> </a:t>
-            </a:r>
-            <a:r>
-              <a:rPr lang="en-US" dirty="0" err="1" smtClean="0"/>
-              <a:t>hệ</a:t>
-            </a:r>
-            <a:r>
-              <a:rPr lang="en-US" dirty="0" smtClean="0"/>
-              <a:t> </a:t>
-            </a:r>
-            <a:r>
-              <a:rPr lang="en-US" dirty="0" err="1" smtClean="0"/>
-              <a:t>thống</a:t>
-            </a:r>
-            <a:r>
-              <a:rPr lang="en-US" dirty="0" smtClean="0"/>
-              <a:t> </a:t>
-            </a:r>
-            <a:r>
-              <a:rPr lang="en-US" dirty="0" err="1" smtClean="0"/>
-              <a:t>hiện</a:t>
-            </a:r>
-            <a:r>
-              <a:rPr lang="en-US" dirty="0" smtClean="0"/>
-              <a:t> </a:t>
-            </a:r>
-            <a:r>
-              <a:rPr lang="en-US" dirty="0" err="1" smtClean="0"/>
-              <a:t>tại</a:t>
-            </a:r>
-            <a:endParaRPr lang="vi-VN" dirty="0"/>
-          </a:p>
-        </p:txBody>
-      </p:sp>
-    </p:spTree>
-  </p:cSld>
-  <p:clrMapOvr>
-    <a:masterClrMapping/>
-  </p:clrMapOvr>
-  <p:timing>
-    <p:tnLst>
-      <p:par>
-        <p:cTn id="1" dur="indefinite" restart="never" nodeType="tmRoot"/>
-      </p:par>
-    </p:tnLst>
-  </p:timing>
-</p:sld>
-</file>
-
-<file path=ppt/slides/slide32.xml><?xml version="1.0" encoding="utf-8"?>
-<p:sld xmlns:a="http://schemas.openxmlformats.org/drawingml/2006/main" xmlns:r="http://schemas.openxmlformats.org/officeDocument/2006/relationships" xmlns:p="http://schemas.openxmlformats.org/presentationml/2006/main">
-  <p:cSld>
-    <p:spTree>
-      <p:nvGrpSpPr>
-        <p:cNvPr id="1" name=""/>
-        <p:cNvGrpSpPr/>
-        <p:nvPr/>
-      </p:nvGrpSpPr>
-      <p:grpSpPr>
-        <a:xfrm>
-          <a:off x="0" y="0"/>
-          <a:ext cx="0" cy="0"/>
-          <a:chOff x="0" y="0"/>
-          <a:chExt cx="0" cy="0"/>
-        </a:xfrm>
-      </p:grpSpPr>
-      <p:sp>
-        <p:nvSpPr>
-          <p:cNvPr id="2" name="Title 1"/>
-          <p:cNvSpPr>
-            <a:spLocks noGrp="1"/>
-          </p:cNvSpPr>
-          <p:nvPr>
-            <p:ph type="title"/>
-          </p:nvPr>
-        </p:nvSpPr>
-        <p:spPr/>
-        <p:txBody>
-          <a:bodyPr/>
-          <a:lstStyle/>
-          <a:p>
-            <a:r>
               <a:rPr lang="en-US" dirty="0" smtClean="0"/>
               <a:t>References</a:t>
             </a:r>
@@ -14948,7 +15493,7 @@
     </p:spTree>
     <p:extLst>
       <p:ext uri="{BB962C8B-B14F-4D97-AF65-F5344CB8AC3E}">
-        <p14:creationId xmlns:p14="http://schemas.microsoft.com/office/powerpoint/2010/main" xmlns="" val="3157504284"/>
+        <p14:creationId xmlns="" xmlns:p14="http://schemas.microsoft.com/office/powerpoint/2010/main" val="3157504284"/>
       </p:ext>
     </p:extLst>
   </p:cSld>
@@ -15266,7 +15811,7 @@
     </p:spTree>
     <p:extLst>
       <p:ext uri="{BB962C8B-B14F-4D97-AF65-F5344CB8AC3E}">
-        <p14:creationId xmlns:p14="http://schemas.microsoft.com/office/powerpoint/2010/main" xmlns="" val="4026455922"/>
+        <p14:creationId xmlns="" xmlns:p14="http://schemas.microsoft.com/office/powerpoint/2010/main" val="4026455922"/>
       </p:ext>
     </p:extLst>
   </p:cSld>
@@ -15360,11 +15905,7 @@
           <a:p>
             <a:r>
               <a:rPr lang="en-US" dirty="0" smtClean="0"/>
-              <a:t>Generalization Hierarchies </a:t>
-            </a:r>
-            <a:r>
-              <a:rPr lang="en-US" dirty="0" smtClean="0"/>
-              <a:t>(</a:t>
+              <a:t>Generalization Hierarchies (</a:t>
             </a:r>
             <a:r>
               <a:rPr lang="en-US" dirty="0" err="1" smtClean="0"/>
@@ -15398,7 +15939,6 @@
               <a:rPr lang="en-US" dirty="0" smtClean="0"/>
               <a:t>)</a:t>
             </a:r>
-            <a:endParaRPr lang="en-US" dirty="0" smtClean="0"/>
           </a:p>
           <a:p>
             <a:pPr lvl="1"/>
@@ -15418,7 +15958,7 @@
           <a:blip r:embed="rId2" cstate="print">
             <a:extLst>
               <a:ext uri="{28A0092B-C50C-407E-A947-70E740481C1C}">
-                <a14:useLocalDpi xmlns:a14="http://schemas.microsoft.com/office/drawing/2010/main" xmlns="" val="0"/>
+                <a14:useLocalDpi xmlns="" xmlns:a14="http://schemas.microsoft.com/office/drawing/2010/main" val="0"/>
               </a:ext>
             </a:extLst>
           </a:blip>
@@ -15448,7 +15988,7 @@
           <a:blip r:embed="rId3" cstate="print">
             <a:extLst>
               <a:ext uri="{28A0092B-C50C-407E-A947-70E740481C1C}">
-                <a14:useLocalDpi xmlns:a14="http://schemas.microsoft.com/office/drawing/2010/main" xmlns="" val="0"/>
+                <a14:useLocalDpi xmlns="" xmlns:a14="http://schemas.microsoft.com/office/drawing/2010/main" val="0"/>
               </a:ext>
             </a:extLst>
           </a:blip>
@@ -15478,7 +16018,7 @@
           <a:blip r:embed="rId4" cstate="print">
             <a:extLst>
               <a:ext uri="{28A0092B-C50C-407E-A947-70E740481C1C}">
-                <a14:useLocalDpi xmlns:a14="http://schemas.microsoft.com/office/drawing/2010/main" xmlns="" val="0"/>
+                <a14:useLocalDpi xmlns="" xmlns:a14="http://schemas.microsoft.com/office/drawing/2010/main" val="0"/>
               </a:ext>
             </a:extLst>
           </a:blip>
@@ -15499,7 +16039,7 @@
     </p:spTree>
     <p:extLst>
       <p:ext uri="{BB962C8B-B14F-4D97-AF65-F5344CB8AC3E}">
-        <p14:creationId xmlns:p14="http://schemas.microsoft.com/office/powerpoint/2010/main" xmlns="" val="3625115213"/>
+        <p14:creationId xmlns="" xmlns:p14="http://schemas.microsoft.com/office/powerpoint/2010/main" val="3625115213"/>
       </p:ext>
     </p:extLst>
   </p:cSld>
@@ -15683,36 +16223,6 @@
       </p:sp>
       <p:pic>
         <p:nvPicPr>
-          <p:cNvPr id="5" name="Picture 4"/>
-          <p:cNvPicPr>
-            <a:picLocks noChangeAspect="1"/>
-          </p:cNvPicPr>
-          <p:nvPr/>
-        </p:nvPicPr>
-        <p:blipFill>
-          <a:blip r:embed="rId2" cstate="print">
-            <a:extLst>
-              <a:ext uri="{28A0092B-C50C-407E-A947-70E740481C1C}">
-                <a14:useLocalDpi xmlns:a14="http://schemas.microsoft.com/office/drawing/2010/main" xmlns="" val="0"/>
-              </a:ext>
-            </a:extLst>
-          </a:blip>
-          <a:stretch>
-            <a:fillRect/>
-          </a:stretch>
-        </p:blipFill>
-        <p:spPr>
-          <a:xfrm>
-            <a:off x="399466" y="3124200"/>
-            <a:ext cx="8345065" cy="838317"/>
-          </a:xfrm>
-          <a:prstGeom prst="rect">
-            <a:avLst/>
-          </a:prstGeom>
-        </p:spPr>
-      </p:pic>
-      <p:pic>
-        <p:nvPicPr>
           <p:cNvPr id="6" name="Picture 5" descr="Screen Clipping"/>
           <p:cNvPicPr>
             <a:picLocks noChangeAspect="1"/>
@@ -15723,7 +16233,7 @@
           <a:blip r:embed="rId3" cstate="print">
             <a:extLst>
               <a:ext uri="{28A0092B-C50C-407E-A947-70E740481C1C}">
-                <a14:useLocalDpi xmlns:a14="http://schemas.microsoft.com/office/drawing/2010/main" xmlns="" val="0"/>
+                <a14:useLocalDpi xmlns="" xmlns:a14="http://schemas.microsoft.com/office/drawing/2010/main" val="0"/>
               </a:ext>
             </a:extLst>
           </a:blip>
@@ -15733,8 +16243,36 @@
         </p:blipFill>
         <p:spPr>
           <a:xfrm>
-            <a:off x="3581400" y="4572000"/>
+            <a:off x="381000" y="4572000"/>
             <a:ext cx="2838846" cy="1200318"/>
+          </a:xfrm>
+          <a:prstGeom prst="rect">
+            <a:avLst/>
+          </a:prstGeom>
+        </p:spPr>
+      </p:pic>
+      <p:pic>
+        <p:nvPicPr>
+          <p:cNvPr id="7" name="Picture 6"/>
+          <p:cNvPicPr/>
+          <p:nvPr/>
+        </p:nvPicPr>
+        <p:blipFill>
+          <a:blip r:embed="rId4" cstate="print">
+            <a:extLst>
+              <a:ext uri="{28A0092B-C50C-407E-A947-70E740481C1C}">
+                <a14:useLocalDpi xmlns="" xmlns:wpc="http://schemas.microsoft.com/office/word/2010/wordprocessingCanvas" xmlns:mc="http://schemas.openxmlformats.org/markup-compatibility/2006" xmlns:o="urn:schemas-microsoft-com:office:office" xmlns:m="http://schemas.openxmlformats.org/officeDocument/2006/math" xmlns:v="urn:schemas-microsoft-com:vml" xmlns:wp14="http://schemas.microsoft.com/office/word/2010/wordprocessingDrawing" xmlns:wp="http://schemas.openxmlformats.org/drawingml/2006/wordprocessingDrawing" xmlns:w10="urn:schemas-microsoft-com:office:word" xmlns:w="http://schemas.openxmlformats.org/wordprocessingml/2006/main" xmlns:w14="http://schemas.microsoft.com/office/word/2010/wordml" xmlns:wpg="http://schemas.microsoft.com/office/word/2010/wordprocessingGroup" xmlns:wpi="http://schemas.microsoft.com/office/word/2010/wordprocessingInk" xmlns:wne="http://schemas.microsoft.com/office/word/2006/wordml" xmlns:wps="http://schemas.microsoft.com/office/word/2010/wordprocessingShape" xmlns:a14="http://schemas.microsoft.com/office/drawing/2010/main" xmlns:pic="http://schemas.openxmlformats.org/drawingml/2006/picture" xmlns:lc="http://schemas.openxmlformats.org/drawingml/2006/lockedCanvas" val="0"/>
+              </a:ext>
+            </a:extLst>
+          </a:blip>
+          <a:stretch>
+            <a:fillRect/>
+          </a:stretch>
+        </p:blipFill>
+        <p:spPr>
+          <a:xfrm>
+            <a:off x="609600" y="2895600"/>
+            <a:ext cx="7391400" cy="1447800"/>
           </a:xfrm>
           <a:prstGeom prst="rect">
             <a:avLst/>
@@ -15744,7 +16282,7 @@
     </p:spTree>
     <p:extLst>
       <p:ext uri="{BB962C8B-B14F-4D97-AF65-F5344CB8AC3E}">
-        <p14:creationId xmlns:p14="http://schemas.microsoft.com/office/powerpoint/2010/main" xmlns="" val="3034690439"/>
+        <p14:creationId xmlns="" xmlns:p14="http://schemas.microsoft.com/office/powerpoint/2010/main" val="3034690439"/>
       </p:ext>
     </p:extLst>
   </p:cSld>
@@ -15983,7 +16521,7 @@
     </p:spTree>
     <p:extLst>
       <p:ext uri="{BB962C8B-B14F-4D97-AF65-F5344CB8AC3E}">
-        <p14:creationId xmlns:p14="http://schemas.microsoft.com/office/powerpoint/2010/main" xmlns="" val="1006522530"/>
+        <p14:creationId xmlns="" xmlns:p14="http://schemas.microsoft.com/office/powerpoint/2010/main" val="1006522530"/>
       </p:ext>
     </p:extLst>
   </p:cSld>
@@ -16066,7 +16604,7 @@
           <a:blip r:embed="rId2" cstate="print">
             <a:extLst>
               <a:ext uri="{28A0092B-C50C-407E-A947-70E740481C1C}">
-                <a14:useLocalDpi xmlns:a14="http://schemas.microsoft.com/office/drawing/2010/main" xmlns="" val="0"/>
+                <a14:useLocalDpi xmlns="" xmlns:a14="http://schemas.microsoft.com/office/drawing/2010/main" val="0"/>
               </a:ext>
             </a:extLst>
           </a:blip>
@@ -16108,7 +16646,7 @@
     </p:spTree>
     <p:extLst>
       <p:ext uri="{BB962C8B-B14F-4D97-AF65-F5344CB8AC3E}">
-        <p14:creationId xmlns:p14="http://schemas.microsoft.com/office/powerpoint/2010/main" xmlns="" val="2497628398"/>
+        <p14:creationId xmlns="" xmlns:p14="http://schemas.microsoft.com/office/powerpoint/2010/main" val="2497628398"/>
       </p:ext>
     </p:extLst>
   </p:cSld>
@@ -16756,7 +17294,7 @@
           <a:blip r:embed="rId6" cstate="print">
             <a:extLst>
               <a:ext uri="{28A0092B-C50C-407E-A947-70E740481C1C}">
-                <a14:useLocalDpi xmlns:a14="http://schemas.microsoft.com/office/drawing/2010/main" xmlns="" val="0"/>
+                <a14:useLocalDpi xmlns="" xmlns:a14="http://schemas.microsoft.com/office/drawing/2010/main" val="0"/>
               </a:ext>
             </a:extLst>
           </a:blip>
@@ -16786,7 +17324,7 @@
           <a:blip r:embed="rId7" cstate="print">
             <a:extLst>
               <a:ext uri="{28A0092B-C50C-407E-A947-70E740481C1C}">
-                <a14:useLocalDpi xmlns:a14="http://schemas.microsoft.com/office/drawing/2010/main" xmlns="" val="0"/>
+                <a14:useLocalDpi xmlns="" xmlns:a14="http://schemas.microsoft.com/office/drawing/2010/main" val="0"/>
               </a:ext>
             </a:extLst>
           </a:blip>
@@ -16807,7 +17345,7 @@
     </p:spTree>
     <p:extLst>
       <p:ext uri="{BB962C8B-B14F-4D97-AF65-F5344CB8AC3E}">
-        <p14:creationId xmlns:p14="http://schemas.microsoft.com/office/powerpoint/2010/main" xmlns="" val="1107579221"/>
+        <p14:creationId xmlns="" xmlns:p14="http://schemas.microsoft.com/office/powerpoint/2010/main" val="1107579221"/>
       </p:ext>
     </p:extLst>
   </p:cSld>
@@ -17110,4 +17648,287 @@
   <a:objectDefaults/>
   <a:extraClrSchemeLst/>
 </a:theme>
+</file>
+
+<file path=ppt/theme/theme2.xml><?xml version="1.0" encoding="utf-8"?>
+<a:theme xmlns:a="http://schemas.openxmlformats.org/drawingml/2006/main" name="Office Theme">
+  <a:themeElements>
+    <a:clrScheme name="Office">
+      <a:dk1>
+        <a:sysClr val="windowText" lastClr="000000"/>
+      </a:dk1>
+      <a:lt1>
+        <a:sysClr val="window" lastClr="FFFFFF"/>
+      </a:lt1>
+      <a:dk2>
+        <a:srgbClr val="1F497D"/>
+      </a:dk2>
+      <a:lt2>
+        <a:srgbClr val="EEECE1"/>
+      </a:lt2>
+      <a:accent1>
+        <a:srgbClr val="4F81BD"/>
+      </a:accent1>
+      <a:accent2>
+        <a:srgbClr val="C0504D"/>
+      </a:accent2>
+      <a:accent3>
+        <a:srgbClr val="9BBB59"/>
+      </a:accent3>
+      <a:accent4>
+        <a:srgbClr val="8064A2"/>
+      </a:accent4>
+      <a:accent5>
+        <a:srgbClr val="4BACC6"/>
+      </a:accent5>
+      <a:accent6>
+        <a:srgbClr val="F79646"/>
+      </a:accent6>
+      <a:hlink>
+        <a:srgbClr val="0000FF"/>
+      </a:hlink>
+      <a:folHlink>
+        <a:srgbClr val="800080"/>
+      </a:folHlink>
+    </a:clrScheme>
+    <a:fontScheme name="Office">
+      <a:majorFont>
+        <a:latin typeface="Calibri"/>
+        <a:ea typeface=""/>
+        <a:cs typeface=""/>
+        <a:font script="Jpan" typeface="ＭＳ Ｐゴシック"/>
+        <a:font script="Hang" typeface="맑은 고딕"/>
+        <a:font script="Hans" typeface="宋体"/>
+        <a:font script="Hant" typeface="新細明體"/>
+        <a:font script="Arab" typeface="Times New Roman"/>
+        <a:font script="Hebr" typeface="Times New Roman"/>
+        <a:font script="Thai" typeface="Angsana New"/>
+        <a:font script="Ethi" typeface="Nyala"/>
+        <a:font script="Beng" typeface="Vrinda"/>
+        <a:font script="Gujr" typeface="Shruti"/>
+        <a:font script="Khmr" typeface="MoolBoran"/>
+        <a:font script="Knda" typeface="Tunga"/>
+        <a:font script="Guru" typeface="Raavi"/>
+        <a:font script="Cans" typeface="Euphemia"/>
+        <a:font script="Cher" typeface="Plantagenet Cherokee"/>
+        <a:font script="Yiii" typeface="Microsoft Yi Baiti"/>
+        <a:font script="Tibt" typeface="Microsoft Himalaya"/>
+        <a:font script="Thaa" typeface="MV Boli"/>
+        <a:font script="Deva" typeface="Mangal"/>
+        <a:font script="Telu" typeface="Gautami"/>
+        <a:font script="Taml" typeface="Latha"/>
+        <a:font script="Syrc" typeface="Estrangelo Edessa"/>
+        <a:font script="Orya" typeface="Kalinga"/>
+        <a:font script="Mlym" typeface="Kartika"/>
+        <a:font script="Laoo" typeface="DokChampa"/>
+        <a:font script="Sinh" typeface="Iskoola Pota"/>
+        <a:font script="Mong" typeface="Mongolian Baiti"/>
+        <a:font script="Viet" typeface="Times New Roman"/>
+        <a:font script="Uigh" typeface="Microsoft Uighur"/>
+      </a:majorFont>
+      <a:minorFont>
+        <a:latin typeface="Calibri"/>
+        <a:ea typeface=""/>
+        <a:cs typeface=""/>
+        <a:font script="Jpan" typeface="ＭＳ Ｐゴシック"/>
+        <a:font script="Hang" typeface="맑은 고딕"/>
+        <a:font script="Hans" typeface="宋体"/>
+        <a:font script="Hant" typeface="新細明體"/>
+        <a:font script="Arab" typeface="Arial"/>
+        <a:font script="Hebr" typeface="Arial"/>
+        <a:font script="Thai" typeface="Cordia New"/>
+        <a:font script="Ethi" typeface="Nyala"/>
+        <a:font script="Beng" typeface="Vrinda"/>
+        <a:font script="Gujr" typeface="Shruti"/>
+        <a:font script="Khmr" typeface="DaunPenh"/>
+        <a:font script="Knda" typeface="Tunga"/>
+        <a:font script="Guru" typeface="Raavi"/>
+        <a:font script="Cans" typeface="Euphemia"/>
+        <a:font script="Cher" typeface="Plantagenet Cherokee"/>
+        <a:font script="Yiii" typeface="Microsoft Yi Baiti"/>
+        <a:font script="Tibt" typeface="Microsoft Himalaya"/>
+        <a:font script="Thaa" typeface="MV Boli"/>
+        <a:font script="Deva" typeface="Mangal"/>
+        <a:font script="Telu" typeface="Gautami"/>
+        <a:font script="Taml" typeface="Latha"/>
+        <a:font script="Syrc" typeface="Estrangelo Edessa"/>
+        <a:font script="Orya" typeface="Kalinga"/>
+        <a:font script="Mlym" typeface="Kartika"/>
+        <a:font script="Laoo" typeface="DokChampa"/>
+        <a:font script="Sinh" typeface="Iskoola Pota"/>
+        <a:font script="Mong" typeface="Mongolian Baiti"/>
+        <a:font script="Viet" typeface="Arial"/>
+        <a:font script="Uigh" typeface="Microsoft Uighur"/>
+      </a:minorFont>
+    </a:fontScheme>
+    <a:fmtScheme name="Office">
+      <a:fillStyleLst>
+        <a:solidFill>
+          <a:schemeClr val="phClr"/>
+        </a:solidFill>
+        <a:gradFill rotWithShape="1">
+          <a:gsLst>
+            <a:gs pos="0">
+              <a:schemeClr val="phClr">
+                <a:tint val="50000"/>
+                <a:satMod val="300000"/>
+              </a:schemeClr>
+            </a:gs>
+            <a:gs pos="35000">
+              <a:schemeClr val="phClr">
+                <a:tint val="37000"/>
+                <a:satMod val="300000"/>
+              </a:schemeClr>
+            </a:gs>
+            <a:gs pos="100000">
+              <a:schemeClr val="phClr">
+                <a:tint val="15000"/>
+                <a:satMod val="350000"/>
+              </a:schemeClr>
+            </a:gs>
+          </a:gsLst>
+          <a:lin ang="16200000" scaled="1"/>
+        </a:gradFill>
+        <a:gradFill rotWithShape="1">
+          <a:gsLst>
+            <a:gs pos="0">
+              <a:schemeClr val="phClr">
+                <a:shade val="51000"/>
+                <a:satMod val="130000"/>
+              </a:schemeClr>
+            </a:gs>
+            <a:gs pos="80000">
+              <a:schemeClr val="phClr">
+                <a:shade val="93000"/>
+                <a:satMod val="130000"/>
+              </a:schemeClr>
+            </a:gs>
+            <a:gs pos="100000">
+              <a:schemeClr val="phClr">
+                <a:shade val="94000"/>
+                <a:satMod val="135000"/>
+              </a:schemeClr>
+            </a:gs>
+          </a:gsLst>
+          <a:lin ang="16200000" scaled="0"/>
+        </a:gradFill>
+      </a:fillStyleLst>
+      <a:lnStyleLst>
+        <a:ln w="9525" cap="flat" cmpd="sng" algn="ctr">
+          <a:solidFill>
+            <a:schemeClr val="phClr">
+              <a:shade val="95000"/>
+              <a:satMod val="105000"/>
+            </a:schemeClr>
+          </a:solidFill>
+          <a:prstDash val="solid"/>
+        </a:ln>
+        <a:ln w="25400" cap="flat" cmpd="sng" algn="ctr">
+          <a:solidFill>
+            <a:schemeClr val="phClr"/>
+          </a:solidFill>
+          <a:prstDash val="solid"/>
+        </a:ln>
+        <a:ln w="38100" cap="flat" cmpd="sng" algn="ctr">
+          <a:solidFill>
+            <a:schemeClr val="phClr"/>
+          </a:solidFill>
+          <a:prstDash val="solid"/>
+        </a:ln>
+      </a:lnStyleLst>
+      <a:effectStyleLst>
+        <a:effectStyle>
+          <a:effectLst>
+            <a:outerShdw blurRad="40000" dist="20000" dir="5400000" rotWithShape="0">
+              <a:srgbClr val="000000">
+                <a:alpha val="38000"/>
+              </a:srgbClr>
+            </a:outerShdw>
+          </a:effectLst>
+        </a:effectStyle>
+        <a:effectStyle>
+          <a:effectLst>
+            <a:outerShdw blurRad="40000" dist="23000" dir="5400000" rotWithShape="0">
+              <a:srgbClr val="000000">
+                <a:alpha val="35000"/>
+              </a:srgbClr>
+            </a:outerShdw>
+          </a:effectLst>
+        </a:effectStyle>
+        <a:effectStyle>
+          <a:effectLst>
+            <a:outerShdw blurRad="40000" dist="23000" dir="5400000" rotWithShape="0">
+              <a:srgbClr val="000000">
+                <a:alpha val="35000"/>
+              </a:srgbClr>
+            </a:outerShdw>
+          </a:effectLst>
+          <a:scene3d>
+            <a:camera prst="orthographicFront">
+              <a:rot lat="0" lon="0" rev="0"/>
+            </a:camera>
+            <a:lightRig rig="threePt" dir="t">
+              <a:rot lat="0" lon="0" rev="1200000"/>
+            </a:lightRig>
+          </a:scene3d>
+          <a:sp3d>
+            <a:bevelT w="63500" h="25400"/>
+          </a:sp3d>
+        </a:effectStyle>
+      </a:effectStyleLst>
+      <a:bgFillStyleLst>
+        <a:solidFill>
+          <a:schemeClr val="phClr"/>
+        </a:solidFill>
+        <a:gradFill rotWithShape="1">
+          <a:gsLst>
+            <a:gs pos="0">
+              <a:schemeClr val="phClr">
+                <a:tint val="40000"/>
+                <a:satMod val="350000"/>
+              </a:schemeClr>
+            </a:gs>
+            <a:gs pos="40000">
+              <a:schemeClr val="phClr">
+                <a:tint val="45000"/>
+                <a:shade val="99000"/>
+                <a:satMod val="350000"/>
+              </a:schemeClr>
+            </a:gs>
+            <a:gs pos="100000">
+              <a:schemeClr val="phClr">
+                <a:shade val="20000"/>
+                <a:satMod val="255000"/>
+              </a:schemeClr>
+            </a:gs>
+          </a:gsLst>
+          <a:path path="circle">
+            <a:fillToRect l="50000" t="-80000" r="50000" b="180000"/>
+          </a:path>
+        </a:gradFill>
+        <a:gradFill rotWithShape="1">
+          <a:gsLst>
+            <a:gs pos="0">
+              <a:schemeClr val="phClr">
+                <a:tint val="80000"/>
+                <a:satMod val="300000"/>
+              </a:schemeClr>
+            </a:gs>
+            <a:gs pos="100000">
+              <a:schemeClr val="phClr">
+                <a:shade val="30000"/>
+                <a:satMod val="200000"/>
+              </a:schemeClr>
+            </a:gs>
+          </a:gsLst>
+          <a:path path="circle">
+            <a:fillToRect l="50000" t="50000" r="50000" b="50000"/>
+          </a:path>
+        </a:gradFill>
+      </a:bgFillStyleLst>
+    </a:fmtScheme>
+  </a:themeElements>
+  <a:objectDefaults/>
+  <a:extraClrSchemeLst/>
+</a:theme>
 </file>